--- a/help/実践ソフトウェア開発_演習資料.pptx
+++ b/help/実践ソフトウェア開発_演習資料.pptx
@@ -12,28 +12,30 @@
     <p:sldId id="283" r:id="rId6"/>
     <p:sldId id="263" r:id="rId7"/>
     <p:sldId id="261" r:id="rId8"/>
-    <p:sldId id="274" r:id="rId9"/>
-    <p:sldId id="258" r:id="rId10"/>
-    <p:sldId id="260" r:id="rId11"/>
-    <p:sldId id="281" r:id="rId12"/>
-    <p:sldId id="264" r:id="rId13"/>
-    <p:sldId id="272" r:id="rId14"/>
-    <p:sldId id="265" r:id="rId15"/>
-    <p:sldId id="273" r:id="rId16"/>
-    <p:sldId id="266" r:id="rId17"/>
-    <p:sldId id="284" r:id="rId18"/>
-    <p:sldId id="269" r:id="rId19"/>
-    <p:sldId id="278" r:id="rId20"/>
-    <p:sldId id="285" r:id="rId21"/>
-    <p:sldId id="275" r:id="rId22"/>
-    <p:sldId id="276" r:id="rId23"/>
-    <p:sldId id="277" r:id="rId24"/>
-    <p:sldId id="271" r:id="rId25"/>
-    <p:sldId id="267" r:id="rId26"/>
-    <p:sldId id="268" r:id="rId27"/>
-    <p:sldId id="270" r:id="rId28"/>
-    <p:sldId id="279" r:id="rId29"/>
-    <p:sldId id="280" r:id="rId30"/>
+    <p:sldId id="286" r:id="rId9"/>
+    <p:sldId id="274" r:id="rId10"/>
+    <p:sldId id="258" r:id="rId11"/>
+    <p:sldId id="260" r:id="rId12"/>
+    <p:sldId id="281" r:id="rId13"/>
+    <p:sldId id="264" r:id="rId14"/>
+    <p:sldId id="272" r:id="rId15"/>
+    <p:sldId id="265" r:id="rId16"/>
+    <p:sldId id="273" r:id="rId17"/>
+    <p:sldId id="266" r:id="rId18"/>
+    <p:sldId id="284" r:id="rId19"/>
+    <p:sldId id="269" r:id="rId20"/>
+    <p:sldId id="278" r:id="rId21"/>
+    <p:sldId id="285" r:id="rId22"/>
+    <p:sldId id="275" r:id="rId23"/>
+    <p:sldId id="276" r:id="rId24"/>
+    <p:sldId id="277" r:id="rId25"/>
+    <p:sldId id="271" r:id="rId26"/>
+    <p:sldId id="267" r:id="rId27"/>
+    <p:sldId id="268" r:id="rId28"/>
+    <p:sldId id="270" r:id="rId29"/>
+    <p:sldId id="287" r:id="rId30"/>
+    <p:sldId id="279" r:id="rId31"/>
+    <p:sldId id="280" r:id="rId32"/>
   </p:sldIdLst>
   <p:sldSz cx="12192000" cy="6858000"/>
   <p:notesSz cx="6858000" cy="9144000"/>
@@ -279,7 +281,7 @@
           <a:p>
             <a:fld id="{B26AEEE1-DE07-4E84-8E94-724BCA73CA92}" type="datetimeFigureOut">
               <a:rPr kumimoji="1" lang="ja-JP" altLang="en-US" smtClean="0"/>
-              <a:t>2023/7/27</a:t>
+              <a:t>2023/7/31</a:t>
             </a:fld>
             <a:endParaRPr kumimoji="1" lang="ja-JP" altLang="en-US"/>
           </a:p>
@@ -522,7 +524,7 @@
           <a:p>
             <a:fld id="{B26AEEE1-DE07-4E84-8E94-724BCA73CA92}" type="datetimeFigureOut">
               <a:rPr kumimoji="1" lang="ja-JP" altLang="en-US" smtClean="0"/>
-              <a:t>2023/7/27</a:t>
+              <a:t>2023/7/31</a:t>
             </a:fld>
             <a:endParaRPr kumimoji="1" lang="ja-JP" altLang="en-US"/>
           </a:p>
@@ -769,7 +771,7 @@
           <a:p>
             <a:fld id="{B26AEEE1-DE07-4E84-8E94-724BCA73CA92}" type="datetimeFigureOut">
               <a:rPr kumimoji="1" lang="ja-JP" altLang="en-US" smtClean="0"/>
-              <a:t>2023/7/27</a:t>
+              <a:t>2023/7/31</a:t>
             </a:fld>
             <a:endParaRPr kumimoji="1" lang="ja-JP" altLang="en-US"/>
           </a:p>
@@ -1002,7 +1004,7 @@
           <a:p>
             <a:fld id="{B26AEEE1-DE07-4E84-8E94-724BCA73CA92}" type="datetimeFigureOut">
               <a:rPr kumimoji="1" lang="ja-JP" altLang="en-US" smtClean="0"/>
-              <a:t>2023/7/27</a:t>
+              <a:t>2023/7/31</a:t>
             </a:fld>
             <a:endParaRPr kumimoji="1" lang="ja-JP" altLang="en-US"/>
           </a:p>
@@ -1281,7 +1283,7 @@
           <a:p>
             <a:fld id="{B26AEEE1-DE07-4E84-8E94-724BCA73CA92}" type="datetimeFigureOut">
               <a:rPr kumimoji="1" lang="ja-JP" altLang="en-US" smtClean="0"/>
-              <a:t>2023/7/27</a:t>
+              <a:t>2023/7/31</a:t>
             </a:fld>
             <a:endParaRPr kumimoji="1" lang="ja-JP" altLang="en-US"/>
           </a:p>
@@ -1613,7 +1615,7 @@
           <a:p>
             <a:fld id="{B26AEEE1-DE07-4E84-8E94-724BCA73CA92}" type="datetimeFigureOut">
               <a:rPr kumimoji="1" lang="ja-JP" altLang="en-US" smtClean="0"/>
-              <a:t>2023/7/27</a:t>
+              <a:t>2023/7/31</a:t>
             </a:fld>
             <a:endParaRPr kumimoji="1" lang="ja-JP" altLang="en-US"/>
           </a:p>
@@ -2093,7 +2095,7 @@
           <a:p>
             <a:fld id="{B26AEEE1-DE07-4E84-8E94-724BCA73CA92}" type="datetimeFigureOut">
               <a:rPr kumimoji="1" lang="ja-JP" altLang="en-US" smtClean="0"/>
-              <a:t>2023/7/27</a:t>
+              <a:t>2023/7/31</a:t>
             </a:fld>
             <a:endParaRPr kumimoji="1" lang="ja-JP" altLang="en-US"/>
           </a:p>
@@ -2242,7 +2244,7 @@
           <a:p>
             <a:fld id="{B26AEEE1-DE07-4E84-8E94-724BCA73CA92}" type="datetimeFigureOut">
               <a:rPr kumimoji="1" lang="ja-JP" altLang="en-US" smtClean="0"/>
-              <a:t>2023/7/27</a:t>
+              <a:t>2023/7/31</a:t>
             </a:fld>
             <a:endParaRPr kumimoji="1" lang="ja-JP" altLang="en-US"/>
           </a:p>
@@ -2368,7 +2370,7 @@
           <a:p>
             <a:fld id="{B26AEEE1-DE07-4E84-8E94-724BCA73CA92}" type="datetimeFigureOut">
               <a:rPr kumimoji="1" lang="ja-JP" altLang="en-US" smtClean="0"/>
-              <a:t>2023/7/27</a:t>
+              <a:t>2023/7/31</a:t>
             </a:fld>
             <a:endParaRPr kumimoji="1" lang="ja-JP" altLang="en-US"/>
           </a:p>
@@ -2651,7 +2653,7 @@
           <a:p>
             <a:fld id="{B26AEEE1-DE07-4E84-8E94-724BCA73CA92}" type="datetimeFigureOut">
               <a:rPr kumimoji="1" lang="ja-JP" altLang="en-US" smtClean="0"/>
-              <a:t>2023/7/27</a:t>
+              <a:t>2023/7/31</a:t>
             </a:fld>
             <a:endParaRPr kumimoji="1" lang="ja-JP" altLang="en-US"/>
           </a:p>
@@ -3096,7 +3098,7 @@
           <a:p>
             <a:fld id="{B26AEEE1-DE07-4E84-8E94-724BCA73CA92}" type="datetimeFigureOut">
               <a:rPr kumimoji="1" lang="ja-JP" altLang="en-US" smtClean="0"/>
-              <a:t>2023/7/27</a:t>
+              <a:t>2023/7/31</a:t>
             </a:fld>
             <a:endParaRPr kumimoji="1" lang="ja-JP" altLang="en-US"/>
           </a:p>
@@ -3455,7 +3457,7 @@
           <a:p>
             <a:fld id="{B26AEEE1-DE07-4E84-8E94-724BCA73CA92}" type="datetimeFigureOut">
               <a:rPr kumimoji="1" lang="ja-JP" altLang="en-US" smtClean="0"/>
-              <a:t>2023/7/27</a:t>
+              <a:t>2023/7/31</a:t>
             </a:fld>
             <a:endParaRPr kumimoji="1" lang="ja-JP" altLang="en-US"/>
           </a:p>
@@ -4051,7 +4053,7 @@
           <p:cNvPr id="2" name="タイトル 1">
             <a:extLst>
               <a:ext uri="{FF2B5EF4-FFF2-40B4-BE49-F238E27FC236}">
-                <a16:creationId xmlns:a16="http://schemas.microsoft.com/office/drawing/2014/main" id="{EDF8741E-40C4-96D3-7A0F-9039434359F5}"/>
+                <a16:creationId xmlns:a16="http://schemas.microsoft.com/office/drawing/2014/main" id="{3970653B-AB84-8BA1-4770-E400B68D9DD6}"/>
               </a:ext>
             </a:extLst>
           </p:cNvPr>
@@ -4069,7 +4071,7 @@
           <a:p>
             <a:r>
               <a:rPr kumimoji="1" lang="ja-JP" altLang="en-US" dirty="0"/>
-              <a:t>技術用語　その２</a:t>
+              <a:t>技術用語　その１</a:t>
             </a:r>
           </a:p>
         </p:txBody>
@@ -4079,7 +4081,7 @@
           <p:cNvPr id="3" name="コンテンツ プレースホルダー 2">
             <a:extLst>
               <a:ext uri="{FF2B5EF4-FFF2-40B4-BE49-F238E27FC236}">
-                <a16:creationId xmlns:a16="http://schemas.microsoft.com/office/drawing/2014/main" id="{E4B6DE84-8193-694A-9693-6F65D80814C3}"/>
+                <a16:creationId xmlns:a16="http://schemas.microsoft.com/office/drawing/2014/main" id="{684F9020-B47E-9640-7B6A-A5542F5544F2}"/>
               </a:ext>
             </a:extLst>
           </p:cNvPr>
@@ -4092,30 +4094,110 @@
         </p:nvSpPr>
         <p:spPr/>
         <p:txBody>
-          <a:bodyPr/>
-          <a:lstStyle/>
-          <a:p>
-            <a:r>
-              <a:rPr kumimoji="1" lang="en-US" altLang="ja-JP" dirty="0">
-                <a:hlinkClick r:id="rId2"/>
-              </a:rPr>
-              <a:t>Flask</a:t>
-            </a:r>
-            <a:r>
-              <a:rPr kumimoji="1" lang="ja-JP" altLang="en-US" dirty="0"/>
-              <a:t>（フラスク、フラスコ、理科の実験で使うアレ）</a:t>
+          <a:bodyPr>
+            <a:normAutofit fontScale="85000" lnSpcReduction="20000"/>
+          </a:bodyPr>
+          <a:lstStyle/>
+          <a:p>
+            <a:r>
+              <a:rPr kumimoji="1" lang="en-US" altLang="ja-JP" dirty="0"/>
+              <a:t>Python</a:t>
+            </a:r>
+          </a:p>
+          <a:p>
+            <a:pPr lvl="1"/>
+            <a:r>
+              <a:rPr lang="ja-JP" altLang="en-US" dirty="0"/>
+              <a:t>スクリプト型のプログラミング言語、</a:t>
+            </a:r>
+            <a:r>
+              <a:rPr lang="en-US" altLang="ja-JP" dirty="0"/>
+              <a:t>AI</a:t>
+            </a:r>
+            <a:r>
+              <a:rPr lang="ja-JP" altLang="en-US" dirty="0"/>
+              <a:t>や機械学習に強い。</a:t>
+            </a:r>
+            <a:endParaRPr lang="en-US" altLang="ja-JP" dirty="0"/>
+          </a:p>
+          <a:p>
+            <a:pPr lvl="1"/>
+            <a:r>
+              <a:rPr kumimoji="1" lang="ja-JP" altLang="en-US" dirty="0"/>
+              <a:t>今回のシステムでは、バックエンドを実装担当する。</a:t>
             </a:r>
             <a:endParaRPr kumimoji="1" lang="en-US" altLang="ja-JP" dirty="0"/>
           </a:p>
           <a:p>
+            <a:r>
+              <a:rPr kumimoji="1" lang="en-US" altLang="ja-JP" dirty="0"/>
+              <a:t>JavaScript</a:t>
+            </a:r>
+          </a:p>
+          <a:p>
             <a:pPr lvl="1"/>
             <a:r>
-              <a:rPr lang="en-US" altLang="ja-JP" dirty="0"/>
-              <a:t>Python</a:t>
-            </a:r>
-            <a:r>
-              <a:rPr lang="ja-JP" altLang="en-US" dirty="0"/>
-              <a:t>製の</a:t>
+              <a:rPr lang="ja-JP" altLang="en-US" dirty="0"/>
+              <a:t>ブラウザ上で動作するスクリプト型のプログラミング言語</a:t>
+            </a:r>
+            <a:endParaRPr lang="en-US" altLang="ja-JP" dirty="0"/>
+          </a:p>
+          <a:p>
+            <a:pPr lvl="1"/>
+            <a:r>
+              <a:rPr lang="ja-JP" altLang="en-US" dirty="0"/>
+              <a:t>主にフロントエンド開発で用いる言語</a:t>
+            </a:r>
+            <a:endParaRPr lang="en-US" altLang="ja-JP" dirty="0"/>
+          </a:p>
+          <a:p>
+            <a:r>
+              <a:rPr kumimoji="1" lang="en-US" altLang="ja-JP" dirty="0"/>
+              <a:t>HTML</a:t>
+            </a:r>
+            <a:r>
+              <a:rPr kumimoji="1" lang="ja-JP" altLang="en-US" dirty="0"/>
+              <a:t>（</a:t>
+            </a:r>
+            <a:r>
+              <a:rPr kumimoji="1" lang="en-US" altLang="ja-JP" dirty="0"/>
+              <a:t>Hyper</a:t>
+            </a:r>
+            <a:r>
+              <a:rPr kumimoji="1" lang="ja-JP" altLang="en-US" dirty="0"/>
+              <a:t> </a:t>
+            </a:r>
+            <a:r>
+              <a:rPr kumimoji="1" lang="en-US" altLang="ja-JP" dirty="0"/>
+              <a:t>Text</a:t>
+            </a:r>
+            <a:r>
+              <a:rPr kumimoji="1" lang="ja-JP" altLang="en-US" dirty="0"/>
+              <a:t> </a:t>
+            </a:r>
+            <a:r>
+              <a:rPr kumimoji="1" lang="en-US" altLang="ja-JP" dirty="0"/>
+              <a:t>Markup</a:t>
+            </a:r>
+            <a:r>
+              <a:rPr kumimoji="1" lang="ja-JP" altLang="en-US" dirty="0"/>
+              <a:t> </a:t>
+            </a:r>
+            <a:r>
+              <a:rPr kumimoji="1" lang="en-US" altLang="ja-JP" dirty="0"/>
+              <a:t>Language</a:t>
+            </a:r>
+            <a:r>
+              <a:rPr kumimoji="1" lang="ja-JP" altLang="en-US" dirty="0"/>
+              <a:t>）</a:t>
+            </a:r>
+            <a:endParaRPr kumimoji="1" lang="en-US" altLang="ja-JP" dirty="0"/>
+          </a:p>
+          <a:p>
+            <a:pPr lvl="1"/>
+            <a:r>
+              <a:rPr lang="ja-JP" altLang="en-US" dirty="0"/>
+              <a:t>ブラウザ上で</a:t>
             </a:r>
             <a:r>
               <a:rPr lang="en-US" altLang="ja-JP" dirty="0"/>
@@ -4123,87 +4205,58 @@
             </a:r>
             <a:r>
               <a:rPr lang="ja-JP" altLang="en-US" dirty="0"/>
-              <a:t>フレームワーク。</a:t>
+              <a:t>を表示するためのマークアップ言語</a:t>
             </a:r>
             <a:endParaRPr lang="en-US" altLang="ja-JP" dirty="0"/>
           </a:p>
           <a:p>
+            <a:r>
+              <a:rPr lang="en-US" altLang="ja-JP" dirty="0"/>
+              <a:t>CSS</a:t>
+            </a:r>
+            <a:r>
+              <a:rPr lang="ja-JP" altLang="en-US" dirty="0"/>
+              <a:t>（</a:t>
+            </a:r>
+            <a:r>
+              <a:rPr lang="en-US" altLang="ja-JP" dirty="0"/>
+              <a:t>Cascading</a:t>
+            </a:r>
+            <a:r>
+              <a:rPr lang="ja-JP" altLang="en-US" dirty="0"/>
+              <a:t> </a:t>
+            </a:r>
+            <a:r>
+              <a:rPr lang="en-US" altLang="ja-JP" dirty="0"/>
+              <a:t>Style</a:t>
+            </a:r>
+            <a:r>
+              <a:rPr lang="ja-JP" altLang="en-US" dirty="0"/>
+              <a:t> </a:t>
+            </a:r>
+            <a:r>
+              <a:rPr lang="en-US" altLang="ja-JP" dirty="0"/>
+              <a:t>Sheet</a:t>
+            </a:r>
+            <a:r>
+              <a:rPr lang="ja-JP" altLang="en-US" dirty="0"/>
+              <a:t>）</a:t>
+            </a:r>
+            <a:endParaRPr lang="en-US" altLang="ja-JP" dirty="0"/>
+          </a:p>
+          <a:p>
             <a:pPr lvl="1"/>
             <a:r>
-              <a:rPr lang="ja-JP" altLang="en-US" dirty="0"/>
-              <a:t>軽くて必要十分な機能を備えており、習得が容易。</a:t>
+              <a:rPr lang="en-US" altLang="ja-JP" dirty="0"/>
+              <a:t>HTML</a:t>
+            </a:r>
+            <a:r>
+              <a:rPr lang="ja-JP" altLang="en-US" dirty="0"/>
+              <a:t>の表示を装飾するための記法／設定</a:t>
             </a:r>
             <a:endParaRPr lang="en-US" altLang="ja-JP" dirty="0"/>
           </a:p>
           <a:p>
-            <a:pPr lvl="1"/>
-            <a:r>
-              <a:rPr kumimoji="1" lang="ja-JP" altLang="en-US" dirty="0"/>
-              <a:t>今回のシステムでは</a:t>
-            </a:r>
-            <a:r>
-              <a:rPr lang="ja-JP" altLang="en-US" dirty="0"/>
-              <a:t>バックエンド</a:t>
-            </a:r>
-            <a:r>
-              <a:rPr kumimoji="1" lang="ja-JP" altLang="en-US" dirty="0"/>
-              <a:t>に用いる。</a:t>
-            </a:r>
-            <a:endParaRPr kumimoji="1" lang="en-US" altLang="ja-JP" dirty="0"/>
-          </a:p>
-          <a:p>
-            <a:r>
-              <a:rPr lang="en-US" altLang="ja-JP" dirty="0" err="1">
-                <a:hlinkClick r:id="rId3"/>
-              </a:rPr>
-              <a:t>Svelt</a:t>
-            </a:r>
-            <a:r>
-              <a:rPr lang="en-US" altLang="ja-JP" dirty="0"/>
-              <a:t>/</a:t>
-            </a:r>
-            <a:r>
-              <a:rPr lang="en-US" altLang="ja-JP" dirty="0" err="1">
-                <a:hlinkClick r:id="rId4"/>
-              </a:rPr>
-              <a:t>SveltKit</a:t>
-            </a:r>
-            <a:r>
-              <a:rPr lang="ja-JP" altLang="en-US" dirty="0"/>
-              <a:t>（スヴェルト、スヴェルテ、すらりとした、の形容詞）</a:t>
-            </a:r>
-            <a:endParaRPr lang="en-US" altLang="ja-JP" dirty="0"/>
-          </a:p>
-          <a:p>
-            <a:pPr lvl="1"/>
-            <a:r>
-              <a:rPr kumimoji="1" lang="en-US" altLang="ja-JP" dirty="0" err="1"/>
-              <a:t>javaScript</a:t>
-            </a:r>
-            <a:r>
-              <a:rPr kumimoji="1" lang="en-US" altLang="ja-JP" dirty="0"/>
-              <a:t>/HTML</a:t>
-            </a:r>
-            <a:r>
-              <a:rPr kumimoji="1" lang="ja-JP" altLang="en-US" dirty="0"/>
-              <a:t>製のフレームワーク。</a:t>
-            </a:r>
-            <a:endParaRPr kumimoji="1" lang="en-US" altLang="ja-JP" dirty="0"/>
-          </a:p>
-          <a:p>
-            <a:pPr lvl="1"/>
-            <a:r>
-              <a:rPr kumimoji="1" lang="ja-JP" altLang="en-US" dirty="0"/>
-              <a:t>ライブラリが軽量で、簡単な記述で実装できる点が特徴。</a:t>
-            </a:r>
-            <a:endParaRPr kumimoji="1" lang="en-US" altLang="ja-JP" dirty="0"/>
-          </a:p>
-          <a:p>
-            <a:pPr lvl="1"/>
-            <a:r>
-              <a:rPr lang="ja-JP" altLang="en-US" dirty="0"/>
-              <a:t>今回のシステムではフロントエンドに用いる。</a:t>
-            </a:r>
             <a:endParaRPr kumimoji="1" lang="ja-JP" altLang="en-US" dirty="0"/>
           </a:p>
         </p:txBody>
@@ -4211,7 +4264,7 @@
     </p:spTree>
     <p:extLst>
       <p:ext uri="{BB962C8B-B14F-4D97-AF65-F5344CB8AC3E}">
-        <p14:creationId xmlns:p14="http://schemas.microsoft.com/office/powerpoint/2010/main" val="2129464394"/>
+        <p14:creationId xmlns:p14="http://schemas.microsoft.com/office/powerpoint/2010/main" val="1028954192"/>
       </p:ext>
     </p:extLst>
   </p:cSld>
@@ -4243,7 +4296,7 @@
           <p:cNvPr id="2" name="タイトル 1">
             <a:extLst>
               <a:ext uri="{FF2B5EF4-FFF2-40B4-BE49-F238E27FC236}">
-                <a16:creationId xmlns:a16="http://schemas.microsoft.com/office/drawing/2014/main" id="{186916A7-C66C-8356-8194-7F17B9C736F5}"/>
+                <a16:creationId xmlns:a16="http://schemas.microsoft.com/office/drawing/2014/main" id="{EDF8741E-40C4-96D3-7A0F-9039434359F5}"/>
               </a:ext>
             </a:extLst>
           </p:cNvPr>
@@ -4261,7 +4314,7 @@
           <a:p>
             <a:r>
               <a:rPr kumimoji="1" lang="ja-JP" altLang="en-US" dirty="0"/>
-              <a:t>試しに実行してみよう</a:t>
+              <a:t>技術用語　その２</a:t>
             </a:r>
           </a:p>
         </p:txBody>
@@ -4271,7 +4324,7 @@
           <p:cNvPr id="3" name="コンテンツ プレースホルダー 2">
             <a:extLst>
               <a:ext uri="{FF2B5EF4-FFF2-40B4-BE49-F238E27FC236}">
-                <a16:creationId xmlns:a16="http://schemas.microsoft.com/office/drawing/2014/main" id="{E5BA4DC9-1581-46E4-2263-F599DD45A4D3}"/>
+                <a16:creationId xmlns:a16="http://schemas.microsoft.com/office/drawing/2014/main" id="{E4B6DE84-8193-694A-9693-6F65D80814C3}"/>
               </a:ext>
             </a:extLst>
           </p:cNvPr>
@@ -4284,84 +4337,117 @@
         </p:nvSpPr>
         <p:spPr/>
         <p:txBody>
-          <a:bodyPr>
-            <a:normAutofit/>
-          </a:bodyPr>
-          <a:lstStyle/>
-          <a:p>
-            <a:r>
-              <a:rPr kumimoji="1" lang="ja-JP" altLang="en-US" dirty="0"/>
-              <a:t>コマンドプロンプトを起動、以下のコマンドを叩いてください。</a:t>
+          <a:bodyPr/>
+          <a:lstStyle/>
+          <a:p>
+            <a:r>
+              <a:rPr kumimoji="1" lang="en-US" altLang="ja-JP" dirty="0">
+                <a:hlinkClick r:id="rId2"/>
+              </a:rPr>
+              <a:t>Flask</a:t>
+            </a:r>
+            <a:r>
+              <a:rPr kumimoji="1" lang="ja-JP" altLang="en-US" dirty="0"/>
+              <a:t>（フラスク、フラスコ、理科の実験で使うアレ）</a:t>
             </a:r>
             <a:endParaRPr kumimoji="1" lang="en-US" altLang="ja-JP" dirty="0"/>
           </a:p>
           <a:p>
-            <a:r>
-              <a:rPr lang="en-US" altLang="ja-JP" dirty="0" err="1"/>
-              <a:t>m</a:t>
-            </a:r>
+            <a:pPr lvl="1"/>
+            <a:r>
+              <a:rPr lang="en-US" altLang="ja-JP" dirty="0"/>
+              <a:t>Python</a:t>
+            </a:r>
+            <a:r>
+              <a:rPr lang="ja-JP" altLang="en-US" dirty="0"/>
+              <a:t>製の</a:t>
+            </a:r>
+            <a:r>
+              <a:rPr lang="en-US" altLang="ja-JP" dirty="0"/>
+              <a:t>Web</a:t>
+            </a:r>
+            <a:r>
+              <a:rPr lang="ja-JP" altLang="en-US" dirty="0"/>
+              <a:t>フレームワーク。</a:t>
+            </a:r>
+            <a:endParaRPr lang="en-US" altLang="ja-JP" dirty="0"/>
+          </a:p>
+          <a:p>
+            <a:pPr lvl="1"/>
+            <a:r>
+              <a:rPr lang="ja-JP" altLang="en-US" dirty="0"/>
+              <a:t>軽くて必要十分な機能を備えており、習得が容易。</a:t>
+            </a:r>
+            <a:endParaRPr lang="en-US" altLang="ja-JP" dirty="0"/>
+          </a:p>
+          <a:p>
+            <a:pPr lvl="1"/>
+            <a:r>
+              <a:rPr kumimoji="1" lang="ja-JP" altLang="en-US" dirty="0"/>
+              <a:t>今回のシステムでは</a:t>
+            </a:r>
+            <a:r>
+              <a:rPr lang="ja-JP" altLang="en-US" dirty="0"/>
+              <a:t>バックエンド</a:t>
+            </a:r>
+            <a:r>
+              <a:rPr kumimoji="1" lang="ja-JP" altLang="en-US" dirty="0"/>
+              <a:t>に用いる。</a:t>
+            </a:r>
+            <a:endParaRPr kumimoji="1" lang="en-US" altLang="ja-JP" dirty="0"/>
+          </a:p>
+          <a:p>
+            <a:r>
+              <a:rPr lang="en-US" altLang="ja-JP" dirty="0" err="1">
+                <a:hlinkClick r:id="rId3"/>
+              </a:rPr>
+              <a:t>Svelt</a:t>
+            </a:r>
+            <a:r>
+              <a:rPr lang="en-US" altLang="ja-JP" dirty="0"/>
+              <a:t>/</a:t>
+            </a:r>
+            <a:r>
+              <a:rPr lang="en-US" altLang="ja-JP" dirty="0" err="1">
+                <a:hlinkClick r:id="rId4"/>
+              </a:rPr>
+              <a:t>SveltKit</a:t>
+            </a:r>
+            <a:r>
+              <a:rPr lang="ja-JP" altLang="en-US" dirty="0"/>
+              <a:t>（スヴェルト、スヴェルテ、すらりとした、の形容詞）</a:t>
+            </a:r>
+            <a:endParaRPr lang="en-US" altLang="ja-JP" dirty="0"/>
+          </a:p>
+          <a:p>
+            <a:pPr lvl="1"/>
             <a:r>
               <a:rPr kumimoji="1" lang="en-US" altLang="ja-JP" dirty="0" err="1"/>
-              <a:t>kdir</a:t>
-            </a:r>
-            <a:r>
-              <a:rPr kumimoji="1" lang="en-US" altLang="ja-JP" dirty="0"/>
-              <a:t> C:\source</a:t>
-            </a:r>
-            <a:br>
-              <a:rPr kumimoji="1" lang="en-US" altLang="ja-JP" dirty="0"/>
-            </a:br>
-            <a:r>
-              <a:rPr kumimoji="1" lang="en-US" altLang="ja-JP" dirty="0"/>
-              <a:t>cd C:\source</a:t>
-            </a:r>
-            <a:br>
-              <a:rPr kumimoji="1" lang="en-US" altLang="ja-JP" dirty="0"/>
-            </a:br>
-            <a:r>
-              <a:rPr kumimoji="1" lang="en-US" altLang="ja-JP" dirty="0"/>
-              <a:t>git clone https://github.com/tt-hasegawa/mu-psd-01.git</a:t>
-            </a:r>
+              <a:t>javaScript</a:t>
+            </a:r>
+            <a:r>
+              <a:rPr kumimoji="1" lang="en-US" altLang="ja-JP" dirty="0"/>
+              <a:t>/HTML</a:t>
+            </a:r>
+            <a:r>
+              <a:rPr kumimoji="1" lang="ja-JP" altLang="en-US" dirty="0"/>
+              <a:t>製のフレームワーク。</a:t>
+            </a:r>
+            <a:endParaRPr kumimoji="1" lang="en-US" altLang="ja-JP" dirty="0"/>
           </a:p>
           <a:p>
             <a:pPr lvl="1"/>
             <a:r>
-              <a:rPr kumimoji="1" lang="en-US" altLang="ja-JP" dirty="0"/>
-              <a:t>※99</a:t>
-            </a:r>
-            <a:r>
-              <a:rPr kumimoji="1" lang="ja-JP" altLang="en-US" dirty="0"/>
-              <a:t>のところは事前に割り当てた番号。</a:t>
-            </a:r>
-            <a:r>
-              <a:rPr kumimoji="1" lang="en-US" altLang="ja-JP" dirty="0"/>
-              <a:t> </a:t>
-            </a:r>
-          </a:p>
-          <a:p>
-            <a:r>
-              <a:rPr lang="en-US" altLang="ja-JP" dirty="0"/>
-              <a:t>C:\source\sample99</a:t>
-            </a:r>
-            <a:r>
-              <a:rPr lang="ja-JP" altLang="en-US" dirty="0"/>
-              <a:t> フォルダができるので、右クリックして、</a:t>
-            </a:r>
-            <a:r>
-              <a:rPr lang="en-US" altLang="ja-JP" dirty="0"/>
-              <a:t>Code</a:t>
-            </a:r>
-            <a:r>
-              <a:rPr lang="ja-JP" altLang="en-US" dirty="0"/>
-              <a:t>で開く、を選択して、</a:t>
-            </a:r>
-            <a:r>
-              <a:rPr lang="en-US" altLang="ja-JP" dirty="0" err="1"/>
-              <a:t>vscode</a:t>
-            </a:r>
-            <a:r>
-              <a:rPr lang="ja-JP" altLang="en-US" dirty="0"/>
-              <a:t>で開いてください。</a:t>
+              <a:rPr kumimoji="1" lang="ja-JP" altLang="en-US" dirty="0"/>
+              <a:t>ライブラリが軽量で、簡単な記述で実装できる点が特徴。</a:t>
+            </a:r>
+            <a:endParaRPr kumimoji="1" lang="en-US" altLang="ja-JP" dirty="0"/>
+          </a:p>
+          <a:p>
+            <a:pPr lvl="1"/>
+            <a:r>
+              <a:rPr lang="ja-JP" altLang="en-US" dirty="0"/>
+              <a:t>今回のシステムではフロントエンドに用いる。</a:t>
             </a:r>
             <a:endParaRPr kumimoji="1" lang="ja-JP" altLang="en-US" dirty="0"/>
           </a:p>
@@ -4370,7 +4456,7 @@
     </p:spTree>
     <p:extLst>
       <p:ext uri="{BB962C8B-B14F-4D97-AF65-F5344CB8AC3E}">
-        <p14:creationId xmlns:p14="http://schemas.microsoft.com/office/powerpoint/2010/main" val="2729454240"/>
+        <p14:creationId xmlns:p14="http://schemas.microsoft.com/office/powerpoint/2010/main" val="2129464394"/>
       </p:ext>
     </p:extLst>
   </p:cSld>
@@ -4402,7 +4488,7 @@
           <p:cNvPr id="2" name="タイトル 1">
             <a:extLst>
               <a:ext uri="{FF2B5EF4-FFF2-40B4-BE49-F238E27FC236}">
-                <a16:creationId xmlns:a16="http://schemas.microsoft.com/office/drawing/2014/main" id="{60FAD455-A988-F761-F9AB-ACBAE228E902}"/>
+                <a16:creationId xmlns:a16="http://schemas.microsoft.com/office/drawing/2014/main" id="{186916A7-C66C-8356-8194-7F17B9C736F5}"/>
               </a:ext>
             </a:extLst>
           </p:cNvPr>
@@ -4420,7 +4506,7 @@
           <a:p>
             <a:r>
               <a:rPr kumimoji="1" lang="ja-JP" altLang="en-US" dirty="0"/>
-              <a:t>試しに実行してみよう　その１の１</a:t>
+              <a:t>試しに実行してみよう</a:t>
             </a:r>
           </a:p>
         </p:txBody>
@@ -4430,7 +4516,7 @@
           <p:cNvPr id="3" name="コンテンツ プレースホルダー 2">
             <a:extLst>
               <a:ext uri="{FF2B5EF4-FFF2-40B4-BE49-F238E27FC236}">
-                <a16:creationId xmlns:a16="http://schemas.microsoft.com/office/drawing/2014/main" id="{40348359-BE69-F8B5-1A9D-336EBC51427B}"/>
+                <a16:creationId xmlns:a16="http://schemas.microsoft.com/office/drawing/2014/main" id="{E5BA4DC9-1581-46E4-2263-F599DD45A4D3}"/>
               </a:ext>
             </a:extLst>
           </p:cNvPr>
@@ -4443,109 +4529,85 @@
         </p:nvSpPr>
         <p:spPr/>
         <p:txBody>
-          <a:bodyPr/>
-          <a:lstStyle/>
-          <a:p>
-            <a:r>
-              <a:rPr kumimoji="1" lang="ja-JP" altLang="en-US" dirty="0"/>
-              <a:t>メニュー→ターミナル→新しいターミナル、または、</a:t>
-            </a:r>
-            <a:r>
-              <a:rPr kumimoji="1" lang="en-US" altLang="ja-JP" dirty="0"/>
-              <a:t>Ctrl+@</a:t>
-            </a:r>
-            <a:r>
-              <a:rPr kumimoji="1" lang="ja-JP" altLang="en-US" dirty="0"/>
-              <a:t>で実行ターミナルが開くので、以下のコマンドを実行してください。</a:t>
+          <a:bodyPr>
+            <a:normAutofit/>
+          </a:bodyPr>
+          <a:lstStyle/>
+          <a:p>
+            <a:r>
+              <a:rPr kumimoji="1" lang="ja-JP" altLang="en-US" dirty="0"/>
+              <a:t>コマンドプロンプトを起動、以下のコマンドを叩いてください。</a:t>
             </a:r>
             <a:endParaRPr kumimoji="1" lang="en-US" altLang="ja-JP" dirty="0"/>
           </a:p>
           <a:p>
+            <a:r>
+              <a:rPr lang="en-US" altLang="ja-JP" dirty="0" err="1"/>
+              <a:t>m</a:t>
+            </a:r>
+            <a:r>
+              <a:rPr kumimoji="1" lang="en-US" altLang="ja-JP" dirty="0" err="1"/>
+              <a:t>kdir</a:t>
+            </a:r>
+            <a:r>
+              <a:rPr kumimoji="1" lang="en-US" altLang="ja-JP" dirty="0"/>
+              <a:t> C:\source</a:t>
+            </a:r>
+            <a:br>
+              <a:rPr kumimoji="1" lang="en-US" altLang="ja-JP" dirty="0"/>
+            </a:br>
+            <a:r>
+              <a:rPr kumimoji="1" lang="en-US" altLang="ja-JP" dirty="0"/>
+              <a:t>cd C:\source</a:t>
+            </a:r>
+            <a:br>
+              <a:rPr kumimoji="1" lang="en-US" altLang="ja-JP" dirty="0"/>
+            </a:br>
+            <a:r>
+              <a:rPr kumimoji="1" lang="en-US" altLang="ja-JP" dirty="0"/>
+              <a:t>git clone https://github.com/tt-hasegawa/mu-psd-01.git</a:t>
+            </a:r>
+          </a:p>
+          <a:p>
             <a:pPr lvl="1"/>
             <a:r>
+              <a:rPr kumimoji="1" lang="en-US" altLang="ja-JP" dirty="0"/>
+              <a:t>※99</a:t>
+            </a:r>
+            <a:r>
+              <a:rPr kumimoji="1" lang="ja-JP" altLang="en-US" dirty="0"/>
+              <a:t>のところは事前に割り当てた番号。</a:t>
+            </a:r>
+            <a:r>
+              <a:rPr kumimoji="1" lang="en-US" altLang="ja-JP" dirty="0"/>
+              <a:t> </a:t>
+            </a:r>
+          </a:p>
+          <a:p>
+            <a:r>
               <a:rPr lang="en-US" altLang="ja-JP" dirty="0"/>
-              <a:t>c</a:t>
-            </a:r>
-            <a:r>
-              <a:rPr kumimoji="1" lang="en-US" altLang="ja-JP" dirty="0"/>
-              <a:t>d backend </a:t>
-            </a:r>
-          </a:p>
-          <a:p>
-            <a:pPr lvl="1"/>
+              <a:t>C:\source\sample99</a:t>
+            </a:r>
+            <a:r>
+              <a:rPr lang="ja-JP" altLang="en-US" dirty="0"/>
+              <a:t> フォルダができるので、右クリックして、</a:t>
+            </a:r>
             <a:r>
               <a:rPr lang="en-US" altLang="ja-JP" dirty="0"/>
-              <a:t>p</a:t>
-            </a:r>
-            <a:r>
-              <a:rPr kumimoji="1" lang="en-US" altLang="ja-JP" dirty="0"/>
-              <a:t>ip install Flask Flask-CORS </a:t>
-            </a:r>
-            <a:r>
-              <a:rPr kumimoji="1" lang="en-US" altLang="ja-JP" dirty="0" err="1"/>
-              <a:t>pickleDB</a:t>
-            </a:r>
-            <a:r>
-              <a:rPr kumimoji="1" lang="ja-JP" altLang="en-US" dirty="0"/>
-              <a:t>　　</a:t>
-            </a:r>
-            <a:r>
-              <a:rPr kumimoji="1" lang="en-US" altLang="ja-JP" dirty="0"/>
-              <a:t>#2</a:t>
-            </a:r>
-            <a:r>
-              <a:rPr kumimoji="1" lang="ja-JP" altLang="en-US" dirty="0"/>
-              <a:t>回目以降はこの行は不要</a:t>
-            </a:r>
-            <a:endParaRPr kumimoji="1" lang="en-US" altLang="ja-JP" dirty="0"/>
-          </a:p>
-          <a:p>
-            <a:pPr lvl="1"/>
-            <a:r>
-              <a:rPr lang="en-US" altLang="ja-JP" dirty="0"/>
-              <a:t>python server.py</a:t>
-            </a:r>
-          </a:p>
-          <a:p>
-            <a:r>
-              <a:rPr lang="en-US" altLang="ja-JP" dirty="0"/>
-              <a:t>Chrome</a:t>
-            </a:r>
-            <a:r>
-              <a:rPr lang="ja-JP" altLang="en-US" dirty="0"/>
-              <a:t>等のブラウザで、</a:t>
-            </a:r>
-            <a:r>
-              <a:rPr lang="en-US" altLang="ja-JP" dirty="0">
-                <a:hlinkClick r:id="rId2"/>
-              </a:rPr>
-              <a:t>http://localhost:5000</a:t>
-            </a:r>
-            <a:r>
-              <a:rPr lang="en-US" altLang="ja-JP" dirty="0"/>
-              <a:t> </a:t>
-            </a:r>
-            <a:r>
-              <a:rPr lang="ja-JP" altLang="en-US" dirty="0"/>
-              <a:t>にアクセス。</a:t>
-            </a:r>
-            <a:endParaRPr lang="en-US" altLang="ja-JP" dirty="0"/>
-          </a:p>
-          <a:p>
-            <a:r>
-              <a:rPr kumimoji="1" lang="en-US" altLang="ja-JP" dirty="0"/>
-              <a:t>“This is Backend Server”</a:t>
-            </a:r>
-            <a:r>
-              <a:rPr kumimoji="1" lang="ja-JP" altLang="en-US" dirty="0"/>
-              <a:t>と表示されることを確認してください。</a:t>
-            </a:r>
-            <a:endParaRPr kumimoji="1" lang="en-US" altLang="ja-JP" dirty="0"/>
-          </a:p>
-          <a:p>
-            <a:endParaRPr kumimoji="1" lang="en-US" altLang="ja-JP" dirty="0"/>
-          </a:p>
-          <a:p>
+              <a:t>Code</a:t>
+            </a:r>
+            <a:r>
+              <a:rPr lang="ja-JP" altLang="en-US" dirty="0"/>
+              <a:t>で開く、を選択して、</a:t>
+            </a:r>
+            <a:r>
+              <a:rPr lang="en-US" altLang="ja-JP" dirty="0" err="1"/>
+              <a:t>vscode</a:t>
+            </a:r>
+            <a:r>
+              <a:rPr lang="ja-JP" altLang="en-US" dirty="0"/>
+              <a:t>で開いてください。</a:t>
+            </a:r>
             <a:endParaRPr kumimoji="1" lang="ja-JP" altLang="en-US" dirty="0"/>
           </a:p>
         </p:txBody>
@@ -4553,7 +4615,7 @@
     </p:spTree>
     <p:extLst>
       <p:ext uri="{BB962C8B-B14F-4D97-AF65-F5344CB8AC3E}">
-        <p14:creationId xmlns:p14="http://schemas.microsoft.com/office/powerpoint/2010/main" val="680719697"/>
+        <p14:creationId xmlns:p14="http://schemas.microsoft.com/office/powerpoint/2010/main" val="2729454240"/>
       </p:ext>
     </p:extLst>
   </p:cSld>
@@ -4603,7 +4665,7 @@
           <a:p>
             <a:r>
               <a:rPr kumimoji="1" lang="ja-JP" altLang="en-US" dirty="0"/>
-              <a:t>試しに実行してみよう　その１の２</a:t>
+              <a:t>試しに実行してみよう　その１の１</a:t>
             </a:r>
           </a:p>
         </p:txBody>
@@ -4630,65 +4692,100 @@
           <a:lstStyle/>
           <a:p>
             <a:r>
-              <a:rPr kumimoji="1" lang="en-US" altLang="ja-JP" dirty="0"/>
-              <a:t>server.py</a:t>
-            </a:r>
-            <a:r>
-              <a:rPr kumimoji="1" lang="ja-JP" altLang="en-US" dirty="0"/>
-              <a:t>を</a:t>
+              <a:rPr kumimoji="1" lang="ja-JP" altLang="en-US" dirty="0"/>
+              <a:t>メニュー→ターミナル→新しいターミナル、または、</a:t>
+            </a:r>
+            <a:r>
+              <a:rPr kumimoji="1" lang="en-US" altLang="ja-JP" dirty="0"/>
+              <a:t>Ctrl+@</a:t>
+            </a:r>
+            <a:r>
+              <a:rPr kumimoji="1" lang="ja-JP" altLang="en-US" dirty="0"/>
+              <a:t>で実行ターミナルが開くので、以下のコマンドを実行してください。</a:t>
+            </a:r>
+            <a:endParaRPr kumimoji="1" lang="en-US" altLang="ja-JP" dirty="0"/>
+          </a:p>
+          <a:p>
+            <a:pPr lvl="1"/>
+            <a:r>
+              <a:rPr lang="en-US" altLang="ja-JP" dirty="0"/>
+              <a:t>c</a:t>
+            </a:r>
+            <a:r>
+              <a:rPr kumimoji="1" lang="en-US" altLang="ja-JP" dirty="0"/>
+              <a:t>d backend </a:t>
+            </a:r>
+          </a:p>
+          <a:p>
+            <a:pPr lvl="1"/>
+            <a:r>
+              <a:rPr lang="en-US" altLang="ja-JP" dirty="0"/>
+              <a:t>p</a:t>
+            </a:r>
+            <a:r>
+              <a:rPr kumimoji="1" lang="en-US" altLang="ja-JP" dirty="0"/>
+              <a:t>ip install Flask Flask-CORS </a:t>
             </a:r>
             <a:r>
               <a:rPr kumimoji="1" lang="en-US" altLang="ja-JP" dirty="0" err="1"/>
-              <a:t>vscode</a:t>
-            </a:r>
-            <a:r>
-              <a:rPr kumimoji="1" lang="ja-JP" altLang="en-US" dirty="0"/>
-              <a:t>で編集して、</a:t>
-            </a:r>
-            <a:r>
-              <a:rPr lang="ja-JP" altLang="en-US" dirty="0"/>
-              <a:t>文字列が変わることを確認してみてください。</a:t>
+              <a:t>pickleDB</a:t>
+            </a:r>
+            <a:r>
+              <a:rPr kumimoji="1" lang="ja-JP" altLang="en-US" dirty="0"/>
+              <a:t>　　</a:t>
+            </a:r>
+            <a:r>
+              <a:rPr kumimoji="1" lang="en-US" altLang="ja-JP" dirty="0"/>
+              <a:t>#2</a:t>
+            </a:r>
+            <a:r>
+              <a:rPr kumimoji="1" lang="ja-JP" altLang="en-US" dirty="0"/>
+              <a:t>回目以降はこの行は不要</a:t>
+            </a:r>
+            <a:endParaRPr kumimoji="1" lang="en-US" altLang="ja-JP" dirty="0"/>
+          </a:p>
+          <a:p>
+            <a:pPr lvl="1"/>
+            <a:r>
+              <a:rPr lang="en-US" altLang="ja-JP" dirty="0"/>
+              <a:t>python server.py</a:t>
+            </a:r>
+          </a:p>
+          <a:p>
+            <a:r>
+              <a:rPr lang="en-US" altLang="ja-JP" dirty="0"/>
+              <a:t>Chrome</a:t>
+            </a:r>
+            <a:r>
+              <a:rPr lang="ja-JP" altLang="en-US" dirty="0"/>
+              <a:t>等のブラウザで、</a:t>
+            </a:r>
+            <a:r>
+              <a:rPr lang="en-US" altLang="ja-JP" dirty="0">
+                <a:hlinkClick r:id="rId2"/>
+              </a:rPr>
+              <a:t>http://localhost:5000</a:t>
+            </a:r>
+            <a:r>
+              <a:rPr lang="en-US" altLang="ja-JP" dirty="0"/>
+              <a:t> </a:t>
+            </a:r>
+            <a:r>
+              <a:rPr lang="ja-JP" altLang="en-US" dirty="0"/>
+              <a:t>にアクセス。</a:t>
             </a:r>
             <a:endParaRPr lang="en-US" altLang="ja-JP" dirty="0"/>
           </a:p>
           <a:p>
-            <a:pPr marL="457200" lvl="1" indent="0">
-              <a:buNone/>
-            </a:pPr>
-            <a:r>
-              <a:rPr kumimoji="1" lang="en-US" altLang="ja-JP" dirty="0"/>
-              <a:t>@app.route("/")</a:t>
-            </a:r>
-          </a:p>
-          <a:p>
-            <a:pPr marL="457200" lvl="1" indent="0">
-              <a:buNone/>
-            </a:pPr>
-            <a:r>
-              <a:rPr kumimoji="1" lang="en-US" altLang="ja-JP" dirty="0"/>
-              <a:t>def index():</a:t>
-            </a:r>
-          </a:p>
-          <a:p>
-            <a:pPr marL="457200" lvl="1" indent="0">
-              <a:buNone/>
-            </a:pPr>
-            <a:r>
-              <a:rPr kumimoji="1" lang="en-US" altLang="ja-JP" dirty="0"/>
-              <a:t>    return "This is</a:t>
-            </a:r>
-            <a:r>
-              <a:rPr kumimoji="1" lang="en-US" altLang="ja-JP" u="sng" dirty="0"/>
-              <a:t> My</a:t>
-            </a:r>
-            <a:r>
-              <a:rPr kumimoji="1" lang="ja-JP" altLang="en-US" u="sng" dirty="0"/>
-              <a:t> </a:t>
-            </a:r>
-            <a:r>
-              <a:rPr kumimoji="1" lang="en-US" altLang="ja-JP" dirty="0"/>
-              <a:t>Backend API Server."</a:t>
-            </a:r>
+            <a:r>
+              <a:rPr kumimoji="1" lang="en-US" altLang="ja-JP" dirty="0"/>
+              <a:t>“This is Backend Server”</a:t>
+            </a:r>
+            <a:r>
+              <a:rPr kumimoji="1" lang="ja-JP" altLang="en-US" dirty="0"/>
+              <a:t>と表示されることを確認してください。</a:t>
+            </a:r>
+            <a:endParaRPr kumimoji="1" lang="en-US" altLang="ja-JP" dirty="0"/>
           </a:p>
           <a:p>
             <a:endParaRPr kumimoji="1" lang="en-US" altLang="ja-JP" dirty="0"/>
@@ -4701,7 +4798,7 @@
     </p:spTree>
     <p:extLst>
       <p:ext uri="{BB962C8B-B14F-4D97-AF65-F5344CB8AC3E}">
-        <p14:creationId xmlns:p14="http://schemas.microsoft.com/office/powerpoint/2010/main" val="2513662402"/>
+        <p14:creationId xmlns:p14="http://schemas.microsoft.com/office/powerpoint/2010/main" val="680719697"/>
       </p:ext>
     </p:extLst>
   </p:cSld>
@@ -4751,7 +4848,7 @@
           <a:p>
             <a:r>
               <a:rPr kumimoji="1" lang="ja-JP" altLang="en-US" dirty="0"/>
-              <a:t>試しに実行してみよう　その２の１</a:t>
+              <a:t>試しに実行してみよう　その１の２</a:t>
             </a:r>
           </a:p>
         </p:txBody>
@@ -4778,115 +4875,67 @@
           <a:lstStyle/>
           <a:p>
             <a:r>
-              <a:rPr kumimoji="1" lang="ja-JP" altLang="en-US" dirty="0"/>
-              <a:t>前項で開いた</a:t>
-            </a:r>
-            <a:r>
-              <a:rPr kumimoji="1" lang="en-US" altLang="ja-JP" dirty="0"/>
-              <a:t>backend</a:t>
-            </a:r>
-            <a:r>
-              <a:rPr kumimoji="1" lang="ja-JP" altLang="en-US" dirty="0"/>
-              <a:t>のターミナルはそのまま</a:t>
-            </a:r>
-            <a:endParaRPr kumimoji="1" lang="en-US" altLang="ja-JP" dirty="0"/>
-          </a:p>
-          <a:p>
-            <a:r>
-              <a:rPr kumimoji="1" lang="ja-JP" altLang="en-US" dirty="0"/>
-              <a:t>もう一つ新しくターミナル</a:t>
-            </a:r>
-            <a:r>
-              <a:rPr lang="ja-JP" altLang="en-US" dirty="0"/>
+              <a:rPr kumimoji="1" lang="en-US" altLang="ja-JP" dirty="0"/>
+              <a:t>server.py</a:t>
+            </a:r>
+            <a:r>
+              <a:rPr kumimoji="1" lang="ja-JP" altLang="en-US" dirty="0"/>
               <a:t>を</a:t>
             </a:r>
             <a:r>
-              <a:rPr kumimoji="1" lang="ja-JP" altLang="en-US" dirty="0"/>
-              <a:t>開いて、以下のコマンドを実行</a:t>
-            </a:r>
-            <a:endParaRPr kumimoji="1" lang="en-US" altLang="ja-JP" dirty="0"/>
-          </a:p>
-          <a:p>
-            <a:pPr lvl="1"/>
-            <a:r>
-              <a:rPr lang="en-US" altLang="ja-JP" dirty="0"/>
-              <a:t>c</a:t>
-            </a:r>
-            <a:r>
-              <a:rPr kumimoji="1" lang="en-US" altLang="ja-JP" dirty="0"/>
-              <a:t>d frontend</a:t>
-            </a:r>
-          </a:p>
-          <a:p>
-            <a:pPr lvl="1"/>
-            <a:r>
-              <a:rPr lang="en-US" altLang="ja-JP" dirty="0" err="1"/>
-              <a:t>npm</a:t>
-            </a:r>
-            <a:r>
-              <a:rPr lang="en-US" altLang="ja-JP" dirty="0"/>
-              <a:t> I</a:t>
-            </a:r>
-            <a:r>
-              <a:rPr lang="ja-JP" altLang="en-US" dirty="0"/>
-              <a:t>　　　　　</a:t>
-            </a:r>
-            <a:r>
-              <a:rPr lang="en-US" altLang="ja-JP" dirty="0"/>
-              <a:t># 2</a:t>
-            </a:r>
-            <a:r>
-              <a:rPr lang="ja-JP" altLang="en-US" dirty="0"/>
-              <a:t>回目以降はこの行は不要</a:t>
+              <a:rPr kumimoji="1" lang="en-US" altLang="ja-JP" dirty="0" err="1"/>
+              <a:t>vscode</a:t>
+            </a:r>
+            <a:r>
+              <a:rPr kumimoji="1" lang="ja-JP" altLang="en-US" dirty="0"/>
+              <a:t>で編集して、</a:t>
+            </a:r>
+            <a:r>
+              <a:rPr lang="ja-JP" altLang="en-US" dirty="0"/>
+              <a:t>文字列が変わることを確認してみてください。</a:t>
             </a:r>
             <a:endParaRPr lang="en-US" altLang="ja-JP" dirty="0"/>
           </a:p>
           <a:p>
-            <a:pPr lvl="1"/>
-            <a:r>
-              <a:rPr lang="en-US" altLang="ja-JP" dirty="0" err="1"/>
-              <a:t>npm</a:t>
-            </a:r>
-            <a:r>
-              <a:rPr lang="en-US" altLang="ja-JP" dirty="0"/>
-              <a:t> run dev</a:t>
-            </a:r>
-            <a:endParaRPr kumimoji="1" lang="en-US" altLang="ja-JP" dirty="0"/>
-          </a:p>
-          <a:p>
-            <a:r>
-              <a:rPr lang="en-US" altLang="ja-JP" dirty="0"/>
-              <a:t>Chrome</a:t>
-            </a:r>
-            <a:r>
-              <a:rPr lang="ja-JP" altLang="en-US" dirty="0"/>
-              <a:t>等のブラウザで、</a:t>
-            </a:r>
-            <a:r>
-              <a:rPr lang="en-US" altLang="ja-JP" dirty="0">
-                <a:hlinkClick r:id="rId2"/>
-              </a:rPr>
-              <a:t>http://localhost:5173</a:t>
-            </a:r>
-            <a:r>
-              <a:rPr lang="en-US" altLang="ja-JP" dirty="0"/>
+            <a:pPr marL="457200" lvl="1" indent="0">
+              <a:buNone/>
+            </a:pPr>
+            <a:r>
+              <a:rPr kumimoji="1" lang="en-US" altLang="ja-JP" dirty="0"/>
+              <a:t>@app.route("/")</a:t>
+            </a:r>
+          </a:p>
+          <a:p>
+            <a:pPr marL="457200" lvl="1" indent="0">
+              <a:buNone/>
+            </a:pPr>
+            <a:r>
+              <a:rPr kumimoji="1" lang="en-US" altLang="ja-JP" dirty="0"/>
+              <a:t>def index():</a:t>
+            </a:r>
+          </a:p>
+          <a:p>
+            <a:pPr marL="457200" lvl="1" indent="0">
+              <a:buNone/>
+            </a:pPr>
+            <a:r>
+              <a:rPr kumimoji="1" lang="en-US" altLang="ja-JP" dirty="0"/>
+              <a:t>    return "This is</a:t>
+            </a:r>
+            <a:r>
+              <a:rPr kumimoji="1" lang="en-US" altLang="ja-JP" u="sng" dirty="0"/>
+              <a:t> My</a:t>
+            </a:r>
+            <a:r>
+              <a:rPr kumimoji="1" lang="ja-JP" altLang="en-US" u="sng" dirty="0"/>
               <a:t> </a:t>
             </a:r>
             <a:r>
-              <a:rPr lang="ja-JP" altLang="en-US" dirty="0"/>
-              <a:t>にアクセス。</a:t>
-            </a:r>
-            <a:endParaRPr lang="en-US" altLang="ja-JP" dirty="0"/>
-          </a:p>
-          <a:p>
-            <a:r>
-              <a:rPr kumimoji="1" lang="en-US" altLang="ja-JP" dirty="0"/>
-              <a:t>“This is Frontend Server”</a:t>
-            </a:r>
-            <a:r>
-              <a:rPr kumimoji="1" lang="ja-JP" altLang="en-US" dirty="0"/>
-              <a:t>と表示されることを確認してください。</a:t>
-            </a:r>
+              <a:rPr kumimoji="1" lang="en-US" altLang="ja-JP" dirty="0"/>
+              <a:t>Backend API Server."</a:t>
+            </a:r>
+          </a:p>
+          <a:p>
             <a:endParaRPr kumimoji="1" lang="en-US" altLang="ja-JP" dirty="0"/>
           </a:p>
           <a:p>
@@ -4897,7 +4946,7 @@
     </p:spTree>
     <p:extLst>
       <p:ext uri="{BB962C8B-B14F-4D97-AF65-F5344CB8AC3E}">
-        <p14:creationId xmlns:p14="http://schemas.microsoft.com/office/powerpoint/2010/main" val="1845602099"/>
+        <p14:creationId xmlns:p14="http://schemas.microsoft.com/office/powerpoint/2010/main" val="2513662402"/>
       </p:ext>
     </p:extLst>
   </p:cSld>
@@ -4947,7 +4996,7 @@
           <a:p>
             <a:r>
               <a:rPr kumimoji="1" lang="ja-JP" altLang="en-US" dirty="0"/>
-              <a:t>試しに実行してみよう　その２の２</a:t>
+              <a:t>試しに実行してみよう　その２の１</a:t>
             </a:r>
           </a:p>
         </p:txBody>
@@ -4970,85 +5019,120 @@
         </p:nvSpPr>
         <p:spPr/>
         <p:txBody>
-          <a:bodyPr>
-            <a:normAutofit/>
-          </a:bodyPr>
-          <a:lstStyle/>
-          <a:p>
-            <a:r>
-              <a:rPr kumimoji="1" lang="ja-JP" altLang="en-US" dirty="0"/>
-              <a:t>試しに</a:t>
-            </a:r>
+          <a:bodyPr/>
+          <a:lstStyle/>
+          <a:p>
+            <a:r>
+              <a:rPr kumimoji="1" lang="ja-JP" altLang="en-US" dirty="0"/>
+              <a:t>前項で開いた</a:t>
+            </a:r>
+            <a:r>
+              <a:rPr kumimoji="1" lang="en-US" altLang="ja-JP" dirty="0"/>
+              <a:t>backend</a:t>
+            </a:r>
+            <a:r>
+              <a:rPr kumimoji="1" lang="ja-JP" altLang="en-US" dirty="0"/>
+              <a:t>のターミナルはそのまま</a:t>
+            </a:r>
+            <a:endParaRPr kumimoji="1" lang="en-US" altLang="ja-JP" dirty="0"/>
+          </a:p>
+          <a:p>
+            <a:r>
+              <a:rPr kumimoji="1" lang="ja-JP" altLang="en-US" dirty="0"/>
+              <a:t>もう一つ新しくターミナル</a:t>
+            </a:r>
+            <a:r>
+              <a:rPr lang="ja-JP" altLang="en-US" dirty="0"/>
+              <a:t>を</a:t>
+            </a:r>
+            <a:r>
+              <a:rPr kumimoji="1" lang="ja-JP" altLang="en-US" dirty="0"/>
+              <a:t>開いて、以下のコマンドを実行</a:t>
+            </a:r>
+            <a:endParaRPr kumimoji="1" lang="en-US" altLang="ja-JP" dirty="0"/>
+          </a:p>
+          <a:p>
+            <a:pPr lvl="1"/>
             <a:r>
               <a:rPr lang="en-US" altLang="ja-JP" dirty="0"/>
-              <a:t>frontend/</a:t>
-            </a:r>
+              <a:t>c</a:t>
+            </a:r>
+            <a:r>
+              <a:rPr kumimoji="1" lang="en-US" altLang="ja-JP" dirty="0"/>
+              <a:t>d frontend</a:t>
+            </a:r>
+          </a:p>
+          <a:p>
+            <a:pPr lvl="1"/>
             <a:r>
               <a:rPr lang="en-US" altLang="ja-JP" dirty="0" err="1"/>
-              <a:t>src</a:t>
+              <a:t>npm</a:t>
             </a:r>
             <a:r>
               <a:rPr lang="en-US" altLang="ja-JP" dirty="0"/>
-              <a:t>/routes/+</a:t>
-            </a:r>
+              <a:t> I</a:t>
+            </a:r>
+            <a:r>
+              <a:rPr lang="ja-JP" altLang="en-US" dirty="0"/>
+              <a:t>　　　　　</a:t>
+            </a:r>
+            <a:r>
+              <a:rPr lang="en-US" altLang="ja-JP" dirty="0"/>
+              <a:t># 2</a:t>
+            </a:r>
+            <a:r>
+              <a:rPr lang="ja-JP" altLang="en-US" dirty="0"/>
+              <a:t>回目以降はこの行は不要</a:t>
+            </a:r>
+            <a:endParaRPr lang="en-US" altLang="ja-JP" dirty="0"/>
+          </a:p>
+          <a:p>
+            <a:pPr lvl="1"/>
             <a:r>
               <a:rPr lang="en-US" altLang="ja-JP" dirty="0" err="1"/>
-              <a:t>page.svelte</a:t>
-            </a:r>
-            <a:r>
-              <a:rPr kumimoji="1" lang="ja-JP" altLang="en-US" dirty="0"/>
-              <a:t>を編集して、ブラウザで再表示して、</a:t>
-            </a:r>
-            <a:r>
-              <a:rPr lang="ja-JP" altLang="en-US" dirty="0"/>
-              <a:t>文字列が変わることを確認してみてください。</a:t>
+              <a:t>npm</a:t>
+            </a:r>
+            <a:r>
+              <a:rPr lang="en-US" altLang="ja-JP" dirty="0"/>
+              <a:t> run dev</a:t>
+            </a:r>
+            <a:endParaRPr kumimoji="1" lang="en-US" altLang="ja-JP" dirty="0"/>
+          </a:p>
+          <a:p>
+            <a:r>
+              <a:rPr lang="en-US" altLang="ja-JP" dirty="0"/>
+              <a:t>Chrome</a:t>
+            </a:r>
+            <a:r>
+              <a:rPr lang="ja-JP" altLang="en-US" dirty="0"/>
+              <a:t>等のブラウザで、</a:t>
+            </a:r>
+            <a:r>
+              <a:rPr lang="en-US" altLang="ja-JP" dirty="0">
+                <a:hlinkClick r:id="rId2"/>
+              </a:rPr>
+              <a:t>http://localhost:5173</a:t>
+            </a:r>
+            <a:r>
+              <a:rPr lang="en-US" altLang="ja-JP" dirty="0"/>
+              <a:t> </a:t>
+            </a:r>
+            <a:r>
+              <a:rPr lang="ja-JP" altLang="en-US" dirty="0"/>
+              <a:t>にアクセス。</a:t>
             </a:r>
             <a:endParaRPr lang="en-US" altLang="ja-JP" dirty="0"/>
           </a:p>
           <a:p>
-            <a:pPr marL="457200" lvl="1" indent="0">
-              <a:buNone/>
-            </a:pPr>
-            <a:r>
-              <a:rPr kumimoji="1" lang="en-US" altLang="ja-JP" dirty="0"/>
-              <a:t>&lt;main&gt;</a:t>
-            </a:r>
-          </a:p>
-          <a:p>
-            <a:pPr marL="457200" lvl="1" indent="0">
-              <a:buNone/>
-            </a:pPr>
-            <a:r>
-              <a:rPr kumimoji="1" lang="en-US" altLang="ja-JP" dirty="0"/>
-              <a:t>	&lt;h1&gt;This is</a:t>
-            </a:r>
-            <a:r>
-              <a:rPr kumimoji="1" lang="en-US" altLang="ja-JP" u="sng" dirty="0"/>
-              <a:t> My </a:t>
-            </a:r>
-            <a:r>
-              <a:rPr kumimoji="1" lang="en-US" altLang="ja-JP" dirty="0"/>
-              <a:t>Frontend Server.&lt;/h1&gt;</a:t>
-            </a:r>
-          </a:p>
-          <a:p>
-            <a:pPr marL="457200" lvl="1" indent="0">
-              <a:buNone/>
-            </a:pPr>
-            <a:r>
-              <a:rPr lang="en-US" altLang="ja-JP" dirty="0"/>
-              <a:t>	…</a:t>
+            <a:r>
+              <a:rPr kumimoji="1" lang="en-US" altLang="ja-JP" dirty="0"/>
+              <a:t>“This is Frontend Server”</a:t>
+            </a:r>
+            <a:r>
+              <a:rPr kumimoji="1" lang="ja-JP" altLang="en-US" dirty="0"/>
+              <a:t>と表示されることを確認してください。</a:t>
             </a:r>
             <a:endParaRPr kumimoji="1" lang="en-US" altLang="ja-JP" dirty="0"/>
-          </a:p>
-          <a:p>
-            <a:pPr marL="457200" lvl="1" indent="0">
-              <a:buNone/>
-            </a:pPr>
-            <a:r>
-              <a:rPr kumimoji="1" lang="en-US" altLang="ja-JP" dirty="0"/>
-              <a:t>&lt;/main&gt;</a:t>
-            </a:r>
           </a:p>
           <a:p>
             <a:endParaRPr kumimoji="1" lang="ja-JP" altLang="en-US" dirty="0"/>
@@ -5058,7 +5142,7 @@
     </p:spTree>
     <p:extLst>
       <p:ext uri="{BB962C8B-B14F-4D97-AF65-F5344CB8AC3E}">
-        <p14:creationId xmlns:p14="http://schemas.microsoft.com/office/powerpoint/2010/main" val="1079829981"/>
+        <p14:creationId xmlns:p14="http://schemas.microsoft.com/office/powerpoint/2010/main" val="1845602099"/>
       </p:ext>
     </p:extLst>
   </p:cSld>
@@ -5090,7 +5174,7 @@
           <p:cNvPr id="2" name="タイトル 1">
             <a:extLst>
               <a:ext uri="{FF2B5EF4-FFF2-40B4-BE49-F238E27FC236}">
-                <a16:creationId xmlns:a16="http://schemas.microsoft.com/office/drawing/2014/main" id="{C82E3FBF-9CA3-7A78-B1A7-CB206062E4B5}"/>
+                <a16:creationId xmlns:a16="http://schemas.microsoft.com/office/drawing/2014/main" id="{60FAD455-A988-F761-F9AB-ACBAE228E902}"/>
               </a:ext>
             </a:extLst>
           </p:cNvPr>
@@ -5107,14 +5191,9 @@
           <a:lstStyle/>
           <a:p>
             <a:r>
-              <a:rPr lang="ja-JP" altLang="en-US" dirty="0"/>
-              <a:t>ソースの解説 </a:t>
-            </a:r>
-            <a:r>
-              <a:rPr lang="en-US" altLang="ja-JP" dirty="0"/>
-              <a:t># backend</a:t>
-            </a:r>
-            <a:endParaRPr kumimoji="1" lang="ja-JP" altLang="en-US" dirty="0"/>
+              <a:rPr kumimoji="1" lang="ja-JP" altLang="en-US" dirty="0"/>
+              <a:t>試しに実行してみよう　その２の２</a:t>
+            </a:r>
           </a:p>
         </p:txBody>
       </p:sp>
@@ -5123,7 +5202,7 @@
           <p:cNvPr id="3" name="コンテンツ プレースホルダー 2">
             <a:extLst>
               <a:ext uri="{FF2B5EF4-FFF2-40B4-BE49-F238E27FC236}">
-                <a16:creationId xmlns:a16="http://schemas.microsoft.com/office/drawing/2014/main" id="{8139BBD1-50C2-FECA-827F-F01EE51CA403}"/>
+                <a16:creationId xmlns:a16="http://schemas.microsoft.com/office/drawing/2014/main" id="{40348359-BE69-F8B5-1A9D-336EBC51427B}"/>
               </a:ext>
             </a:extLst>
           </p:cNvPr>
@@ -5136,86 +5215,85 @@
         </p:nvSpPr>
         <p:spPr/>
         <p:txBody>
-          <a:bodyPr/>
-          <a:lstStyle/>
-          <a:p>
-            <a:r>
-              <a:rPr kumimoji="1" lang="ja-JP" altLang="en-US" dirty="0"/>
-              <a:t>ソースファイルは基本的に、</a:t>
-            </a:r>
-            <a:r>
-              <a:rPr kumimoji="1" lang="en-US" altLang="ja-JP" dirty="0"/>
-              <a:t>Server.py1</a:t>
-            </a:r>
-            <a:r>
-              <a:rPr kumimoji="1" lang="ja-JP" altLang="en-US" dirty="0"/>
-              <a:t>個だけ</a:t>
-            </a:r>
-            <a:r>
-              <a:rPr lang="ja-JP" altLang="en-US" dirty="0"/>
-              <a:t>。</a:t>
+          <a:bodyPr>
+            <a:normAutofit/>
+          </a:bodyPr>
+          <a:lstStyle/>
+          <a:p>
+            <a:r>
+              <a:rPr kumimoji="1" lang="ja-JP" altLang="en-US" dirty="0"/>
+              <a:t>試しに</a:t>
+            </a:r>
+            <a:r>
+              <a:rPr lang="en-US" altLang="ja-JP" dirty="0"/>
+              <a:t>frontend/</a:t>
+            </a:r>
+            <a:r>
+              <a:rPr lang="en-US" altLang="ja-JP" dirty="0" err="1"/>
+              <a:t>src</a:t>
+            </a:r>
+            <a:r>
+              <a:rPr lang="en-US" altLang="ja-JP" dirty="0"/>
+              <a:t>/routes/+</a:t>
+            </a:r>
+            <a:r>
+              <a:rPr lang="en-US" altLang="ja-JP" dirty="0" err="1"/>
+              <a:t>page.svelte</a:t>
+            </a:r>
+            <a:r>
+              <a:rPr kumimoji="1" lang="ja-JP" altLang="en-US" dirty="0"/>
+              <a:t>を編集して、ブラウザで再表示して、</a:t>
+            </a:r>
+            <a:r>
+              <a:rPr lang="ja-JP" altLang="en-US" dirty="0"/>
+              <a:t>文字列が変わることを確認してみてください。</a:t>
             </a:r>
             <a:endParaRPr lang="en-US" altLang="ja-JP" dirty="0"/>
           </a:p>
           <a:p>
-            <a:r>
-              <a:rPr kumimoji="1" lang="en-US" altLang="ja-JP" dirty="0"/>
-              <a:t>10</a:t>
-            </a:r>
-            <a:r>
-              <a:rPr kumimoji="1" lang="ja-JP" altLang="en-US" dirty="0"/>
-              <a:t>行目までと最後</a:t>
-            </a:r>
-            <a:r>
-              <a:rPr kumimoji="1" lang="en-US" altLang="ja-JP" dirty="0"/>
-              <a:t>2</a:t>
-            </a:r>
-            <a:r>
-              <a:rPr kumimoji="1" lang="ja-JP" altLang="en-US" dirty="0"/>
-              <a:t>行は定型文なので、基本的に触る必要はありません。</a:t>
+            <a:pPr marL="457200" lvl="1" indent="0">
+              <a:buNone/>
+            </a:pPr>
+            <a:r>
+              <a:rPr kumimoji="1" lang="en-US" altLang="ja-JP" dirty="0"/>
+              <a:t>&lt;main&gt;</a:t>
+            </a:r>
+          </a:p>
+          <a:p>
+            <a:pPr marL="457200" lvl="1" indent="0">
+              <a:buNone/>
+            </a:pPr>
+            <a:r>
+              <a:rPr kumimoji="1" lang="en-US" altLang="ja-JP" dirty="0"/>
+              <a:t>	&lt;h1&gt;This is</a:t>
+            </a:r>
+            <a:r>
+              <a:rPr kumimoji="1" lang="en-US" altLang="ja-JP" u="sng" dirty="0"/>
+              <a:t> My </a:t>
+            </a:r>
+            <a:r>
+              <a:rPr kumimoji="1" lang="en-US" altLang="ja-JP" dirty="0"/>
+              <a:t>Frontend Server.&lt;/h1&gt;</a:t>
+            </a:r>
+          </a:p>
+          <a:p>
+            <a:pPr marL="457200" lvl="1" indent="0">
+              <a:buNone/>
+            </a:pPr>
+            <a:r>
+              <a:rPr lang="en-US" altLang="ja-JP" dirty="0"/>
+              <a:t>	…</a:t>
             </a:r>
             <a:endParaRPr kumimoji="1" lang="en-US" altLang="ja-JP" dirty="0"/>
           </a:p>
           <a:p>
-            <a:r>
-              <a:rPr lang="en-US" altLang="ja-JP" dirty="0"/>
-              <a:t>@app.route(…)</a:t>
-            </a:r>
-            <a:r>
-              <a:rPr lang="ja-JP" altLang="en-US" dirty="0"/>
-              <a:t>が</a:t>
-            </a:r>
-            <a:r>
-              <a:rPr lang="en-US" altLang="ja-JP" dirty="0"/>
-              <a:t>URL</a:t>
-            </a:r>
-            <a:r>
-              <a:rPr lang="ja-JP" altLang="en-US" dirty="0"/>
-              <a:t>を表します。</a:t>
-            </a:r>
-            <a:endParaRPr lang="en-US" altLang="ja-JP" dirty="0"/>
-          </a:p>
-          <a:p>
-            <a:r>
-              <a:rPr lang="ja-JP" altLang="en-US" dirty="0"/>
-              <a:t>次行の関数がそのロジック実装になります。</a:t>
-            </a:r>
-            <a:endParaRPr lang="en-US" altLang="ja-JP" dirty="0"/>
-          </a:p>
-          <a:p>
-            <a:r>
-              <a:rPr lang="ja-JP" altLang="en-US" dirty="0"/>
-              <a:t>関数の戻り値が</a:t>
-            </a:r>
-            <a:r>
-              <a:rPr lang="en-US" altLang="ja-JP" dirty="0"/>
-              <a:t>Backend</a:t>
-            </a:r>
-            <a:r>
-              <a:rPr lang="ja-JP" altLang="en-US" dirty="0"/>
-              <a:t>サーバで表示される値になります。</a:t>
-            </a:r>
-            <a:endParaRPr lang="en-US" altLang="ja-JP" dirty="0"/>
+            <a:pPr marL="457200" lvl="1" indent="0">
+              <a:buNone/>
+            </a:pPr>
+            <a:r>
+              <a:rPr kumimoji="1" lang="en-US" altLang="ja-JP" dirty="0"/>
+              <a:t>&lt;/main&gt;</a:t>
+            </a:r>
           </a:p>
           <a:p>
             <a:endParaRPr kumimoji="1" lang="ja-JP" altLang="en-US" dirty="0"/>
@@ -5225,7 +5303,7 @@
     </p:spTree>
     <p:extLst>
       <p:ext uri="{BB962C8B-B14F-4D97-AF65-F5344CB8AC3E}">
-        <p14:creationId xmlns:p14="http://schemas.microsoft.com/office/powerpoint/2010/main" val="110374683"/>
+        <p14:creationId xmlns:p14="http://schemas.microsoft.com/office/powerpoint/2010/main" val="1079829981"/>
       </p:ext>
     </p:extLst>
   </p:cSld>
@@ -5257,7 +5335,7 @@
           <p:cNvPr id="2" name="タイトル 1">
             <a:extLst>
               <a:ext uri="{FF2B5EF4-FFF2-40B4-BE49-F238E27FC236}">
-                <a16:creationId xmlns:a16="http://schemas.microsoft.com/office/drawing/2014/main" id="{E8CF6B1D-D0C4-B2B0-F498-497138880E7E}"/>
+                <a16:creationId xmlns:a16="http://schemas.microsoft.com/office/drawing/2014/main" id="{C82E3FBF-9CA3-7A78-B1A7-CB206062E4B5}"/>
               </a:ext>
             </a:extLst>
           </p:cNvPr>
@@ -5274,12 +5352,12 @@
           <a:lstStyle/>
           <a:p>
             <a:r>
-              <a:rPr kumimoji="1" lang="ja-JP" altLang="en-US" dirty="0"/>
-              <a:t>ソースの解説　</a:t>
-            </a:r>
-            <a:r>
-              <a:rPr kumimoji="1" lang="en-US" altLang="ja-JP" dirty="0"/>
-              <a:t>#Backend</a:t>
+              <a:rPr lang="ja-JP" altLang="en-US" dirty="0"/>
+              <a:t>ソースの解説 </a:t>
+            </a:r>
+            <a:r>
+              <a:rPr lang="en-US" altLang="ja-JP" dirty="0"/>
+              <a:t># backend</a:t>
             </a:r>
             <a:endParaRPr kumimoji="1" lang="ja-JP" altLang="en-US" dirty="0"/>
           </a:p>
@@ -5290,7 +5368,7 @@
           <p:cNvPr id="3" name="コンテンツ プレースホルダー 2">
             <a:extLst>
               <a:ext uri="{FF2B5EF4-FFF2-40B4-BE49-F238E27FC236}">
-                <a16:creationId xmlns:a16="http://schemas.microsoft.com/office/drawing/2014/main" id="{A9F52706-B57C-1135-BAD0-570331A99868}"/>
+                <a16:creationId xmlns:a16="http://schemas.microsoft.com/office/drawing/2014/main" id="{8139BBD1-50C2-FECA-827F-F01EE51CA403}"/>
               </a:ext>
             </a:extLst>
           </p:cNvPr>
@@ -5308,60 +5386,83 @@
           <a:p>
             <a:r>
               <a:rPr kumimoji="1" lang="ja-JP" altLang="en-US" dirty="0"/>
-              <a:t>試しに、</a:t>
-            </a:r>
-            <a:r>
-              <a:rPr kumimoji="1" lang="en-US" altLang="ja-JP" dirty="0"/>
-              <a:t>def index()</a:t>
-            </a:r>
-            <a:r>
-              <a:rPr kumimoji="1" lang="ja-JP" altLang="en-US" dirty="0"/>
-              <a:t>関数の次のブロックに以下のコードを追加してみましょう。</a:t>
+              <a:t>ソースファイルは基本的に、</a:t>
+            </a:r>
+            <a:r>
+              <a:rPr kumimoji="1" lang="en-US" altLang="ja-JP" dirty="0"/>
+              <a:t>Server.py1</a:t>
+            </a:r>
+            <a:r>
+              <a:rPr kumimoji="1" lang="ja-JP" altLang="en-US" dirty="0"/>
+              <a:t>個だけ</a:t>
+            </a:r>
+            <a:r>
+              <a:rPr lang="ja-JP" altLang="en-US" dirty="0"/>
+              <a:t>。</a:t>
+            </a:r>
+            <a:endParaRPr lang="en-US" altLang="ja-JP" dirty="0"/>
+          </a:p>
+          <a:p>
+            <a:r>
+              <a:rPr kumimoji="1" lang="en-US" altLang="ja-JP" dirty="0"/>
+              <a:t>10</a:t>
+            </a:r>
+            <a:r>
+              <a:rPr kumimoji="1" lang="ja-JP" altLang="en-US" dirty="0"/>
+              <a:t>行目までと最後</a:t>
+            </a:r>
+            <a:r>
+              <a:rPr kumimoji="1" lang="en-US" altLang="ja-JP" dirty="0"/>
+              <a:t>2</a:t>
+            </a:r>
+            <a:r>
+              <a:rPr kumimoji="1" lang="ja-JP" altLang="en-US" dirty="0"/>
+              <a:t>行は定型文なので、基本的に触る必要はありません。</a:t>
             </a:r>
             <a:endParaRPr kumimoji="1" lang="en-US" altLang="ja-JP" dirty="0"/>
           </a:p>
           <a:p>
             <a:r>
-              <a:rPr kumimoji="1" lang="en-US" altLang="ja-JP" dirty="0"/>
-              <a:t>@app.route("/help")</a:t>
-            </a:r>
-          </a:p>
-          <a:p>
-            <a:r>
-              <a:rPr kumimoji="1" lang="en-US" altLang="ja-JP" dirty="0"/>
-              <a:t>def </a:t>
-            </a:r>
-            <a:r>
               <a:rPr lang="en-US" altLang="ja-JP" dirty="0"/>
-              <a:t>help</a:t>
-            </a:r>
-            <a:r>
-              <a:rPr kumimoji="1" lang="en-US" altLang="ja-JP" dirty="0"/>
-              <a:t>():</a:t>
-            </a:r>
-          </a:p>
-          <a:p>
-            <a:pPr lvl="1"/>
-            <a:r>
-              <a:rPr kumimoji="1" lang="en-US" altLang="ja-JP" dirty="0"/>
-              <a:t>return "This is Help Page!!"</a:t>
-            </a:r>
-          </a:p>
-          <a:p>
-            <a:r>
-              <a:rPr kumimoji="1" lang="ja-JP" altLang="en-US" dirty="0"/>
-              <a:t>ブラウザで、</a:t>
-            </a:r>
-            <a:r>
-              <a:rPr kumimoji="1" lang="en-US" altLang="ja-JP" dirty="0">
-                <a:hlinkClick r:id="rId2"/>
-              </a:rPr>
-              <a:t>http://localhost:5000/help</a:t>
-            </a:r>
-            <a:r>
-              <a:rPr lang="ja-JP" altLang="en-US" dirty="0"/>
-              <a:t> を開くと、上のメッセージが表示されるかと思います。</a:t>
-            </a:r>
+              <a:t>@app.route(…)</a:t>
+            </a:r>
+            <a:r>
+              <a:rPr lang="ja-JP" altLang="en-US" dirty="0"/>
+              <a:t>が</a:t>
+            </a:r>
+            <a:r>
+              <a:rPr lang="en-US" altLang="ja-JP" dirty="0"/>
+              <a:t>URL</a:t>
+            </a:r>
+            <a:r>
+              <a:rPr lang="ja-JP" altLang="en-US" dirty="0"/>
+              <a:t>を表します。</a:t>
+            </a:r>
+            <a:endParaRPr lang="en-US" altLang="ja-JP" dirty="0"/>
+          </a:p>
+          <a:p>
+            <a:r>
+              <a:rPr lang="ja-JP" altLang="en-US" dirty="0"/>
+              <a:t>次行の関数がそのロジック実装になります。</a:t>
+            </a:r>
+            <a:endParaRPr lang="en-US" altLang="ja-JP" dirty="0"/>
+          </a:p>
+          <a:p>
+            <a:r>
+              <a:rPr lang="ja-JP" altLang="en-US" dirty="0"/>
+              <a:t>関数の戻り値が</a:t>
+            </a:r>
+            <a:r>
+              <a:rPr lang="en-US" altLang="ja-JP" dirty="0"/>
+              <a:t>Backend</a:t>
+            </a:r>
+            <a:r>
+              <a:rPr lang="ja-JP" altLang="en-US" dirty="0"/>
+              <a:t>サーバで表示される値になります。</a:t>
+            </a:r>
+            <a:endParaRPr lang="en-US" altLang="ja-JP" dirty="0"/>
+          </a:p>
+          <a:p>
             <a:endParaRPr kumimoji="1" lang="ja-JP" altLang="en-US" dirty="0"/>
           </a:p>
         </p:txBody>
@@ -5369,7 +5470,7 @@
     </p:spTree>
     <p:extLst>
       <p:ext uri="{BB962C8B-B14F-4D97-AF65-F5344CB8AC3E}">
-        <p14:creationId xmlns:p14="http://schemas.microsoft.com/office/powerpoint/2010/main" val="2642177838"/>
+        <p14:creationId xmlns:p14="http://schemas.microsoft.com/office/powerpoint/2010/main" val="110374683"/>
       </p:ext>
     </p:extLst>
   </p:cSld>
@@ -5401,7 +5502,7 @@
           <p:cNvPr id="2" name="タイトル 1">
             <a:extLst>
               <a:ext uri="{FF2B5EF4-FFF2-40B4-BE49-F238E27FC236}">
-                <a16:creationId xmlns:a16="http://schemas.microsoft.com/office/drawing/2014/main" id="{E302E202-0A75-AFAC-22A1-5BBB52A8D17B}"/>
+                <a16:creationId xmlns:a16="http://schemas.microsoft.com/office/drawing/2014/main" id="{E8CF6B1D-D0C4-B2B0-F498-497138880E7E}"/>
               </a:ext>
             </a:extLst>
           </p:cNvPr>
@@ -5419,11 +5520,11 @@
           <a:p>
             <a:r>
               <a:rPr kumimoji="1" lang="ja-JP" altLang="en-US" dirty="0"/>
-              <a:t>ソースの解説 </a:t>
-            </a:r>
-            <a:r>
-              <a:rPr kumimoji="1" lang="en-US" altLang="ja-JP" dirty="0"/>
-              <a:t># frontend</a:t>
+              <a:t>ソースの解説　</a:t>
+            </a:r>
+            <a:r>
+              <a:rPr kumimoji="1" lang="en-US" altLang="ja-JP" dirty="0"/>
+              <a:t>#Backend</a:t>
             </a:r>
             <a:endParaRPr kumimoji="1" lang="ja-JP" altLang="en-US" dirty="0"/>
           </a:p>
@@ -5434,7 +5535,7 @@
           <p:cNvPr id="3" name="コンテンツ プレースホルダー 2">
             <a:extLst>
               <a:ext uri="{FF2B5EF4-FFF2-40B4-BE49-F238E27FC236}">
-                <a16:creationId xmlns:a16="http://schemas.microsoft.com/office/drawing/2014/main" id="{98BA8528-AFB9-1753-D165-4B332C1C2F4A}"/>
+                <a16:creationId xmlns:a16="http://schemas.microsoft.com/office/drawing/2014/main" id="{A9F52706-B57C-1135-BAD0-570331A99868}"/>
               </a:ext>
             </a:extLst>
           </p:cNvPr>
@@ -5447,118 +5548,64 @@
         </p:nvSpPr>
         <p:spPr/>
         <p:txBody>
-          <a:bodyPr>
-            <a:normAutofit lnSpcReduction="10000"/>
-          </a:bodyPr>
-          <a:lstStyle/>
-          <a:p>
-            <a:r>
-              <a:rPr kumimoji="1" lang="en-US" altLang="ja-JP" dirty="0" err="1"/>
-              <a:t>Src</a:t>
-            </a:r>
-            <a:r>
-              <a:rPr kumimoji="1" lang="ja-JP" altLang="en-US" dirty="0"/>
-              <a:t>フォルダの下にページごとに</a:t>
+          <a:bodyPr/>
+          <a:lstStyle/>
+          <a:p>
+            <a:r>
+              <a:rPr kumimoji="1" lang="ja-JP" altLang="en-US" dirty="0"/>
+              <a:t>試しに、</a:t>
+            </a:r>
+            <a:r>
+              <a:rPr kumimoji="1" lang="en-US" altLang="ja-JP" dirty="0"/>
+              <a:t>def index()</a:t>
+            </a:r>
+            <a:r>
+              <a:rPr kumimoji="1" lang="ja-JP" altLang="en-US" dirty="0"/>
+              <a:t>関数の次のブロックに以下のコードを追加してみましょう。</a:t>
+            </a:r>
+            <a:endParaRPr kumimoji="1" lang="en-US" altLang="ja-JP" dirty="0"/>
+          </a:p>
+          <a:p>
+            <a:r>
+              <a:rPr kumimoji="1" lang="en-US" altLang="ja-JP" dirty="0"/>
+              <a:t>@app.route("/help")</a:t>
+            </a:r>
+          </a:p>
+          <a:p>
+            <a:r>
+              <a:rPr kumimoji="1" lang="en-US" altLang="ja-JP" dirty="0"/>
+              <a:t>def </a:t>
             </a:r>
             <a:r>
               <a:rPr lang="en-US" altLang="ja-JP" dirty="0"/>
-              <a:t>+</a:t>
-            </a:r>
-            <a:r>
-              <a:rPr lang="en-US" altLang="ja-JP" dirty="0" err="1"/>
-              <a:t>page.svelte</a:t>
-            </a:r>
-            <a:r>
-              <a:rPr lang="ja-JP" altLang="en-US" dirty="0"/>
-              <a:t>ファイルが</a:t>
-            </a:r>
-            <a:r>
-              <a:rPr lang="en-US" altLang="ja-JP" dirty="0"/>
-              <a:t>1</a:t>
-            </a:r>
-            <a:r>
-              <a:rPr lang="ja-JP" altLang="en-US" dirty="0"/>
-              <a:t>個あり、これを編集していきます。</a:t>
-            </a:r>
-            <a:endParaRPr lang="en-US" altLang="ja-JP" dirty="0"/>
-          </a:p>
-          <a:p>
-            <a:r>
-              <a:rPr kumimoji="1" lang="en-US" altLang="ja-JP" dirty="0"/>
-              <a:t>Svelte</a:t>
-            </a:r>
-            <a:r>
-              <a:rPr kumimoji="1" lang="ja-JP" altLang="en-US" dirty="0"/>
-              <a:t>ファイル</a:t>
-            </a:r>
-            <a:r>
-              <a:rPr lang="ja-JP" altLang="en-US" dirty="0"/>
-              <a:t>は以下</a:t>
-            </a:r>
-            <a:r>
-              <a:rPr lang="en-US" altLang="ja-JP" dirty="0"/>
-              <a:t>3</a:t>
-            </a:r>
-            <a:r>
-              <a:rPr lang="ja-JP" altLang="en-US" dirty="0"/>
-              <a:t>つのブロックに分かれます。</a:t>
-            </a:r>
-            <a:endParaRPr lang="en-US" altLang="ja-JP" dirty="0"/>
+              <a:t>help</a:t>
+            </a:r>
+            <a:r>
+              <a:rPr kumimoji="1" lang="en-US" altLang="ja-JP" dirty="0"/>
+              <a:t>():</a:t>
+            </a:r>
           </a:p>
           <a:p>
             <a:pPr lvl="1"/>
             <a:r>
-              <a:rPr lang="en-US" altLang="ja-JP" dirty="0"/>
-              <a:t>&lt;script&gt;</a:t>
-            </a:r>
-          </a:p>
-          <a:p>
-            <a:pPr lvl="2"/>
-            <a:r>
-              <a:rPr lang="en-US" altLang="ja-JP" dirty="0"/>
-              <a:t>JavaScript</a:t>
-            </a:r>
-            <a:r>
-              <a:rPr lang="ja-JP" altLang="en-US" dirty="0"/>
-              <a:t>でプログラムコードを書く</a:t>
-            </a:r>
-            <a:endParaRPr lang="en-US" altLang="ja-JP" dirty="0"/>
-          </a:p>
-          <a:p>
-            <a:pPr lvl="1"/>
-            <a:r>
-              <a:rPr lang="en-US" altLang="ja-JP" dirty="0"/>
-              <a:t>&lt;main&gt;</a:t>
-            </a:r>
-          </a:p>
-          <a:p>
-            <a:pPr lvl="2"/>
-            <a:r>
-              <a:rPr lang="en-US" altLang="ja-JP" dirty="0"/>
-              <a:t>html</a:t>
-            </a:r>
-            <a:r>
-              <a:rPr lang="ja-JP" altLang="en-US" dirty="0"/>
-              <a:t>文書構造を記述するブロック</a:t>
-            </a:r>
-            <a:endParaRPr lang="en-US" altLang="ja-JP" dirty="0"/>
-          </a:p>
-          <a:p>
-            <a:pPr lvl="1"/>
-            <a:r>
-              <a:rPr lang="en-US" altLang="ja-JP" dirty="0"/>
-              <a:t>&lt;style&gt;</a:t>
-            </a:r>
-          </a:p>
-          <a:p>
-            <a:pPr lvl="2"/>
-            <a:r>
-              <a:rPr lang="en-US" altLang="ja-JP" dirty="0"/>
-              <a:t>CSS</a:t>
-            </a:r>
-            <a:r>
-              <a:rPr lang="ja-JP" altLang="en-US" dirty="0"/>
-              <a:t>で、表示／装飾するスタイルを記載する</a:t>
+              <a:rPr kumimoji="1" lang="en-US" altLang="ja-JP" dirty="0"/>
+              <a:t>return "This is Help Page!!"</a:t>
+            </a:r>
+          </a:p>
+          <a:p>
+            <a:r>
+              <a:rPr kumimoji="1" lang="ja-JP" altLang="en-US" dirty="0"/>
+              <a:t>ブラウザで、</a:t>
+            </a:r>
+            <a:r>
+              <a:rPr kumimoji="1" lang="en-US" altLang="ja-JP" dirty="0">
+                <a:hlinkClick r:id="rId2"/>
+              </a:rPr>
+              <a:t>http://localhost:5000/help</a:t>
+            </a:r>
+            <a:r>
+              <a:rPr lang="ja-JP" altLang="en-US" dirty="0"/>
+              <a:t> を開くと、上のメッセージが表示されるかと思います。</a:t>
             </a:r>
             <a:endParaRPr kumimoji="1" lang="ja-JP" altLang="en-US" dirty="0"/>
           </a:p>
@@ -5567,7 +5614,7 @@
     </p:spTree>
     <p:extLst>
       <p:ext uri="{BB962C8B-B14F-4D97-AF65-F5344CB8AC3E}">
-        <p14:creationId xmlns:p14="http://schemas.microsoft.com/office/powerpoint/2010/main" val="2256943030"/>
+        <p14:creationId xmlns:p14="http://schemas.microsoft.com/office/powerpoint/2010/main" val="2642177838"/>
       </p:ext>
     </p:extLst>
   </p:cSld>
@@ -5599,7 +5646,7 @@
           <p:cNvPr id="2" name="タイトル 1">
             <a:extLst>
               <a:ext uri="{FF2B5EF4-FFF2-40B4-BE49-F238E27FC236}">
-                <a16:creationId xmlns:a16="http://schemas.microsoft.com/office/drawing/2014/main" id="{AE3A5584-161A-6680-098D-D0C41F17A5D2}"/>
+                <a16:creationId xmlns:a16="http://schemas.microsoft.com/office/drawing/2014/main" id="{E302E202-0A75-AFAC-22A1-5BBB52A8D17B}"/>
               </a:ext>
             </a:extLst>
           </p:cNvPr>
@@ -5632,7 +5679,7 @@
           <p:cNvPr id="3" name="コンテンツ プレースホルダー 2">
             <a:extLst>
               <a:ext uri="{FF2B5EF4-FFF2-40B4-BE49-F238E27FC236}">
-                <a16:creationId xmlns:a16="http://schemas.microsoft.com/office/drawing/2014/main" id="{CD6AC7C6-410C-5438-7EC8-F02806D1B06F}"/>
+                <a16:creationId xmlns:a16="http://schemas.microsoft.com/office/drawing/2014/main" id="{98BA8528-AFB9-1753-D165-4B332C1C2F4A}"/>
               </a:ext>
             </a:extLst>
           </p:cNvPr>
@@ -5643,93 +5690,129 @@
             <p:ph idx="1"/>
           </p:nvPr>
         </p:nvSpPr>
-        <p:spPr>
-          <a:xfrm>
-            <a:off x="1451579" y="2015732"/>
-            <a:ext cx="9603275" cy="3450613"/>
-          </a:xfrm>
-        </p:spPr>
-        <p:txBody>
-          <a:bodyPr/>
-          <a:lstStyle/>
-          <a:p>
+        <p:spPr/>
+        <p:txBody>
+          <a:bodyPr>
+            <a:normAutofit lnSpcReduction="10000"/>
+          </a:bodyPr>
+          <a:lstStyle/>
+          <a:p>
+            <a:r>
+              <a:rPr kumimoji="1" lang="en-US" altLang="ja-JP" dirty="0" err="1"/>
+              <a:t>Src</a:t>
+            </a:r>
+            <a:r>
+              <a:rPr kumimoji="1" lang="ja-JP" altLang="en-US" dirty="0"/>
+              <a:t>フォルダの下にページごとに</a:t>
+            </a:r>
+            <a:r>
+              <a:rPr lang="en-US" altLang="ja-JP" dirty="0"/>
+              <a:t>+</a:t>
+            </a:r>
+            <a:r>
+              <a:rPr lang="en-US" altLang="ja-JP" dirty="0" err="1"/>
+              <a:t>page.svelte</a:t>
+            </a:r>
+            <a:r>
+              <a:rPr lang="ja-JP" altLang="en-US" dirty="0"/>
+              <a:t>ファイルが</a:t>
+            </a:r>
+            <a:r>
+              <a:rPr lang="en-US" altLang="ja-JP" dirty="0"/>
+              <a:t>1</a:t>
+            </a:r>
+            <a:r>
+              <a:rPr lang="ja-JP" altLang="en-US" dirty="0"/>
+              <a:t>個あり、これを編集していきます。</a:t>
+            </a:r>
+            <a:endParaRPr lang="en-US" altLang="ja-JP" dirty="0"/>
+          </a:p>
+          <a:p>
+            <a:r>
+              <a:rPr kumimoji="1" lang="en-US" altLang="ja-JP" dirty="0"/>
+              <a:t>Svelte</a:t>
+            </a:r>
+            <a:r>
+              <a:rPr kumimoji="1" lang="ja-JP" altLang="en-US" dirty="0"/>
+              <a:t>ファイル</a:t>
+            </a:r>
+            <a:r>
+              <a:rPr lang="ja-JP" altLang="en-US" dirty="0"/>
+              <a:t>は以下</a:t>
+            </a:r>
+            <a:r>
+              <a:rPr lang="en-US" altLang="ja-JP" dirty="0"/>
+              <a:t>3</a:t>
+            </a:r>
+            <a:r>
+              <a:rPr lang="ja-JP" altLang="en-US" dirty="0"/>
+              <a:t>つのブロックに分かれます。</a:t>
+            </a:r>
+            <a:endParaRPr lang="en-US" altLang="ja-JP" dirty="0"/>
+          </a:p>
+          <a:p>
+            <a:pPr lvl="1"/>
             <a:r>
               <a:rPr lang="en-US" altLang="ja-JP" dirty="0"/>
               <a:t>&lt;script&gt;</a:t>
             </a:r>
-            <a:r>
-              <a:rPr lang="ja-JP" altLang="en-US" dirty="0"/>
-              <a:t>ブロックで宣言した変数の内容を</a:t>
-            </a:r>
+          </a:p>
+          <a:p>
+            <a:pPr lvl="2"/>
             <a:r>
               <a:rPr lang="en-US" altLang="ja-JP" dirty="0"/>
-              <a:t>HTML</a:t>
-            </a:r>
-            <a:r>
-              <a:rPr lang="ja-JP" altLang="en-US" dirty="0"/>
-              <a:t>に表示する場合は、</a:t>
-            </a:r>
+              <a:t>JavaScript</a:t>
+            </a:r>
+            <a:r>
+              <a:rPr lang="ja-JP" altLang="en-US" dirty="0"/>
+              <a:t>でプログラムコードを書く</a:t>
+            </a:r>
+            <a:endParaRPr lang="en-US" altLang="ja-JP" dirty="0"/>
+          </a:p>
+          <a:p>
+            <a:pPr lvl="1"/>
             <a:r>
               <a:rPr lang="en-US" altLang="ja-JP" dirty="0"/>
-              <a:t>{ }</a:t>
-            </a:r>
-            <a:r>
-              <a:rPr lang="ja-JP" altLang="en-US" dirty="0"/>
-              <a:t>で括って記述します。</a:t>
+              <a:t>&lt;main&gt;</a:t>
+            </a:r>
+          </a:p>
+          <a:p>
+            <a:pPr lvl="2"/>
+            <a:r>
+              <a:rPr lang="en-US" altLang="ja-JP" dirty="0"/>
+              <a:t>html</a:t>
+            </a:r>
+            <a:r>
+              <a:rPr lang="ja-JP" altLang="en-US" dirty="0"/>
+              <a:t>文書構造を記述するブロック</a:t>
             </a:r>
             <a:endParaRPr lang="en-US" altLang="ja-JP" dirty="0"/>
           </a:p>
           <a:p>
-            <a:r>
-              <a:rPr lang="en-US" altLang="ja-JP" dirty="0"/>
-              <a:t>&lt;script&gt;</a:t>
-            </a:r>
-            <a:r>
-              <a:rPr lang="ja-JP" altLang="en-US" dirty="0"/>
-              <a:t>ブロックで動的に変更された値も即座に</a:t>
-            </a:r>
-            <a:r>
-              <a:rPr lang="en-US" altLang="ja-JP" dirty="0"/>
-              <a:t>HTML</a:t>
-            </a:r>
-            <a:r>
-              <a:rPr lang="ja-JP" altLang="en-US" dirty="0"/>
-              <a:t>側に反映されます。</a:t>
-            </a:r>
-            <a:endParaRPr lang="en-US" altLang="ja-JP" dirty="0"/>
-          </a:p>
-          <a:p>
+            <a:pPr lvl="1"/>
             <a:r>
               <a:rPr lang="en-US" altLang="ja-JP" dirty="0"/>
               <a:t>&lt;style&gt;</a:t>
             </a:r>
-            <a:r>
-              <a:rPr lang="ja-JP" altLang="en-US" dirty="0"/>
-              <a:t>ブロックにはタグ名、クラス名で属性の設定先を指定します。</a:t>
-            </a:r>
-            <a:endParaRPr lang="en-US" altLang="ja-JP" dirty="0"/>
-          </a:p>
-          <a:p>
-            <a:r>
-              <a:rPr lang="ja-JP" altLang="en-US" dirty="0"/>
-              <a:t>その下に、文字色や背景色等の属性と値を記述することで、</a:t>
-            </a:r>
+          </a:p>
+          <a:p>
+            <a:pPr lvl="2"/>
             <a:r>
               <a:rPr lang="en-US" altLang="ja-JP" dirty="0"/>
-              <a:t>HTML</a:t>
-            </a:r>
-            <a:r>
-              <a:rPr lang="ja-JP" altLang="en-US" dirty="0"/>
-              <a:t>の表示を制御することができます。</a:t>
-            </a:r>
-            <a:endParaRPr lang="en-US" altLang="ja-JP" dirty="0"/>
+              <a:t>CSS</a:t>
+            </a:r>
+            <a:r>
+              <a:rPr lang="ja-JP" altLang="en-US" dirty="0"/>
+              <a:t>で、表示／装飾するスタイルを記載する</a:t>
+            </a:r>
+            <a:endParaRPr kumimoji="1" lang="ja-JP" altLang="en-US" dirty="0"/>
           </a:p>
         </p:txBody>
       </p:sp>
     </p:spTree>
     <p:extLst>
       <p:ext uri="{BB962C8B-B14F-4D97-AF65-F5344CB8AC3E}">
-        <p14:creationId xmlns:p14="http://schemas.microsoft.com/office/powerpoint/2010/main" val="1832280160"/>
+        <p14:creationId xmlns:p14="http://schemas.microsoft.com/office/powerpoint/2010/main" val="2256943030"/>
       </p:ext>
     </p:extLst>
   </p:cSld>
@@ -5903,7 +5986,7 @@
           <p:cNvPr id="2" name="タイトル 1">
             <a:extLst>
               <a:ext uri="{FF2B5EF4-FFF2-40B4-BE49-F238E27FC236}">
-                <a16:creationId xmlns:a16="http://schemas.microsoft.com/office/drawing/2014/main" id="{0D738EE2-196E-F06C-E14A-BB6972E8CAFA}"/>
+                <a16:creationId xmlns:a16="http://schemas.microsoft.com/office/drawing/2014/main" id="{AE3A5584-161A-6680-098D-D0C41F17A5D2}"/>
               </a:ext>
             </a:extLst>
           </p:cNvPr>
@@ -5936,7 +6019,7 @@
           <p:cNvPr id="3" name="コンテンツ プレースホルダー 2">
             <a:extLst>
               <a:ext uri="{FF2B5EF4-FFF2-40B4-BE49-F238E27FC236}">
-                <a16:creationId xmlns:a16="http://schemas.microsoft.com/office/drawing/2014/main" id="{7FBD5E42-0071-343E-8226-C9689AD3715B}"/>
+                <a16:creationId xmlns:a16="http://schemas.microsoft.com/office/drawing/2014/main" id="{CD6AC7C6-410C-5438-7EC8-F02806D1B06F}"/>
               </a:ext>
             </a:extLst>
           </p:cNvPr>
@@ -5944,196 +6027,96 @@
             <a:spLocks noGrp="1"/>
           </p:cNvSpPr>
           <p:nvPr>
-            <p:ph sz="half" idx="1"/>
-          </p:nvPr>
-        </p:nvSpPr>
-        <p:spPr/>
-        <p:txBody>
-          <a:bodyPr>
-            <a:normAutofit fontScale="85000" lnSpcReduction="10000"/>
-          </a:bodyPr>
-          <a:lstStyle/>
-          <a:p>
-            <a:r>
-              <a:rPr kumimoji="1" lang="ja-JP" altLang="en-US" dirty="0"/>
-              <a:t>試しに、</a:t>
-            </a:r>
-            <a:r>
-              <a:rPr kumimoji="1" lang="en-US" altLang="ja-JP" dirty="0" err="1"/>
-              <a:t>src</a:t>
-            </a:r>
-            <a:r>
-              <a:rPr kumimoji="1" lang="en-US" altLang="ja-JP" dirty="0"/>
-              <a:t>/routes/+</a:t>
-            </a:r>
-            <a:r>
-              <a:rPr kumimoji="1" lang="en-US" altLang="ja-JP" dirty="0" err="1"/>
-              <a:t>page.svelte</a:t>
-            </a:r>
-            <a:r>
-              <a:rPr kumimoji="1" lang="ja-JP" altLang="en-US" dirty="0"/>
-              <a:t>ファイルを編集してみましょう。</a:t>
-            </a:r>
-            <a:endParaRPr kumimoji="1" lang="en-US" altLang="ja-JP" dirty="0"/>
-          </a:p>
-          <a:p>
-            <a:r>
-              <a:rPr lang="en-US" altLang="ja-JP" dirty="0"/>
-              <a:t>Class</a:t>
-            </a:r>
-            <a:r>
-              <a:rPr lang="ja-JP" altLang="en-US" dirty="0"/>
-              <a:t>で名前を付けたところが、</a:t>
-            </a:r>
-            <a:r>
-              <a:rPr lang="en-US" altLang="ja-JP" dirty="0"/>
-              <a:t>style</a:t>
-            </a:r>
-            <a:r>
-              <a:rPr lang="ja-JP" altLang="en-US" dirty="0"/>
-              <a:t>で指定したように、文字色が変わることを確認してください。</a:t>
-            </a:r>
-            <a:endParaRPr lang="en-US" altLang="ja-JP" dirty="0"/>
-          </a:p>
-          <a:p>
-            <a:r>
-              <a:rPr lang="en-US" altLang="ja-JP" dirty="0"/>
-              <a:t>Script</a:t>
-            </a:r>
-            <a:r>
-              <a:rPr lang="ja-JP" altLang="en-US" dirty="0"/>
-              <a:t>ブロックで変数</a:t>
-            </a:r>
-            <a:r>
-              <a:rPr lang="en-US" altLang="ja-JP" dirty="0"/>
-              <a:t>name</a:t>
-            </a:r>
-            <a:r>
-              <a:rPr lang="ja-JP" altLang="en-US" dirty="0"/>
-              <a:t>で設定した中身が、</a:t>
-            </a:r>
-            <a:r>
-              <a:rPr lang="en-US" altLang="ja-JP" dirty="0"/>
-              <a:t>html</a:t>
-            </a:r>
-            <a:r>
-              <a:rPr lang="ja-JP" altLang="en-US" dirty="0"/>
-              <a:t>描画の方に反映されることを確認してください。</a:t>
-            </a:r>
-            <a:endParaRPr kumimoji="1" lang="en-US" altLang="ja-JP" dirty="0"/>
-          </a:p>
-        </p:txBody>
-      </p:sp>
-      <p:sp>
-        <p:nvSpPr>
-          <p:cNvPr id="4" name="コンテンツ プレースホルダー 3">
-            <a:extLst>
-              <a:ext uri="{FF2B5EF4-FFF2-40B4-BE49-F238E27FC236}">
-                <a16:creationId xmlns:a16="http://schemas.microsoft.com/office/drawing/2014/main" id="{F034F4D2-2A5F-125E-CC63-16DC3E44F781}"/>
-              </a:ext>
-            </a:extLst>
-          </p:cNvPr>
-          <p:cNvSpPr>
-            <a:spLocks noGrp="1"/>
-          </p:cNvSpPr>
-          <p:nvPr>
-            <p:ph sz="half" idx="2"/>
-          </p:nvPr>
-        </p:nvSpPr>
-        <p:spPr/>
-        <p:txBody>
-          <a:bodyPr>
-            <a:normAutofit fontScale="85000" lnSpcReduction="10000"/>
-          </a:bodyPr>
-          <a:lstStyle/>
-          <a:p>
-            <a:pPr marL="0" indent="0">
-              <a:buNone/>
-            </a:pPr>
+            <p:ph idx="1"/>
+          </p:nvPr>
+        </p:nvSpPr>
+        <p:spPr>
+          <a:xfrm>
+            <a:off x="1451579" y="2015732"/>
+            <a:ext cx="9603275" cy="3450613"/>
+          </a:xfrm>
+        </p:spPr>
+        <p:txBody>
+          <a:bodyPr/>
+          <a:lstStyle/>
+          <a:p>
             <a:r>
               <a:rPr lang="en-US" altLang="ja-JP" dirty="0"/>
               <a:t>&lt;script&gt;</a:t>
             </a:r>
-          </a:p>
-          <a:p>
-            <a:pPr marL="0" indent="0">
-              <a:buNone/>
-            </a:pPr>
+            <a:r>
+              <a:rPr lang="ja-JP" altLang="en-US" dirty="0"/>
+              <a:t>ブロックで宣言した変数の内容を</a:t>
+            </a:r>
             <a:r>
               <a:rPr lang="en-US" altLang="ja-JP" dirty="0"/>
-              <a:t>let name=“world”; </a:t>
-            </a:r>
-            <a:r>
-              <a:rPr lang="ja-JP" altLang="en-US" dirty="0"/>
-              <a:t>←ここを適当に</a:t>
+              <a:t>HTML</a:t>
+            </a:r>
+            <a:r>
+              <a:rPr lang="ja-JP" altLang="en-US" dirty="0"/>
+              <a:t>に表示する場合は、</a:t>
+            </a:r>
+            <a:r>
+              <a:rPr lang="en-US" altLang="ja-JP" dirty="0"/>
+              <a:t>{ }</a:t>
+            </a:r>
+            <a:r>
+              <a:rPr lang="ja-JP" altLang="en-US" dirty="0"/>
+              <a:t>で括って記述します。</a:t>
             </a:r>
             <a:endParaRPr lang="en-US" altLang="ja-JP" dirty="0"/>
           </a:p>
           <a:p>
-            <a:pPr marL="0" indent="0">
-              <a:buNone/>
-            </a:pPr>
             <a:r>
               <a:rPr lang="en-US" altLang="ja-JP" dirty="0"/>
-              <a:t>&lt;/script&gt;</a:t>
-            </a:r>
-          </a:p>
-          <a:p>
-            <a:pPr marL="0" indent="0">
-              <a:buNone/>
-            </a:pPr>
+              <a:t>&lt;script&gt;</a:t>
+            </a:r>
+            <a:r>
+              <a:rPr lang="ja-JP" altLang="en-US" dirty="0"/>
+              <a:t>ブロックで動的に変更された値も即座に</a:t>
+            </a:r>
+            <a:r>
+              <a:rPr lang="en-US" altLang="ja-JP" dirty="0"/>
+              <a:t>HTML</a:t>
+            </a:r>
+            <a:r>
+              <a:rPr lang="ja-JP" altLang="en-US" dirty="0"/>
+              <a:t>側に反映されます。</a:t>
+            </a:r>
+            <a:endParaRPr lang="en-US" altLang="ja-JP" dirty="0"/>
+          </a:p>
+          <a:p>
             <a:r>
               <a:rPr lang="en-US" altLang="ja-JP" dirty="0"/>
               <a:t>&lt;style&gt;</a:t>
             </a:r>
-          </a:p>
-          <a:p>
-            <a:pPr marL="0" indent="0">
-              <a:buNone/>
-            </a:pPr>
+            <a:r>
+              <a:rPr lang="ja-JP" altLang="en-US" dirty="0"/>
+              <a:t>ブロックにはタグ名、クラス名で属性の設定先を指定します。</a:t>
+            </a:r>
+            <a:endParaRPr lang="en-US" altLang="ja-JP" dirty="0"/>
+          </a:p>
+          <a:p>
+            <a:r>
+              <a:rPr lang="ja-JP" altLang="en-US" dirty="0"/>
+              <a:t>その下に、文字色や背景色等の属性と値を記述することで、</a:t>
+            </a:r>
             <a:r>
               <a:rPr lang="en-US" altLang="ja-JP" dirty="0"/>
-              <a:t>.test{ </a:t>
-            </a:r>
-          </a:p>
-          <a:p>
-            <a:pPr marL="0" indent="0">
-              <a:buNone/>
-            </a:pPr>
-            <a:r>
-              <a:rPr lang="en-US" altLang="ja-JP" dirty="0"/>
-              <a:t>	color: blue ;</a:t>
-            </a:r>
-            <a:r>
-              <a:rPr lang="ja-JP" altLang="en-US" dirty="0"/>
-              <a:t>　←ここを適当な色名に</a:t>
+              <a:t>HTML</a:t>
+            </a:r>
+            <a:r>
+              <a:rPr lang="ja-JP" altLang="en-US" dirty="0"/>
+              <a:t>の表示を制御することができます。</a:t>
             </a:r>
             <a:endParaRPr lang="en-US" altLang="ja-JP" dirty="0"/>
-          </a:p>
-          <a:p>
-            <a:pPr marL="0" indent="0">
-              <a:buNone/>
-            </a:pPr>
-            <a:r>
-              <a:rPr lang="en-US" altLang="ja-JP" dirty="0"/>
-              <a:t>	background-color: green; }</a:t>
-            </a:r>
-          </a:p>
-          <a:p>
-            <a:pPr marL="0" indent="0">
-              <a:buNone/>
-            </a:pPr>
-            <a:r>
-              <a:rPr lang="en-US" altLang="ja-JP" dirty="0"/>
-              <a:t>&lt;/style&gt;</a:t>
-            </a:r>
           </a:p>
         </p:txBody>
       </p:sp>
     </p:spTree>
     <p:extLst>
       <p:ext uri="{BB962C8B-B14F-4D97-AF65-F5344CB8AC3E}">
-        <p14:creationId xmlns:p14="http://schemas.microsoft.com/office/powerpoint/2010/main" val="737634649"/>
+        <p14:creationId xmlns:p14="http://schemas.microsoft.com/office/powerpoint/2010/main" val="1832280160"/>
       </p:ext>
     </p:extLst>
   </p:cSld>
@@ -6165,7 +6148,7 @@
           <p:cNvPr id="2" name="タイトル 1">
             <a:extLst>
               <a:ext uri="{FF2B5EF4-FFF2-40B4-BE49-F238E27FC236}">
-                <a16:creationId xmlns:a16="http://schemas.microsoft.com/office/drawing/2014/main" id="{78937DC0-C83E-3CB1-F920-4B9F2E783BC7}"/>
+                <a16:creationId xmlns:a16="http://schemas.microsoft.com/office/drawing/2014/main" id="{0D738EE2-196E-F06C-E14A-BB6972E8CAFA}"/>
               </a:ext>
             </a:extLst>
           </p:cNvPr>
@@ -6187,7 +6170,7 @@
             </a:r>
             <a:r>
               <a:rPr kumimoji="1" lang="en-US" altLang="ja-JP" dirty="0"/>
-              <a:t># backend</a:t>
+              <a:t># frontend</a:t>
             </a:r>
             <a:endParaRPr kumimoji="1" lang="ja-JP" altLang="en-US" dirty="0"/>
           </a:p>
@@ -6198,7 +6181,7 @@
           <p:cNvPr id="3" name="コンテンツ プレースホルダー 2">
             <a:extLst>
               <a:ext uri="{FF2B5EF4-FFF2-40B4-BE49-F238E27FC236}">
-                <a16:creationId xmlns:a16="http://schemas.microsoft.com/office/drawing/2014/main" id="{4A6FCC4B-AE8B-CCB7-9EB0-44107B95CA40}"/>
+                <a16:creationId xmlns:a16="http://schemas.microsoft.com/office/drawing/2014/main" id="{7FBD5E42-0071-343E-8226-C9689AD3715B}"/>
               </a:ext>
             </a:extLst>
           </p:cNvPr>
@@ -6206,131 +6189,188 @@
             <a:spLocks noGrp="1"/>
           </p:cNvSpPr>
           <p:nvPr>
-            <p:ph idx="1"/>
+            <p:ph sz="half" idx="1"/>
           </p:nvPr>
         </p:nvSpPr>
         <p:spPr/>
         <p:txBody>
           <a:bodyPr>
-            <a:normAutofit lnSpcReduction="10000"/>
+            <a:normAutofit fontScale="85000" lnSpcReduction="10000"/>
           </a:bodyPr>
           <a:lstStyle/>
           <a:p>
             <a:r>
               <a:rPr kumimoji="1" lang="ja-JP" altLang="en-US" dirty="0"/>
-              <a:t>今回の演習で扱う</a:t>
-            </a:r>
-            <a:r>
-              <a:rPr kumimoji="1" lang="en-US" altLang="ja-JP" dirty="0" err="1">
-                <a:hlinkClick r:id="rId2"/>
-              </a:rPr>
-              <a:t>PickleDB</a:t>
-            </a:r>
-            <a:r>
-              <a:rPr kumimoji="1" lang="ja-JP" altLang="en-US" dirty="0"/>
-              <a:t>は</a:t>
-            </a:r>
+              <a:t>試しに、</a:t>
+            </a:r>
+            <a:r>
+              <a:rPr kumimoji="1" lang="en-US" altLang="ja-JP" dirty="0" err="1"/>
+              <a:t>src</a:t>
+            </a:r>
+            <a:r>
+              <a:rPr kumimoji="1" lang="en-US" altLang="ja-JP" dirty="0"/>
+              <a:t>/routes/+</a:t>
+            </a:r>
+            <a:r>
+              <a:rPr kumimoji="1" lang="en-US" altLang="ja-JP" dirty="0" err="1"/>
+              <a:t>page.svelte</a:t>
+            </a:r>
+            <a:r>
+              <a:rPr kumimoji="1" lang="ja-JP" altLang="en-US" dirty="0"/>
+              <a:t>ファイルを編集してみましょう。</a:t>
+            </a:r>
+            <a:endParaRPr kumimoji="1" lang="en-US" altLang="ja-JP" dirty="0"/>
+          </a:p>
+          <a:p>
             <a:r>
               <a:rPr lang="en-US" altLang="ja-JP" dirty="0"/>
-              <a:t>K</a:t>
-            </a:r>
-            <a:r>
-              <a:rPr kumimoji="1" lang="en-US" altLang="ja-JP" dirty="0"/>
-              <a:t>ey-Value</a:t>
-            </a:r>
-            <a:r>
-              <a:rPr kumimoji="1" lang="ja-JP" altLang="en-US" dirty="0"/>
-              <a:t>型の簡単なデータベースです。</a:t>
+              <a:t>Class</a:t>
+            </a:r>
+            <a:r>
+              <a:rPr lang="ja-JP" altLang="en-US" dirty="0"/>
+              <a:t>で名前を付けたところが、</a:t>
+            </a:r>
+            <a:r>
+              <a:rPr lang="en-US" altLang="ja-JP" dirty="0"/>
+              <a:t>style</a:t>
+            </a:r>
+            <a:r>
+              <a:rPr lang="ja-JP" altLang="en-US" dirty="0"/>
+              <a:t>で指定したように、文字色が変わることを確認してください。</a:t>
+            </a:r>
+            <a:endParaRPr lang="en-US" altLang="ja-JP" dirty="0"/>
+          </a:p>
+          <a:p>
+            <a:r>
+              <a:rPr lang="en-US" altLang="ja-JP" dirty="0"/>
+              <a:t>Script</a:t>
+            </a:r>
+            <a:r>
+              <a:rPr lang="ja-JP" altLang="en-US" dirty="0"/>
+              <a:t>ブロックで変数</a:t>
+            </a:r>
+            <a:r>
+              <a:rPr lang="en-US" altLang="ja-JP" dirty="0"/>
+              <a:t>name</a:t>
+            </a:r>
+            <a:r>
+              <a:rPr lang="ja-JP" altLang="en-US" dirty="0"/>
+              <a:t>で設定した中身が、</a:t>
+            </a:r>
+            <a:r>
+              <a:rPr lang="en-US" altLang="ja-JP" dirty="0"/>
+              <a:t>html</a:t>
+            </a:r>
+            <a:r>
+              <a:rPr lang="ja-JP" altLang="en-US" dirty="0"/>
+              <a:t>描画の方に反映されることを確認してください。</a:t>
             </a:r>
             <a:endParaRPr kumimoji="1" lang="en-US" altLang="ja-JP" dirty="0"/>
           </a:p>
-          <a:p>
-            <a:r>
-              <a:rPr lang="ja-JP" altLang="en-US" dirty="0"/>
-              <a:t>キーの名前が付いた入れ物にデータを入れるだけの仕組みです。</a:t>
+        </p:txBody>
+      </p:sp>
+      <p:sp>
+        <p:nvSpPr>
+          <p:cNvPr id="4" name="コンテンツ プレースホルダー 3">
+            <a:extLst>
+              <a:ext uri="{FF2B5EF4-FFF2-40B4-BE49-F238E27FC236}">
+                <a16:creationId xmlns:a16="http://schemas.microsoft.com/office/drawing/2014/main" id="{F034F4D2-2A5F-125E-CC63-16DC3E44F781}"/>
+              </a:ext>
+            </a:extLst>
+          </p:cNvPr>
+          <p:cNvSpPr>
+            <a:spLocks noGrp="1"/>
+          </p:cNvSpPr>
+          <p:nvPr>
+            <p:ph sz="half" idx="2"/>
+          </p:nvPr>
+        </p:nvSpPr>
+        <p:spPr/>
+        <p:txBody>
+          <a:bodyPr>
+            <a:normAutofit fontScale="85000" lnSpcReduction="10000"/>
+          </a:bodyPr>
+          <a:lstStyle/>
+          <a:p>
+            <a:pPr marL="0" indent="0">
+              <a:buNone/>
+            </a:pPr>
+            <a:r>
+              <a:rPr lang="en-US" altLang="ja-JP" dirty="0"/>
+              <a:t>&lt;script&gt;</a:t>
+            </a:r>
+          </a:p>
+          <a:p>
+            <a:pPr marL="0" indent="0">
+              <a:buNone/>
+            </a:pPr>
+            <a:r>
+              <a:rPr lang="en-US" altLang="ja-JP" dirty="0"/>
+              <a:t>let name=“world”; </a:t>
+            </a:r>
+            <a:r>
+              <a:rPr lang="ja-JP" altLang="en-US" dirty="0"/>
+              <a:t>←ここを適当に</a:t>
             </a:r>
             <a:endParaRPr lang="en-US" altLang="ja-JP" dirty="0"/>
           </a:p>
           <a:p>
-            <a:r>
-              <a:rPr kumimoji="1" lang="ja-JP" altLang="en-US" dirty="0"/>
-              <a:t>保存するときは、</a:t>
-            </a:r>
-            <a:endParaRPr kumimoji="1" lang="en-US" altLang="ja-JP" dirty="0"/>
-          </a:p>
-          <a:p>
-            <a:pPr lvl="1"/>
-            <a:r>
-              <a:rPr lang="en-US" altLang="ja-JP" dirty="0" err="1"/>
-              <a:t>db.set</a:t>
-            </a:r>
+            <a:pPr marL="0" indent="0">
+              <a:buNone/>
+            </a:pPr>
             <a:r>
               <a:rPr lang="en-US" altLang="ja-JP" dirty="0"/>
-              <a:t>(</a:t>
-            </a:r>
-            <a:r>
-              <a:rPr lang="en-US" altLang="ja-JP" dirty="0" err="1"/>
-              <a:t>key,val</a:t>
-            </a:r>
+              <a:t>&lt;/script&gt;</a:t>
+            </a:r>
+          </a:p>
+          <a:p>
+            <a:pPr marL="0" indent="0">
+              <a:buNone/>
+            </a:pPr>
             <a:r>
               <a:rPr lang="en-US" altLang="ja-JP" dirty="0"/>
-              <a:t>);</a:t>
-            </a:r>
-          </a:p>
-          <a:p>
-            <a:pPr lvl="1"/>
-            <a:r>
-              <a:rPr lang="en-US" altLang="ja-JP" dirty="0" err="1"/>
-              <a:t>d</a:t>
-            </a:r>
-            <a:r>
-              <a:rPr kumimoji="1" lang="en-US" altLang="ja-JP" dirty="0" err="1"/>
-              <a:t>b.dump</a:t>
-            </a:r>
-            <a:r>
-              <a:rPr kumimoji="1" lang="en-US" altLang="ja-JP" dirty="0"/>
-              <a:t>();</a:t>
-            </a:r>
-          </a:p>
-          <a:p>
-            <a:r>
-              <a:rPr kumimoji="1" lang="ja-JP" altLang="en-US" dirty="0"/>
-              <a:t>読み込むときは、</a:t>
-            </a:r>
-            <a:endParaRPr kumimoji="1" lang="en-US" altLang="ja-JP" dirty="0"/>
-          </a:p>
-          <a:p>
-            <a:pPr lvl="1"/>
-            <a:r>
-              <a:rPr lang="en-US" altLang="ja-JP" dirty="0" err="1"/>
-              <a:t>d</a:t>
-            </a:r>
-            <a:r>
-              <a:rPr kumimoji="1" lang="en-US" altLang="ja-JP" dirty="0" err="1"/>
-              <a:t>b.get</a:t>
-            </a:r>
-            <a:r>
-              <a:rPr kumimoji="1" lang="en-US" altLang="ja-JP" dirty="0"/>
-              <a:t>(key)</a:t>
-            </a:r>
-            <a:r>
-              <a:rPr kumimoji="1" lang="ja-JP" altLang="en-US" dirty="0"/>
-              <a:t> で先ほど格納した値を取得できます。</a:t>
-            </a:r>
-            <a:endParaRPr kumimoji="1" lang="en-US" altLang="ja-JP" dirty="0"/>
-          </a:p>
-          <a:p>
-            <a:r>
-              <a:rPr kumimoji="1" lang="ja-JP" altLang="en-US" dirty="0"/>
-              <a:t>全体を読み込むときは、</a:t>
-            </a:r>
-            <a:r>
-              <a:rPr kumimoji="1" lang="en-US" altLang="ja-JP" dirty="0" err="1"/>
-              <a:t>db.getAll</a:t>
-            </a:r>
-            <a:r>
-              <a:rPr kumimoji="1" lang="ja-JP" altLang="en-US" dirty="0"/>
-              <a:t>で全てのキーを取得できます。</a:t>
+              <a:t>&lt;style&gt;</a:t>
+            </a:r>
+          </a:p>
+          <a:p>
+            <a:pPr marL="0" indent="0">
+              <a:buNone/>
+            </a:pPr>
+            <a:r>
+              <a:rPr lang="en-US" altLang="ja-JP" dirty="0"/>
+              <a:t>.test{ </a:t>
+            </a:r>
+          </a:p>
+          <a:p>
+            <a:pPr marL="0" indent="0">
+              <a:buNone/>
+            </a:pPr>
+            <a:r>
+              <a:rPr lang="en-US" altLang="ja-JP" dirty="0"/>
+              <a:t>	color: blue ;</a:t>
+            </a:r>
+            <a:r>
+              <a:rPr lang="ja-JP" altLang="en-US" dirty="0"/>
+              <a:t>　←ここを適当な色名に</a:t>
+            </a:r>
+            <a:endParaRPr lang="en-US" altLang="ja-JP" dirty="0"/>
+          </a:p>
+          <a:p>
+            <a:pPr marL="0" indent="0">
+              <a:buNone/>
+            </a:pPr>
+            <a:r>
+              <a:rPr lang="en-US" altLang="ja-JP" dirty="0"/>
+              <a:t>	background-color: green; }</a:t>
+            </a:r>
+          </a:p>
+          <a:p>
+            <a:pPr marL="0" indent="0">
+              <a:buNone/>
+            </a:pPr>
+            <a:r>
+              <a:rPr lang="en-US" altLang="ja-JP" dirty="0"/>
+              <a:t>&lt;/style&gt;</a:t>
             </a:r>
           </a:p>
         </p:txBody>
@@ -6338,7 +6378,7 @@
     </p:spTree>
     <p:extLst>
       <p:ext uri="{BB962C8B-B14F-4D97-AF65-F5344CB8AC3E}">
-        <p14:creationId xmlns:p14="http://schemas.microsoft.com/office/powerpoint/2010/main" val="3503265613"/>
+        <p14:creationId xmlns:p14="http://schemas.microsoft.com/office/powerpoint/2010/main" val="737634649"/>
       </p:ext>
     </p:extLst>
   </p:cSld>
@@ -6370,7 +6410,7 @@
           <p:cNvPr id="2" name="タイトル 1">
             <a:extLst>
               <a:ext uri="{FF2B5EF4-FFF2-40B4-BE49-F238E27FC236}">
-                <a16:creationId xmlns:a16="http://schemas.microsoft.com/office/drawing/2014/main" id="{311C7987-4B79-A7F1-8F07-C7CA77030060}"/>
+                <a16:creationId xmlns:a16="http://schemas.microsoft.com/office/drawing/2014/main" id="{78937DC0-C83E-3CB1-F920-4B9F2E783BC7}"/>
               </a:ext>
             </a:extLst>
           </p:cNvPr>
@@ -6387,13 +6427,14 @@
           <a:lstStyle/>
           <a:p>
             <a:r>
-              <a:rPr kumimoji="1" lang="en-US" altLang="ja-JP" dirty="0"/>
-              <a:t>Frontend/backend</a:t>
-            </a:r>
-            <a:r>
-              <a:rPr kumimoji="1" lang="ja-JP" altLang="en-US" dirty="0"/>
-              <a:t>のデータ送受信１</a:t>
-            </a:r>
+              <a:rPr kumimoji="1" lang="ja-JP" altLang="en-US" dirty="0"/>
+              <a:t>ソースの解説 </a:t>
+            </a:r>
+            <a:r>
+              <a:rPr kumimoji="1" lang="en-US" altLang="ja-JP" dirty="0"/>
+              <a:t># backend</a:t>
+            </a:r>
+            <a:endParaRPr kumimoji="1" lang="ja-JP" altLang="en-US" dirty="0"/>
           </a:p>
         </p:txBody>
       </p:sp>
@@ -6402,7 +6443,7 @@
           <p:cNvPr id="3" name="コンテンツ プレースホルダー 2">
             <a:extLst>
               <a:ext uri="{FF2B5EF4-FFF2-40B4-BE49-F238E27FC236}">
-                <a16:creationId xmlns:a16="http://schemas.microsoft.com/office/drawing/2014/main" id="{52BBEC61-70D7-357B-0EBF-6AC6CC8B52BD}"/>
+                <a16:creationId xmlns:a16="http://schemas.microsoft.com/office/drawing/2014/main" id="{4A6FCC4B-AE8B-CCB7-9EB0-44107B95CA40}"/>
               </a:ext>
             </a:extLst>
           </p:cNvPr>
@@ -6415,108 +6456,134 @@
         </p:nvSpPr>
         <p:spPr/>
         <p:txBody>
-          <a:bodyPr/>
-          <a:lstStyle/>
-          <a:p>
-            <a:r>
-              <a:rPr lang="ja-JP" altLang="en-US" dirty="0"/>
-              <a:t>フロントエンドからバックエンドにデータを送る方法はいくつかありますが、今回は</a:t>
-            </a:r>
-            <a:r>
-              <a:rPr lang="en-US" altLang="ja-JP" dirty="0"/>
-              <a:t>URL</a:t>
-            </a:r>
-            <a:r>
-              <a:rPr lang="ja-JP" altLang="en-US" dirty="0"/>
-              <a:t>ベースで</a:t>
-            </a:r>
-            <a:r>
-              <a:rPr lang="en-US" altLang="ja-JP" dirty="0"/>
-              <a:t>GET</a:t>
-            </a:r>
-            <a:r>
-              <a:rPr lang="ja-JP" altLang="en-US" dirty="0"/>
-              <a:t>メソッドを用いた送信を紹介します。</a:t>
-            </a:r>
-            <a:endParaRPr lang="en-US" altLang="ja-JP" dirty="0"/>
-          </a:p>
-          <a:p>
-            <a:r>
-              <a:rPr kumimoji="1" lang="ja-JP" altLang="en-US" dirty="0"/>
-              <a:t>フロントエンド側は、</a:t>
-            </a:r>
-            <a:r>
-              <a:rPr kumimoji="1" lang="en-US" altLang="ja-JP" dirty="0">
+          <a:bodyPr>
+            <a:normAutofit lnSpcReduction="10000"/>
+          </a:bodyPr>
+          <a:lstStyle/>
+          <a:p>
+            <a:r>
+              <a:rPr kumimoji="1" lang="ja-JP" altLang="en-US" dirty="0"/>
+              <a:t>今回の演習で扱う</a:t>
+            </a:r>
+            <a:r>
+              <a:rPr kumimoji="1" lang="en-US" altLang="ja-JP" dirty="0" err="1">
                 <a:hlinkClick r:id="rId2"/>
               </a:rPr>
-              <a:t>http://localhost:5000/&lt;id&gt;/&lt;val</a:t>
-            </a:r>
-            <a:r>
-              <a:rPr kumimoji="1" lang="en-US" altLang="ja-JP" dirty="0"/>
-              <a:t>&gt;</a:t>
-            </a:r>
-            <a:r>
-              <a:rPr kumimoji="1" lang="ja-JP" altLang="en-US" dirty="0"/>
-              <a:t>のように、</a:t>
-            </a:r>
-            <a:r>
-              <a:rPr kumimoji="1" lang="en-US" altLang="ja-JP" dirty="0"/>
-              <a:t>URL</a:t>
-            </a:r>
-            <a:r>
-              <a:rPr kumimoji="1" lang="ja-JP" altLang="en-US" dirty="0"/>
-              <a:t>の中に送りたいデータを埋め込んで、</a:t>
-            </a:r>
-            <a:r>
-              <a:rPr kumimoji="1" lang="en-US" altLang="ja-JP" dirty="0"/>
-              <a:t>fetch</a:t>
-            </a:r>
-            <a:r>
-              <a:rPr kumimoji="1" lang="ja-JP" altLang="en-US" dirty="0"/>
-              <a:t>メソッドを呼び出します。</a:t>
+              <a:t>PickleDB</a:t>
+            </a:r>
+            <a:r>
+              <a:rPr kumimoji="1" lang="ja-JP" altLang="en-US" dirty="0"/>
+              <a:t>は</a:t>
+            </a:r>
+            <a:r>
+              <a:rPr lang="en-US" altLang="ja-JP" dirty="0"/>
+              <a:t>K</a:t>
+            </a:r>
+            <a:r>
+              <a:rPr kumimoji="1" lang="en-US" altLang="ja-JP" dirty="0"/>
+              <a:t>ey-Value</a:t>
+            </a:r>
+            <a:r>
+              <a:rPr kumimoji="1" lang="ja-JP" altLang="en-US" dirty="0"/>
+              <a:t>型の簡単なデータベースです。</a:t>
             </a:r>
             <a:endParaRPr kumimoji="1" lang="en-US" altLang="ja-JP" dirty="0"/>
           </a:p>
           <a:p>
             <a:r>
               <a:rPr lang="ja-JP" altLang="en-US" dirty="0"/>
-              <a:t>バックエンド側は、アクセスされた</a:t>
+              <a:t>キーの名前が付いた入れ物にデータを入れるだけの仕組みです。</a:t>
+            </a:r>
+            <a:endParaRPr lang="en-US" altLang="ja-JP" dirty="0"/>
+          </a:p>
+          <a:p>
+            <a:r>
+              <a:rPr kumimoji="1" lang="ja-JP" altLang="en-US" dirty="0"/>
+              <a:t>保存するときは、</a:t>
+            </a:r>
+            <a:endParaRPr kumimoji="1" lang="en-US" altLang="ja-JP" dirty="0"/>
+          </a:p>
+          <a:p>
+            <a:pPr lvl="1"/>
+            <a:r>
+              <a:rPr lang="en-US" altLang="ja-JP" dirty="0" err="1"/>
+              <a:t>db.set</a:t>
             </a:r>
             <a:r>
               <a:rPr lang="en-US" altLang="ja-JP" dirty="0"/>
-              <a:t>URL</a:t>
-            </a:r>
-            <a:r>
-              <a:rPr lang="ja-JP" altLang="en-US" dirty="0"/>
-              <a:t>に応じて、</a:t>
+              <a:t>(</a:t>
+            </a:r>
+            <a:r>
+              <a:rPr lang="en-US" altLang="ja-JP" dirty="0" err="1"/>
+              <a:t>key,val</a:t>
             </a:r>
             <a:r>
               <a:rPr lang="en-US" altLang="ja-JP" dirty="0"/>
-              <a:t>route</a:t>
-            </a:r>
-            <a:r>
-              <a:rPr lang="ja-JP" altLang="en-US" dirty="0"/>
-              <a:t>設定をしておくことで、</a:t>
-            </a:r>
-            <a:r>
-              <a:rPr lang="en-US" altLang="ja-JP" dirty="0"/>
-              <a:t>URL</a:t>
-            </a:r>
-            <a:r>
-              <a:rPr lang="ja-JP" altLang="en-US" dirty="0"/>
-              <a:t>に埋め込まれたパラメータを取得することができます。</a:t>
-            </a:r>
-            <a:br>
-              <a:rPr kumimoji="1" lang="en-US" altLang="ja-JP" dirty="0"/>
-            </a:br>
-            <a:endParaRPr kumimoji="1" lang="ja-JP" altLang="en-US" dirty="0"/>
+              <a:t>);</a:t>
+            </a:r>
+          </a:p>
+          <a:p>
+            <a:pPr lvl="1"/>
+            <a:r>
+              <a:rPr lang="en-US" altLang="ja-JP" dirty="0" err="1"/>
+              <a:t>d</a:t>
+            </a:r>
+            <a:r>
+              <a:rPr kumimoji="1" lang="en-US" altLang="ja-JP" dirty="0" err="1"/>
+              <a:t>b.dump</a:t>
+            </a:r>
+            <a:r>
+              <a:rPr kumimoji="1" lang="en-US" altLang="ja-JP" dirty="0"/>
+              <a:t>();</a:t>
+            </a:r>
+          </a:p>
+          <a:p>
+            <a:r>
+              <a:rPr kumimoji="1" lang="ja-JP" altLang="en-US" dirty="0"/>
+              <a:t>読み込むときは、</a:t>
+            </a:r>
+            <a:endParaRPr kumimoji="1" lang="en-US" altLang="ja-JP" dirty="0"/>
+          </a:p>
+          <a:p>
+            <a:pPr lvl="1"/>
+            <a:r>
+              <a:rPr lang="en-US" altLang="ja-JP" dirty="0" err="1"/>
+              <a:t>d</a:t>
+            </a:r>
+            <a:r>
+              <a:rPr kumimoji="1" lang="en-US" altLang="ja-JP" dirty="0" err="1"/>
+              <a:t>b.get</a:t>
+            </a:r>
+            <a:r>
+              <a:rPr kumimoji="1" lang="en-US" altLang="ja-JP" dirty="0"/>
+              <a:t>(key)</a:t>
+            </a:r>
+            <a:r>
+              <a:rPr kumimoji="1" lang="ja-JP" altLang="en-US" dirty="0"/>
+              <a:t> で先ほど格納した値を取得できます。</a:t>
+            </a:r>
+            <a:endParaRPr kumimoji="1" lang="en-US" altLang="ja-JP" dirty="0"/>
+          </a:p>
+          <a:p>
+            <a:r>
+              <a:rPr kumimoji="1" lang="ja-JP" altLang="en-US" dirty="0"/>
+              <a:t>全体を読み込むときは、</a:t>
+            </a:r>
+            <a:r>
+              <a:rPr kumimoji="1" lang="en-US" altLang="ja-JP" dirty="0" err="1"/>
+              <a:t>db.getAll</a:t>
+            </a:r>
+            <a:r>
+              <a:rPr kumimoji="1" lang="ja-JP" altLang="en-US" dirty="0"/>
+              <a:t>で全てのキーを取得できます。</a:t>
+            </a:r>
           </a:p>
         </p:txBody>
       </p:sp>
     </p:spTree>
     <p:extLst>
       <p:ext uri="{BB962C8B-B14F-4D97-AF65-F5344CB8AC3E}">
-        <p14:creationId xmlns:p14="http://schemas.microsoft.com/office/powerpoint/2010/main" val="763756940"/>
+        <p14:creationId xmlns:p14="http://schemas.microsoft.com/office/powerpoint/2010/main" val="3503265613"/>
       </p:ext>
     </p:extLst>
   </p:cSld>
@@ -6548,7 +6615,7 @@
           <p:cNvPr id="2" name="タイトル 1">
             <a:extLst>
               <a:ext uri="{FF2B5EF4-FFF2-40B4-BE49-F238E27FC236}">
-                <a16:creationId xmlns:a16="http://schemas.microsoft.com/office/drawing/2014/main" id="{C25BEDD8-8D2B-915F-2E8E-39B90EA519B1}"/>
+                <a16:creationId xmlns:a16="http://schemas.microsoft.com/office/drawing/2014/main" id="{311C7987-4B79-A7F1-8F07-C7CA77030060}"/>
               </a:ext>
             </a:extLst>
           </p:cNvPr>
@@ -6570,7 +6637,7 @@
             </a:r>
             <a:r>
               <a:rPr kumimoji="1" lang="ja-JP" altLang="en-US" dirty="0"/>
-              <a:t>のデータ送受信２</a:t>
+              <a:t>のデータ送受信１</a:t>
             </a:r>
           </a:p>
         </p:txBody>
@@ -6580,7 +6647,7 @@
           <p:cNvPr id="3" name="コンテンツ プレースホルダー 2">
             <a:extLst>
               <a:ext uri="{FF2B5EF4-FFF2-40B4-BE49-F238E27FC236}">
-                <a16:creationId xmlns:a16="http://schemas.microsoft.com/office/drawing/2014/main" id="{494842B2-9C97-1A65-EBF3-FC5285DE0A04}"/>
+                <a16:creationId xmlns:a16="http://schemas.microsoft.com/office/drawing/2014/main" id="{52BBEC61-70D7-357B-0EBF-6AC6CC8B52BD}"/>
               </a:ext>
             </a:extLst>
           </p:cNvPr>
@@ -6597,47 +6664,8 @@
           <a:lstStyle/>
           <a:p>
             <a:r>
-              <a:rPr kumimoji="1" lang="ja-JP" altLang="en-US" dirty="0"/>
-              <a:t>バックエンドからデータを取得したい場合、バックエンド側は</a:t>
-            </a:r>
-            <a:r>
-              <a:rPr kumimoji="1" lang="en-US" altLang="ja-JP" dirty="0"/>
-              <a:t>JSON</a:t>
-            </a:r>
-            <a:r>
-              <a:rPr kumimoji="1" lang="ja-JP" altLang="en-US" dirty="0"/>
-              <a:t>形式でデータを返すように</a:t>
-            </a:r>
-            <a:r>
-              <a:rPr kumimoji="1" lang="en-US" altLang="ja-JP" dirty="0"/>
-              <a:t>API</a:t>
-            </a:r>
-            <a:r>
-              <a:rPr kumimoji="1" lang="ja-JP" altLang="en-US" dirty="0"/>
-              <a:t>を実装します。</a:t>
-            </a:r>
-            <a:endParaRPr kumimoji="1" lang="en-US" altLang="ja-JP" dirty="0"/>
-          </a:p>
-          <a:p>
-            <a:r>
-              <a:rPr lang="ja-JP" altLang="en-US" dirty="0"/>
-              <a:t>フロントエンド側は、</a:t>
-            </a:r>
-            <a:r>
-              <a:rPr lang="en-US" altLang="ja-JP" dirty="0"/>
-              <a:t>fetch</a:t>
-            </a:r>
-            <a:r>
-              <a:rPr lang="ja-JP" altLang="en-US" dirty="0"/>
-              <a:t>メソッドを呼び出して、該当</a:t>
-            </a:r>
-            <a:r>
-              <a:rPr lang="en-US" altLang="ja-JP" dirty="0"/>
-              <a:t>API</a:t>
-            </a:r>
-            <a:r>
-              <a:rPr lang="ja-JP" altLang="en-US" dirty="0"/>
-              <a:t>の</a:t>
+              <a:rPr lang="ja-JP" altLang="en-US" dirty="0"/>
+              <a:t>フロントエンドからバックエンドにデータを送る方法はいくつかありますが、今回は</a:t>
             </a:r>
             <a:r>
               <a:rPr lang="en-US" altLang="ja-JP" dirty="0"/>
@@ -6645,53 +6673,95 @@
             </a:r>
             <a:r>
               <a:rPr lang="ja-JP" altLang="en-US" dirty="0"/>
-              <a:t>にアクセスします。</a:t>
+              <a:t>ベースで</a:t>
+            </a:r>
+            <a:r>
+              <a:rPr lang="en-US" altLang="ja-JP" dirty="0"/>
+              <a:t>GET</a:t>
+            </a:r>
+            <a:r>
+              <a:rPr lang="ja-JP" altLang="en-US" dirty="0"/>
+              <a:t>メソッドを用いた送信を紹介します。</a:t>
             </a:r>
             <a:endParaRPr lang="en-US" altLang="ja-JP" dirty="0"/>
           </a:p>
           <a:p>
             <a:r>
-              <a:rPr lang="ja-JP" altLang="en-US" dirty="0"/>
-              <a:t>取得したデータを</a:t>
+              <a:rPr kumimoji="1" lang="ja-JP" altLang="en-US" dirty="0"/>
+              <a:t>フロントエンド側は、</a:t>
+            </a:r>
+            <a:r>
+              <a:rPr kumimoji="1" lang="en-US" altLang="ja-JP" dirty="0">
+                <a:hlinkClick r:id="rId2"/>
+              </a:rPr>
+              <a:t>http://localhost:5000/&lt;id&gt;/&lt;val</a:t>
+            </a:r>
+            <a:r>
+              <a:rPr kumimoji="1" lang="en-US" altLang="ja-JP" dirty="0"/>
+              <a:t>&gt;</a:t>
+            </a:r>
+            <a:r>
+              <a:rPr kumimoji="1" lang="ja-JP" altLang="en-US" dirty="0"/>
+              <a:t>のように、</a:t>
+            </a:r>
+            <a:r>
+              <a:rPr kumimoji="1" lang="en-US" altLang="ja-JP" dirty="0"/>
+              <a:t>URL</a:t>
+            </a:r>
+            <a:r>
+              <a:rPr kumimoji="1" lang="ja-JP" altLang="en-US" dirty="0"/>
+              <a:t>の中に送りたいデータを埋め込んで、</a:t>
+            </a:r>
+            <a:r>
+              <a:rPr kumimoji="1" lang="en-US" altLang="ja-JP" dirty="0"/>
+              <a:t>fetch</a:t>
+            </a:r>
+            <a:r>
+              <a:rPr kumimoji="1" lang="ja-JP" altLang="en-US" dirty="0"/>
+              <a:t>メソッドを呼び出します。</a:t>
+            </a:r>
+            <a:endParaRPr kumimoji="1" lang="en-US" altLang="ja-JP" dirty="0"/>
+          </a:p>
+          <a:p>
+            <a:r>
+              <a:rPr lang="ja-JP" altLang="en-US" dirty="0"/>
+              <a:t>バックエンド側は、アクセスされた</a:t>
             </a:r>
             <a:r>
               <a:rPr lang="en-US" altLang="ja-JP" dirty="0"/>
-              <a:t>JSON</a:t>
-            </a:r>
-            <a:r>
-              <a:rPr lang="ja-JP" altLang="en-US" dirty="0"/>
-              <a:t>型で解析</a:t>
+              <a:t>URL</a:t>
+            </a:r>
+            <a:r>
+              <a:rPr lang="ja-JP" altLang="en-US" dirty="0"/>
+              <a:t>に応じて、</a:t>
             </a:r>
             <a:r>
               <a:rPr lang="en-US" altLang="ja-JP" dirty="0"/>
-              <a:t>(parse)</a:t>
-            </a:r>
-            <a:r>
-              <a:rPr lang="ja-JP" altLang="en-US" dirty="0"/>
-              <a:t>すると、</a:t>
+              <a:t>route</a:t>
+            </a:r>
+            <a:r>
+              <a:rPr lang="ja-JP" altLang="en-US" dirty="0"/>
+              <a:t>設定をしておくことで、</a:t>
             </a:r>
             <a:r>
               <a:rPr lang="en-US" altLang="ja-JP" dirty="0"/>
-              <a:t>JavaScript</a:t>
-            </a:r>
-            <a:r>
-              <a:rPr lang="ja-JP" altLang="en-US" dirty="0"/>
-              <a:t>側で扱えるデータ形式として取得できます。</a:t>
-            </a:r>
-            <a:endParaRPr lang="en-US" altLang="ja-JP" dirty="0"/>
-          </a:p>
-          <a:p>
-            <a:r>
-              <a:rPr kumimoji="1" lang="ja-JP" altLang="en-US" dirty="0"/>
-              <a:t>後は画面とバインディングされた変数に値を入れれば、画面に表示できます。</a:t>
-            </a:r>
+              <a:t>URL</a:t>
+            </a:r>
+            <a:r>
+              <a:rPr lang="ja-JP" altLang="en-US" dirty="0"/>
+              <a:t>に埋め込まれたパラメータを取得することができます。</a:t>
+            </a:r>
+            <a:br>
+              <a:rPr kumimoji="1" lang="en-US" altLang="ja-JP" dirty="0"/>
+            </a:br>
+            <a:endParaRPr kumimoji="1" lang="ja-JP" altLang="en-US" dirty="0"/>
           </a:p>
         </p:txBody>
       </p:sp>
     </p:spTree>
     <p:extLst>
       <p:ext uri="{BB962C8B-B14F-4D97-AF65-F5344CB8AC3E}">
-        <p14:creationId xmlns:p14="http://schemas.microsoft.com/office/powerpoint/2010/main" val="2502275144"/>
+        <p14:creationId xmlns:p14="http://schemas.microsoft.com/office/powerpoint/2010/main" val="763756940"/>
       </p:ext>
     </p:extLst>
   </p:cSld>
@@ -6723,7 +6793,7 @@
           <p:cNvPr id="2" name="タイトル 1">
             <a:extLst>
               <a:ext uri="{FF2B5EF4-FFF2-40B4-BE49-F238E27FC236}">
-                <a16:creationId xmlns:a16="http://schemas.microsoft.com/office/drawing/2014/main" id="{357ECEFB-4CB1-F5DA-FA35-BCBA13780FAE}"/>
+                <a16:creationId xmlns:a16="http://schemas.microsoft.com/office/drawing/2014/main" id="{C25BEDD8-8D2B-915F-2E8E-39B90EA519B1}"/>
               </a:ext>
             </a:extLst>
           </p:cNvPr>
@@ -6740,8 +6810,12 @@
           <a:lstStyle/>
           <a:p>
             <a:r>
-              <a:rPr kumimoji="1" lang="ja-JP" altLang="en-US" dirty="0"/>
-              <a:t>コードの共有方法</a:t>
+              <a:rPr kumimoji="1" lang="en-US" altLang="ja-JP" dirty="0"/>
+              <a:t>Frontend/backend</a:t>
+            </a:r>
+            <a:r>
+              <a:rPr kumimoji="1" lang="ja-JP" altLang="en-US" dirty="0"/>
+              <a:t>のデータ送受信２</a:t>
             </a:r>
           </a:p>
         </p:txBody>
@@ -6751,7 +6825,7 @@
           <p:cNvPr id="3" name="コンテンツ プレースホルダー 2">
             <a:extLst>
               <a:ext uri="{FF2B5EF4-FFF2-40B4-BE49-F238E27FC236}">
-                <a16:creationId xmlns:a16="http://schemas.microsoft.com/office/drawing/2014/main" id="{321D573E-DA80-BCD2-149A-39D997C0881F}"/>
+                <a16:creationId xmlns:a16="http://schemas.microsoft.com/office/drawing/2014/main" id="{494842B2-9C97-1A65-EBF3-FC5285DE0A04}"/>
               </a:ext>
             </a:extLst>
           </p:cNvPr>
@@ -6764,61 +6838,97 @@
         </p:nvSpPr>
         <p:spPr/>
         <p:txBody>
-          <a:bodyPr>
-            <a:normAutofit fontScale="92500" lnSpcReduction="20000"/>
-          </a:bodyPr>
-          <a:lstStyle/>
-          <a:p>
-            <a:r>
-              <a:rPr lang="ja-JP" altLang="en-US" dirty="0"/>
-              <a:t>各自で修正を行ったら、</a:t>
-            </a:r>
-            <a:r>
-              <a:rPr lang="en-US" altLang="ja-JP" dirty="0" err="1"/>
-              <a:t>vscode</a:t>
-            </a:r>
-            <a:r>
-              <a:rPr lang="ja-JP" altLang="en-US" dirty="0"/>
-              <a:t>からコメントを入れてコミットしてください。</a:t>
+          <a:bodyPr/>
+          <a:lstStyle/>
+          <a:p>
+            <a:r>
+              <a:rPr kumimoji="1" lang="ja-JP" altLang="en-US" dirty="0"/>
+              <a:t>バックエンドからデータを取得したい場合、バックエンド側は</a:t>
+            </a:r>
+            <a:r>
+              <a:rPr kumimoji="1" lang="en-US" altLang="ja-JP" dirty="0"/>
+              <a:t>JSON</a:t>
+            </a:r>
+            <a:r>
+              <a:rPr kumimoji="1" lang="ja-JP" altLang="en-US" dirty="0"/>
+              <a:t>形式でデータを返すように</a:t>
+            </a:r>
+            <a:r>
+              <a:rPr kumimoji="1" lang="en-US" altLang="ja-JP" dirty="0"/>
+              <a:t>API</a:t>
+            </a:r>
+            <a:r>
+              <a:rPr kumimoji="1" lang="ja-JP" altLang="en-US" dirty="0"/>
+              <a:t>を実装します。</a:t>
+            </a:r>
+            <a:endParaRPr kumimoji="1" lang="en-US" altLang="ja-JP" dirty="0"/>
+          </a:p>
+          <a:p>
+            <a:r>
+              <a:rPr lang="ja-JP" altLang="en-US" dirty="0"/>
+              <a:t>フロントエンド側は、</a:t>
+            </a:r>
+            <a:r>
+              <a:rPr lang="en-US" altLang="ja-JP" dirty="0"/>
+              <a:t>fetch</a:t>
+            </a:r>
+            <a:r>
+              <a:rPr lang="ja-JP" altLang="en-US" dirty="0"/>
+              <a:t>メソッドを呼び出して、該当</a:t>
+            </a:r>
+            <a:r>
+              <a:rPr lang="en-US" altLang="ja-JP" dirty="0"/>
+              <a:t>API</a:t>
+            </a:r>
+            <a:r>
+              <a:rPr lang="ja-JP" altLang="en-US" dirty="0"/>
+              <a:t>の</a:t>
+            </a:r>
+            <a:r>
+              <a:rPr lang="en-US" altLang="ja-JP" dirty="0"/>
+              <a:t>URL</a:t>
+            </a:r>
+            <a:r>
+              <a:rPr lang="ja-JP" altLang="en-US" dirty="0"/>
+              <a:t>にアクセスします。</a:t>
             </a:r>
             <a:endParaRPr lang="en-US" altLang="ja-JP" dirty="0"/>
           </a:p>
           <a:p>
+            <a:r>
+              <a:rPr lang="ja-JP" altLang="en-US" dirty="0"/>
+              <a:t>取得したデータを</a:t>
+            </a:r>
+            <a:r>
+              <a:rPr lang="en-US" altLang="ja-JP" dirty="0"/>
+              <a:t>JSON</a:t>
+            </a:r>
+            <a:r>
+              <a:rPr lang="ja-JP" altLang="en-US" dirty="0"/>
+              <a:t>型で解析</a:t>
+            </a:r>
+            <a:r>
+              <a:rPr lang="en-US" altLang="ja-JP" dirty="0"/>
+              <a:t>(parse)</a:t>
+            </a:r>
+            <a:r>
+              <a:rPr lang="ja-JP" altLang="en-US" dirty="0"/>
+              <a:t>すると、</a:t>
+            </a:r>
+            <a:r>
+              <a:rPr lang="en-US" altLang="ja-JP" dirty="0"/>
+              <a:t>JavaScript</a:t>
+            </a:r>
+            <a:r>
+              <a:rPr lang="ja-JP" altLang="en-US" dirty="0"/>
+              <a:t>側で扱えるデータ形式として取得できます。</a:t>
+            </a:r>
             <a:endParaRPr lang="en-US" altLang="ja-JP" dirty="0"/>
           </a:p>
           <a:p>
             <a:r>
               <a:rPr kumimoji="1" lang="ja-JP" altLang="en-US" dirty="0"/>
-              <a:t>相手側は</a:t>
-            </a:r>
-            <a:r>
-              <a:rPr kumimoji="1" lang="en-US" altLang="ja-JP" dirty="0" err="1"/>
-              <a:t>vscode</a:t>
-            </a:r>
-            <a:r>
-              <a:rPr kumimoji="1" lang="ja-JP" altLang="en-US" dirty="0"/>
-              <a:t>のバージョン管理のタブから、プルを実行することで、最新版を取得できます。</a:t>
-            </a:r>
-            <a:endParaRPr kumimoji="1" lang="en-US" altLang="ja-JP" dirty="0"/>
-          </a:p>
-          <a:p>
-            <a:r>
-              <a:rPr lang="ja-JP" altLang="en-US" dirty="0"/>
-              <a:t>相互に最新版の取得→修正→コミット→最新版の取得～と繰り返して、コードを改修していってください。</a:t>
-            </a:r>
-            <a:endParaRPr kumimoji="1" lang="en-US" altLang="ja-JP" dirty="0"/>
-          </a:p>
-          <a:p>
-            <a:r>
-              <a:rPr lang="ja-JP" altLang="en-US" dirty="0"/>
-              <a:t>よくわからなくなったら、冒頭にやったソースのクローンからやり直してください。</a:t>
-            </a:r>
-            <a:endParaRPr lang="en-US" altLang="ja-JP" dirty="0"/>
-          </a:p>
-          <a:p>
-            <a:r>
-              <a:rPr kumimoji="1" lang="ja-JP" altLang="en-US" dirty="0"/>
-              <a:t>リポジトリは公開リポジトリなので、あまり個人を特定できるような情報は載せないでください。</a:t>
+              <a:t>後は画面とバインディングされた変数に値を入れれば、画面に表示できます。</a:t>
             </a:r>
           </a:p>
         </p:txBody>
@@ -6826,7 +6936,7 @@
     </p:spTree>
     <p:extLst>
       <p:ext uri="{BB962C8B-B14F-4D97-AF65-F5344CB8AC3E}">
-        <p14:creationId xmlns:p14="http://schemas.microsoft.com/office/powerpoint/2010/main" val="2767040487"/>
+        <p14:creationId xmlns:p14="http://schemas.microsoft.com/office/powerpoint/2010/main" val="2502275144"/>
       </p:ext>
     </p:extLst>
   </p:cSld>
@@ -6858,7 +6968,7 @@
           <p:cNvPr id="2" name="タイトル 1">
             <a:extLst>
               <a:ext uri="{FF2B5EF4-FFF2-40B4-BE49-F238E27FC236}">
-                <a16:creationId xmlns:a16="http://schemas.microsoft.com/office/drawing/2014/main" id="{72A788F3-62A4-57D6-39D5-B2597B8DB1EF}"/>
+                <a16:creationId xmlns:a16="http://schemas.microsoft.com/office/drawing/2014/main" id="{357ECEFB-4CB1-F5DA-FA35-BCBA13780FAE}"/>
               </a:ext>
             </a:extLst>
           </p:cNvPr>
@@ -6876,13 +6986,8 @@
           <a:p>
             <a:r>
               <a:rPr kumimoji="1" lang="ja-JP" altLang="en-US" dirty="0"/>
-              <a:t>設計を進めるために</a:t>
-            </a:r>
-            <a:r>
-              <a:rPr kumimoji="1" lang="en-US" altLang="ja-JP" dirty="0"/>
-              <a:t>…</a:t>
-            </a:r>
-            <a:endParaRPr kumimoji="1" lang="ja-JP" altLang="en-US" dirty="0"/>
+              <a:t>コードの共有方法</a:t>
+            </a:r>
           </a:p>
         </p:txBody>
       </p:sp>
@@ -6891,7 +6996,7 @@
           <p:cNvPr id="3" name="コンテンツ プレースホルダー 2">
             <a:extLst>
               <a:ext uri="{FF2B5EF4-FFF2-40B4-BE49-F238E27FC236}">
-                <a16:creationId xmlns:a16="http://schemas.microsoft.com/office/drawing/2014/main" id="{F40D6B23-312C-16F8-F9D1-C737470238C8}"/>
+                <a16:creationId xmlns:a16="http://schemas.microsoft.com/office/drawing/2014/main" id="{321D573E-DA80-BCD2-149A-39D997C0881F}"/>
               </a:ext>
             </a:extLst>
           </p:cNvPr>
@@ -6904,87 +7009,69 @@
         </p:nvSpPr>
         <p:spPr/>
         <p:txBody>
-          <a:bodyPr/>
-          <a:lstStyle/>
-          <a:p>
-            <a:r>
-              <a:rPr kumimoji="1" lang="ja-JP" altLang="en-US" dirty="0"/>
-              <a:t>どんなものを作りたいか、ソースを眺めながら、</a:t>
-            </a:r>
-            <a:r>
-              <a:rPr kumimoji="1" lang="en-US" altLang="ja-JP" dirty="0"/>
-              <a:t>2</a:t>
-            </a:r>
-            <a:r>
-              <a:rPr kumimoji="1" lang="ja-JP" altLang="en-US" dirty="0"/>
-              <a:t>人</a:t>
-            </a:r>
-            <a:r>
-              <a:rPr kumimoji="1" lang="en-US" altLang="ja-JP" dirty="0"/>
-              <a:t>1</a:t>
-            </a:r>
-            <a:r>
-              <a:rPr kumimoji="1" lang="ja-JP" altLang="en-US" dirty="0"/>
-              <a:t>組で考えてください。</a:t>
+          <a:bodyPr>
+            <a:normAutofit fontScale="92500" lnSpcReduction="20000"/>
+          </a:bodyPr>
+          <a:lstStyle/>
+          <a:p>
+            <a:r>
+              <a:rPr lang="ja-JP" altLang="en-US" dirty="0"/>
+              <a:t>各自で修正を行ったら、</a:t>
+            </a:r>
+            <a:r>
+              <a:rPr lang="en-US" altLang="ja-JP" dirty="0" err="1"/>
+              <a:t>vscode</a:t>
+            </a:r>
+            <a:r>
+              <a:rPr lang="ja-JP" altLang="en-US" dirty="0"/>
+              <a:t>からコメントを入れてコミットしてください。</a:t>
             </a:r>
             <a:endParaRPr lang="en-US" altLang="ja-JP" dirty="0"/>
           </a:p>
           <a:p>
-            <a:r>
-              <a:rPr kumimoji="1" lang="ja-JP" altLang="en-US" dirty="0"/>
-              <a:t>提出してもらう資料は</a:t>
-            </a:r>
-            <a:r>
-              <a:rPr lang="ja-JP" altLang="en-US" dirty="0"/>
-              <a:t>サンプルソースの</a:t>
-            </a:r>
-            <a:r>
-              <a:rPr lang="en-US" altLang="ja-JP" dirty="0"/>
-              <a:t>documents</a:t>
-            </a:r>
-            <a:r>
-              <a:rPr lang="ja-JP" altLang="en-US" dirty="0"/>
-              <a:t>フォルダに格納してあります。</a:t>
-            </a:r>
             <a:endParaRPr lang="en-US" altLang="ja-JP" dirty="0"/>
           </a:p>
           <a:p>
             <a:r>
-              <a:rPr lang="en-US" altLang="ja-JP" dirty="0"/>
-              <a:t>d</a:t>
-            </a:r>
-            <a:r>
-              <a:rPr kumimoji="1" lang="en-US" altLang="ja-JP" dirty="0"/>
-              <a:t>esign-docu</a:t>
-            </a:r>
-            <a:r>
-              <a:rPr lang="en-US" altLang="ja-JP" dirty="0"/>
-              <a:t>ments.md</a:t>
-            </a:r>
-            <a:r>
-              <a:rPr lang="ja-JP" altLang="en-US" dirty="0"/>
-              <a:t>と</a:t>
-            </a:r>
-            <a:r>
-              <a:rPr lang="en-US" altLang="ja-JP" dirty="0"/>
-              <a:t>page-</a:t>
-            </a:r>
-            <a:r>
-              <a:rPr lang="en-US" altLang="ja-JP" dirty="0" err="1"/>
-              <a:t>design.drawio.svg</a:t>
-            </a:r>
-            <a:r>
-              <a:rPr lang="ja-JP" altLang="en-US" dirty="0"/>
-              <a:t>を編集してコミットしておいてください。</a:t>
+              <a:rPr kumimoji="1" lang="ja-JP" altLang="en-US" dirty="0"/>
+              <a:t>相手側は</a:t>
+            </a:r>
+            <a:r>
+              <a:rPr kumimoji="1" lang="en-US" altLang="ja-JP" dirty="0" err="1"/>
+              <a:t>vscode</a:t>
+            </a:r>
+            <a:r>
+              <a:rPr kumimoji="1" lang="ja-JP" altLang="en-US" dirty="0"/>
+              <a:t>のバージョン管理のタブから、プルを実行することで、最新版を取得できます。</a:t>
             </a:r>
             <a:endParaRPr kumimoji="1" lang="en-US" altLang="ja-JP" dirty="0"/>
+          </a:p>
+          <a:p>
+            <a:r>
+              <a:rPr lang="ja-JP" altLang="en-US" dirty="0"/>
+              <a:t>相互に最新版の取得→修正→コミット→最新版の取得～と繰り返して、コードを改修していってください。</a:t>
+            </a:r>
+            <a:endParaRPr kumimoji="1" lang="en-US" altLang="ja-JP" dirty="0"/>
+          </a:p>
+          <a:p>
+            <a:r>
+              <a:rPr lang="ja-JP" altLang="en-US" dirty="0"/>
+              <a:t>よくわからなくなったら、冒頭にやったソースのクローンからやり直してください。</a:t>
+            </a:r>
+            <a:endParaRPr lang="en-US" altLang="ja-JP" dirty="0"/>
+          </a:p>
+          <a:p>
+            <a:r>
+              <a:rPr kumimoji="1" lang="ja-JP" altLang="en-US" dirty="0"/>
+              <a:t>リポジトリは公開リポジトリなので、あまり個人を特定できるような情報は載せないでください。</a:t>
+            </a:r>
           </a:p>
         </p:txBody>
       </p:sp>
     </p:spTree>
     <p:extLst>
       <p:ext uri="{BB962C8B-B14F-4D97-AF65-F5344CB8AC3E}">
-        <p14:creationId xmlns:p14="http://schemas.microsoft.com/office/powerpoint/2010/main" val="1798356888"/>
+        <p14:creationId xmlns:p14="http://schemas.microsoft.com/office/powerpoint/2010/main" val="2767040487"/>
       </p:ext>
     </p:extLst>
   </p:cSld>
@@ -7016,7 +7103,7 @@
           <p:cNvPr id="2" name="タイトル 1">
             <a:extLst>
               <a:ext uri="{FF2B5EF4-FFF2-40B4-BE49-F238E27FC236}">
-                <a16:creationId xmlns:a16="http://schemas.microsoft.com/office/drawing/2014/main" id="{32166CCE-B665-636D-EF8A-EAC731C5BC15}"/>
+                <a16:creationId xmlns:a16="http://schemas.microsoft.com/office/drawing/2014/main" id="{72A788F3-62A4-57D6-39D5-B2597B8DB1EF}"/>
               </a:ext>
             </a:extLst>
           </p:cNvPr>
@@ -7034,8 +7121,13 @@
           <a:p>
             <a:r>
               <a:rPr kumimoji="1" lang="ja-JP" altLang="en-US" dirty="0"/>
-              <a:t>設計を進めるために２</a:t>
-            </a:r>
+              <a:t>設計を進めるために</a:t>
+            </a:r>
+            <a:r>
+              <a:rPr kumimoji="1" lang="en-US" altLang="ja-JP" dirty="0"/>
+              <a:t>…</a:t>
+            </a:r>
+            <a:endParaRPr kumimoji="1" lang="ja-JP" altLang="en-US" dirty="0"/>
           </a:p>
         </p:txBody>
       </p:sp>
@@ -7044,7 +7136,7 @@
           <p:cNvPr id="3" name="コンテンツ プレースホルダー 2">
             <a:extLst>
               <a:ext uri="{FF2B5EF4-FFF2-40B4-BE49-F238E27FC236}">
-                <a16:creationId xmlns:a16="http://schemas.microsoft.com/office/drawing/2014/main" id="{1248978D-5DFE-121F-662D-3864401D0B21}"/>
+                <a16:creationId xmlns:a16="http://schemas.microsoft.com/office/drawing/2014/main" id="{F40D6B23-312C-16F8-F9D1-C737470238C8}"/>
               </a:ext>
             </a:extLst>
           </p:cNvPr>
@@ -7057,79 +7149,87 @@
         </p:nvSpPr>
         <p:spPr/>
         <p:txBody>
-          <a:bodyPr>
-            <a:normAutofit lnSpcReduction="10000"/>
-          </a:bodyPr>
-          <a:lstStyle/>
-          <a:p>
-            <a:r>
-              <a:rPr lang="ja-JP" altLang="en-US" dirty="0"/>
-              <a:t>２～３</a:t>
-            </a:r>
-            <a:r>
-              <a:rPr kumimoji="1" lang="ja-JP" altLang="en-US" dirty="0"/>
-              <a:t>画面、各画面</a:t>
-            </a:r>
-            <a:r>
-              <a:rPr lang="ja-JP" altLang="en-US" dirty="0"/>
-              <a:t>１～３</a:t>
-            </a:r>
-            <a:r>
-              <a:rPr kumimoji="1" lang="ja-JP" altLang="en-US" dirty="0"/>
-              <a:t>ボタン程度で完結するアプリを想定して、後から機能拡張していくのが良いと思います。</a:t>
+          <a:bodyPr/>
+          <a:lstStyle/>
+          <a:p>
+            <a:r>
+              <a:rPr kumimoji="1" lang="ja-JP" altLang="en-US" dirty="0"/>
+              <a:t>どんなものを作りたいか、ソースを眺めながら、</a:t>
+            </a:r>
+            <a:r>
+              <a:rPr kumimoji="1" lang="en-US" altLang="ja-JP" dirty="0"/>
+              <a:t>2</a:t>
+            </a:r>
+            <a:r>
+              <a:rPr kumimoji="1" lang="ja-JP" altLang="en-US" dirty="0"/>
+              <a:t>人</a:t>
+            </a:r>
+            <a:r>
+              <a:rPr kumimoji="1" lang="en-US" altLang="ja-JP" dirty="0"/>
+              <a:t>1</a:t>
+            </a:r>
+            <a:r>
+              <a:rPr kumimoji="1" lang="ja-JP" altLang="en-US" dirty="0"/>
+              <a:t>組で考えてください。</a:t>
+            </a:r>
+            <a:endParaRPr lang="en-US" altLang="ja-JP" dirty="0"/>
+          </a:p>
+          <a:p>
+            <a:r>
+              <a:rPr kumimoji="1" lang="ja-JP" altLang="en-US" dirty="0"/>
+              <a:t>提出してもらう資料は</a:t>
+            </a:r>
+            <a:r>
+              <a:rPr lang="ja-JP" altLang="en-US" dirty="0"/>
+              <a:t>サンプルソースの</a:t>
+            </a:r>
+            <a:r>
+              <a:rPr lang="en-US" altLang="ja-JP" dirty="0"/>
+              <a:t>documents</a:t>
+            </a:r>
+            <a:r>
+              <a:rPr lang="ja-JP" altLang="en-US" dirty="0"/>
+              <a:t>フォルダに格納してあります。</a:t>
+            </a:r>
+            <a:endParaRPr lang="en-US" altLang="ja-JP" dirty="0"/>
+          </a:p>
+          <a:p>
+            <a:r>
+              <a:rPr lang="en-US" altLang="ja-JP" dirty="0"/>
+              <a:t>d</a:t>
+            </a:r>
+            <a:r>
+              <a:rPr kumimoji="1" lang="en-US" altLang="ja-JP" dirty="0"/>
+              <a:t>esign-docu</a:t>
+            </a:r>
+            <a:r>
+              <a:rPr lang="en-US" altLang="ja-JP" dirty="0"/>
+              <a:t>ments.md</a:t>
+            </a:r>
+            <a:r>
+              <a:rPr lang="ja-JP" altLang="en-US" dirty="0"/>
+              <a:t>と</a:t>
+            </a:r>
+            <a:r>
+              <a:rPr lang="en-US" altLang="ja-JP" dirty="0"/>
+              <a:t>page-</a:t>
+            </a:r>
+            <a:r>
+              <a:rPr lang="en-US" altLang="ja-JP" dirty="0" err="1"/>
+              <a:t>design.drawio.svg</a:t>
+            </a:r>
+            <a:r>
+              <a:rPr lang="ja-JP" altLang="en-US" dirty="0"/>
+              <a:t>を編集してコミットしておいてください。</a:t>
             </a:r>
             <a:endParaRPr kumimoji="1" lang="en-US" altLang="ja-JP" dirty="0"/>
-          </a:p>
-          <a:p>
-            <a:r>
-              <a:rPr lang="ja-JP" altLang="en-US" dirty="0"/>
-              <a:t>アプリの画面を考えます。</a:t>
-            </a:r>
-            <a:endParaRPr lang="en-US" altLang="ja-JP" dirty="0"/>
-          </a:p>
-          <a:p>
-            <a:pPr lvl="1"/>
-            <a:r>
-              <a:rPr kumimoji="1" lang="ja-JP" altLang="en-US" dirty="0"/>
-              <a:t>ボタン、テキスト入力など。。。</a:t>
-            </a:r>
-            <a:endParaRPr kumimoji="1" lang="en-US" altLang="ja-JP" dirty="0"/>
-          </a:p>
-          <a:p>
-            <a:r>
-              <a:rPr kumimoji="1" lang="ja-JP" altLang="en-US" dirty="0"/>
-              <a:t>次にそれに実装する機能を考えます。</a:t>
-            </a:r>
-            <a:endParaRPr kumimoji="1" lang="en-US" altLang="ja-JP" dirty="0"/>
-          </a:p>
-          <a:p>
-            <a:r>
-              <a:rPr kumimoji="1" lang="ja-JP" altLang="en-US" dirty="0"/>
-              <a:t>機能が決まると、必然的に、双方でやりとりするインターフェイス、</a:t>
-            </a:r>
-            <a:r>
-              <a:rPr kumimoji="1" lang="en-US" altLang="ja-JP" dirty="0"/>
-              <a:t>API</a:t>
-            </a:r>
-            <a:r>
-              <a:rPr kumimoji="1" lang="ja-JP" altLang="en-US" dirty="0"/>
-              <a:t>が決まってきます。</a:t>
-            </a:r>
-            <a:endParaRPr kumimoji="1" lang="en-US" altLang="ja-JP" dirty="0"/>
-          </a:p>
-          <a:p>
-            <a:r>
-              <a:rPr lang="ja-JP" altLang="en-US" dirty="0"/>
-              <a:t>後は双方で開発を進めていってください。</a:t>
-            </a:r>
-            <a:endParaRPr kumimoji="1" lang="ja-JP" altLang="en-US" dirty="0"/>
           </a:p>
         </p:txBody>
       </p:sp>
     </p:spTree>
     <p:extLst>
       <p:ext uri="{BB962C8B-B14F-4D97-AF65-F5344CB8AC3E}">
-        <p14:creationId xmlns:p14="http://schemas.microsoft.com/office/powerpoint/2010/main" val="2741066"/>
+        <p14:creationId xmlns:p14="http://schemas.microsoft.com/office/powerpoint/2010/main" val="1798356888"/>
       </p:ext>
     </p:extLst>
   </p:cSld>
@@ -7161,7 +7261,7 @@
           <p:cNvPr id="2" name="タイトル 1">
             <a:extLst>
               <a:ext uri="{FF2B5EF4-FFF2-40B4-BE49-F238E27FC236}">
-                <a16:creationId xmlns:a16="http://schemas.microsoft.com/office/drawing/2014/main" id="{8784D211-FCD6-4EE4-7E45-840E4F9764BA}"/>
+                <a16:creationId xmlns:a16="http://schemas.microsoft.com/office/drawing/2014/main" id="{32166CCE-B665-636D-EF8A-EAC731C5BC15}"/>
               </a:ext>
             </a:extLst>
           </p:cNvPr>
@@ -7179,13 +7279,8 @@
           <a:p>
             <a:r>
               <a:rPr kumimoji="1" lang="ja-JP" altLang="en-US" dirty="0"/>
-              <a:t>例えば</a:t>
-            </a:r>
-            <a:r>
-              <a:rPr kumimoji="1" lang="en-US" altLang="ja-JP" dirty="0"/>
-              <a:t>…</a:t>
-            </a:r>
-            <a:endParaRPr kumimoji="1" lang="ja-JP" altLang="en-US" dirty="0"/>
+              <a:t>設計を進めるために２</a:t>
+            </a:r>
           </a:p>
         </p:txBody>
       </p:sp>
@@ -7194,7 +7289,7 @@
           <p:cNvPr id="3" name="コンテンツ プレースホルダー 2">
             <a:extLst>
               <a:ext uri="{FF2B5EF4-FFF2-40B4-BE49-F238E27FC236}">
-                <a16:creationId xmlns:a16="http://schemas.microsoft.com/office/drawing/2014/main" id="{FF1220C0-0BBA-06F4-8ABE-4D445EE0DA01}"/>
+                <a16:creationId xmlns:a16="http://schemas.microsoft.com/office/drawing/2014/main" id="{1248978D-5DFE-121F-662D-3864401D0B21}"/>
               </a:ext>
             </a:extLst>
           </p:cNvPr>
@@ -7208,137 +7303,70 @@
         <p:spPr/>
         <p:txBody>
           <a:bodyPr>
-            <a:normAutofit fontScale="92500" lnSpcReduction="10000"/>
+            <a:normAutofit lnSpcReduction="10000"/>
           </a:bodyPr>
           <a:lstStyle/>
           <a:p>
             <a:r>
-              <a:rPr kumimoji="1" lang="ja-JP" altLang="en-US" dirty="0"/>
-              <a:t>予定登録アプリ</a:t>
+              <a:rPr lang="ja-JP" altLang="en-US" dirty="0"/>
+              <a:t>２～３</a:t>
+            </a:r>
+            <a:r>
+              <a:rPr kumimoji="1" lang="ja-JP" altLang="en-US" dirty="0"/>
+              <a:t>画面、各画面</a:t>
+            </a:r>
+            <a:r>
+              <a:rPr lang="ja-JP" altLang="en-US" dirty="0"/>
+              <a:t>１～３</a:t>
+            </a:r>
+            <a:r>
+              <a:rPr kumimoji="1" lang="ja-JP" altLang="en-US" dirty="0"/>
+              <a:t>ボタン程度で完結するアプリを想定して、後から機能拡張していくのが良いと思います。</a:t>
             </a:r>
             <a:endParaRPr kumimoji="1" lang="en-US" altLang="ja-JP" dirty="0"/>
           </a:p>
           <a:p>
+            <a:r>
+              <a:rPr lang="ja-JP" altLang="en-US" dirty="0"/>
+              <a:t>アプリの画面を考えます。</a:t>
+            </a:r>
+            <a:endParaRPr lang="en-US" altLang="ja-JP" dirty="0"/>
+          </a:p>
+          <a:p>
             <a:pPr lvl="1"/>
             <a:r>
-              <a:rPr lang="ja-JP" altLang="en-US" dirty="0"/>
-              <a:t>日付と内容を入力しておいて、後から検索できるメモアプリ</a:t>
-            </a:r>
-            <a:endParaRPr lang="en-US" altLang="ja-JP" dirty="0"/>
-          </a:p>
-          <a:p>
-            <a:pPr lvl="1"/>
-            <a:r>
-              <a:rPr lang="ja-JP" altLang="en-US" dirty="0"/>
-              <a:t>登録画面</a:t>
-            </a:r>
-            <a:r>
-              <a:rPr lang="en-US" altLang="ja-JP" dirty="0"/>
-              <a:t>(</a:t>
-            </a:r>
-            <a:r>
-              <a:rPr lang="ja-JP" altLang="en-US" dirty="0"/>
-              <a:t>登録ボタン</a:t>
-            </a:r>
-            <a:r>
-              <a:rPr lang="en-US" altLang="ja-JP" dirty="0"/>
-              <a:t>)</a:t>
-            </a:r>
-            <a:r>
-              <a:rPr lang="ja-JP" altLang="en-US" dirty="0"/>
-              <a:t>と検索画面</a:t>
-            </a:r>
-            <a:r>
-              <a:rPr lang="en-US" altLang="ja-JP" dirty="0"/>
-              <a:t>(</a:t>
-            </a:r>
-            <a:r>
-              <a:rPr lang="ja-JP" altLang="en-US" dirty="0"/>
-              <a:t>検索ボタン</a:t>
-            </a:r>
-            <a:r>
-              <a:rPr lang="en-US" altLang="ja-JP" dirty="0"/>
-              <a:t>)</a:t>
-            </a:r>
-            <a:r>
-              <a:rPr lang="ja-JP" altLang="en-US" dirty="0"/>
-              <a:t>の</a:t>
-            </a:r>
-            <a:r>
-              <a:rPr lang="en-US" altLang="ja-JP" dirty="0"/>
-              <a:t>2</a:t>
-            </a:r>
-            <a:r>
-              <a:rPr lang="ja-JP" altLang="en-US" dirty="0"/>
-              <a:t>画面、</a:t>
-            </a:r>
-            <a:r>
-              <a:rPr lang="en-US" altLang="ja-JP" dirty="0"/>
-              <a:t>2</a:t>
-            </a:r>
-            <a:r>
-              <a:rPr lang="ja-JP" altLang="en-US" dirty="0"/>
-              <a:t>機能</a:t>
-            </a:r>
-            <a:endParaRPr lang="en-US" altLang="ja-JP" dirty="0"/>
-          </a:p>
-          <a:p>
-            <a:r>
-              <a:rPr lang="ja-JP" altLang="en-US" dirty="0"/>
-              <a:t>投稿掲示板</a:t>
-            </a:r>
-            <a:endParaRPr lang="en-US" altLang="ja-JP" dirty="0"/>
-          </a:p>
-          <a:p>
-            <a:pPr lvl="1"/>
-            <a:r>
-              <a:rPr lang="ja-JP" altLang="en-US" dirty="0"/>
-              <a:t>つぶやきを自由に投稿できるアプリ</a:t>
-            </a:r>
-            <a:endParaRPr lang="en-US" altLang="ja-JP" dirty="0"/>
-          </a:p>
-          <a:p>
-            <a:pPr lvl="1"/>
-            <a:r>
-              <a:rPr lang="en-US" altLang="ja-JP" dirty="0"/>
-              <a:t>1</a:t>
-            </a:r>
-            <a:r>
-              <a:rPr lang="ja-JP" altLang="en-US" dirty="0"/>
-              <a:t>画面、投稿と一覧表示の</a:t>
-            </a:r>
-            <a:r>
-              <a:rPr lang="en-US" altLang="ja-JP" dirty="0"/>
-              <a:t>2</a:t>
-            </a:r>
-            <a:r>
-              <a:rPr lang="ja-JP" altLang="en-US" dirty="0"/>
-              <a:t>機能</a:t>
-            </a:r>
-            <a:endParaRPr lang="en-US" altLang="ja-JP" dirty="0"/>
-          </a:p>
-          <a:p>
-            <a:r>
-              <a:rPr lang="ja-JP" altLang="en-US" dirty="0"/>
-              <a:t>株価予測アプリ</a:t>
-            </a:r>
-            <a:endParaRPr lang="en-US" altLang="ja-JP" dirty="0"/>
-          </a:p>
-          <a:p>
-            <a:pPr lvl="1"/>
-            <a:r>
-              <a:rPr lang="ja-JP" altLang="en-US" dirty="0"/>
-              <a:t>今日の日経平均株価を入力すると、過去の実績と比較して、高低判断して、今日は上がるか、下がるか、を判断する。</a:t>
-            </a:r>
-            <a:endParaRPr lang="en-US" altLang="ja-JP" dirty="0"/>
-          </a:p>
-          <a:p>
-            <a:endParaRPr lang="en-US" altLang="ja-JP" dirty="0"/>
-          </a:p>
-          <a:p>
-            <a:endParaRPr lang="en-US" altLang="ja-JP" dirty="0"/>
-          </a:p>
-          <a:p>
+              <a:rPr kumimoji="1" lang="ja-JP" altLang="en-US" dirty="0"/>
+              <a:t>ボタン、テキスト入力など。。。</a:t>
+            </a:r>
+            <a:endParaRPr kumimoji="1" lang="en-US" altLang="ja-JP" dirty="0"/>
+          </a:p>
+          <a:p>
+            <a:r>
+              <a:rPr kumimoji="1" lang="ja-JP" altLang="en-US" dirty="0"/>
+              <a:t>次にそれに実装する機能を考えます。</a:t>
+            </a:r>
+            <a:endParaRPr kumimoji="1" lang="en-US" altLang="ja-JP" dirty="0"/>
+          </a:p>
+          <a:p>
+            <a:r>
+              <a:rPr kumimoji="1" lang="ja-JP" altLang="en-US" dirty="0"/>
+              <a:t>機能が決まると、必然的に、双方でやりとりするインターフェイス、</a:t>
+            </a:r>
+            <a:r>
+              <a:rPr kumimoji="1" lang="en-US" altLang="ja-JP" dirty="0"/>
+              <a:t>API</a:t>
+            </a:r>
+            <a:r>
+              <a:rPr kumimoji="1" lang="ja-JP" altLang="en-US" dirty="0"/>
+              <a:t>が決まってきます。</a:t>
+            </a:r>
+            <a:endParaRPr kumimoji="1" lang="en-US" altLang="ja-JP" dirty="0"/>
+          </a:p>
+          <a:p>
+            <a:r>
+              <a:rPr lang="ja-JP" altLang="en-US" dirty="0"/>
+              <a:t>後は双方で開発を進めていってください。</a:t>
+            </a:r>
             <a:endParaRPr kumimoji="1" lang="ja-JP" altLang="en-US" dirty="0"/>
           </a:p>
         </p:txBody>
@@ -7346,7 +7374,7 @@
     </p:spTree>
     <p:extLst>
       <p:ext uri="{BB962C8B-B14F-4D97-AF65-F5344CB8AC3E}">
-        <p14:creationId xmlns:p14="http://schemas.microsoft.com/office/powerpoint/2010/main" val="1421514113"/>
+        <p14:creationId xmlns:p14="http://schemas.microsoft.com/office/powerpoint/2010/main" val="2741066"/>
       </p:ext>
     </p:extLst>
   </p:cSld>
@@ -7378,7 +7406,7 @@
           <p:cNvPr id="2" name="タイトル 1">
             <a:extLst>
               <a:ext uri="{FF2B5EF4-FFF2-40B4-BE49-F238E27FC236}">
-                <a16:creationId xmlns:a16="http://schemas.microsoft.com/office/drawing/2014/main" id="{ECC45222-2F97-7062-F664-33AAB59BBEBA}"/>
+                <a16:creationId xmlns:a16="http://schemas.microsoft.com/office/drawing/2014/main" id="{8784D211-FCD6-4EE4-7E45-840E4F9764BA}"/>
               </a:ext>
             </a:extLst>
           </p:cNvPr>
@@ -7396,8 +7424,13 @@
           <a:p>
             <a:r>
               <a:rPr kumimoji="1" lang="ja-JP" altLang="en-US" dirty="0"/>
-              <a:t>明日以降～</a:t>
-            </a:r>
+              <a:t>例えば</a:t>
+            </a:r>
+            <a:r>
+              <a:rPr kumimoji="1" lang="en-US" altLang="ja-JP" dirty="0"/>
+              <a:t>…</a:t>
+            </a:r>
+            <a:endParaRPr kumimoji="1" lang="ja-JP" altLang="en-US" dirty="0"/>
           </a:p>
         </p:txBody>
       </p:sp>
@@ -7406,7 +7439,7 @@
           <p:cNvPr id="3" name="コンテンツ プレースホルダー 2">
             <a:extLst>
               <a:ext uri="{FF2B5EF4-FFF2-40B4-BE49-F238E27FC236}">
-                <a16:creationId xmlns:a16="http://schemas.microsoft.com/office/drawing/2014/main" id="{DEC777E3-8D1E-FAB2-7F4D-A4C2E0AAAB0E}"/>
+                <a16:creationId xmlns:a16="http://schemas.microsoft.com/office/drawing/2014/main" id="{FF1220C0-0BBA-06F4-8ABE-4D445EE0DA01}"/>
               </a:ext>
             </a:extLst>
           </p:cNvPr>
@@ -7419,12 +7452,14 @@
         </p:nvSpPr>
         <p:spPr/>
         <p:txBody>
-          <a:bodyPr/>
-          <a:lstStyle/>
-          <a:p>
-            <a:r>
-              <a:rPr kumimoji="1" lang="ja-JP" altLang="en-US" dirty="0"/>
-              <a:t>午前中はシステム開発に関する座学講義を開きます。</a:t>
+          <a:bodyPr>
+            <a:normAutofit fontScale="92500" lnSpcReduction="10000"/>
+          </a:bodyPr>
+          <a:lstStyle/>
+          <a:p>
+            <a:r>
+              <a:rPr kumimoji="1" lang="ja-JP" altLang="en-US" dirty="0"/>
+              <a:t>予定登録アプリ</a:t>
             </a:r>
             <a:endParaRPr kumimoji="1" lang="en-US" altLang="ja-JP" dirty="0"/>
           </a:p>
@@ -7432,45 +7467,68 @@
             <a:pPr lvl="1"/>
             <a:r>
               <a:rPr lang="ja-JP" altLang="en-US" dirty="0"/>
-              <a:t>システム開発とは～、詳細設計とは～</a:t>
+              <a:t>日付と内容を入力しておいて、後から検索できるメモアプリ</a:t>
             </a:r>
             <a:endParaRPr lang="en-US" altLang="ja-JP" dirty="0"/>
           </a:p>
           <a:p>
             <a:r>
-              <a:rPr kumimoji="1" lang="ja-JP" altLang="en-US" dirty="0"/>
-              <a:t>午後は各自で自由に開発を進めていってください。</a:t>
-            </a:r>
-            <a:endParaRPr kumimoji="1" lang="en-US" altLang="ja-JP" dirty="0"/>
-          </a:p>
-          <a:p>
-            <a:r>
-              <a:rPr kumimoji="1" lang="en-US" altLang="ja-JP" dirty="0"/>
-              <a:t>6 or 7</a:t>
-            </a:r>
-            <a:r>
-              <a:rPr kumimoji="1" lang="ja-JP" altLang="en-US" dirty="0"/>
-              <a:t>日目時点でコミットされているソースおよび設計書について、レビュー＆中間採点を行い、</a:t>
-            </a:r>
-            <a:r>
-              <a:rPr kumimoji="1" lang="en-US" altLang="ja-JP" dirty="0"/>
-              <a:t>8 or </a:t>
+              <a:rPr lang="ja-JP" altLang="en-US" dirty="0"/>
+              <a:t>つぶやき投稿掲示板</a:t>
+            </a:r>
+            <a:endParaRPr lang="en-US" altLang="ja-JP" dirty="0"/>
+          </a:p>
+          <a:p>
+            <a:pPr lvl="1"/>
+            <a:r>
+              <a:rPr lang="ja-JP" altLang="en-US" dirty="0"/>
+              <a:t>つぶやきを自由に投稿できるアプリ</a:t>
+            </a:r>
+            <a:endParaRPr lang="en-US" altLang="ja-JP" dirty="0"/>
+          </a:p>
+          <a:p>
+            <a:r>
+              <a:rPr lang="ja-JP" altLang="en-US" dirty="0"/>
+              <a:t>占い／性格診断アプリ</a:t>
+            </a:r>
+            <a:endParaRPr lang="en-US" altLang="ja-JP" dirty="0"/>
+          </a:p>
+          <a:p>
+            <a:pPr lvl="1"/>
+            <a:r>
+              <a:rPr lang="ja-JP" altLang="en-US" dirty="0"/>
+              <a:t>アンケート項目に答えると、合致する性格や占い結果を表示する。</a:t>
+            </a:r>
+            <a:endParaRPr lang="en-US" altLang="ja-JP" dirty="0"/>
+          </a:p>
+          <a:p>
+            <a:r>
+              <a:rPr lang="ja-JP" altLang="en-US" dirty="0"/>
+              <a:t>オープンデータ検索サイト</a:t>
+            </a:r>
+            <a:endParaRPr lang="en-US" altLang="ja-JP" dirty="0"/>
+          </a:p>
+          <a:p>
+            <a:pPr lvl="1"/>
+            <a:r>
+              <a:rPr lang="ja-JP" altLang="en-US" dirty="0"/>
+              <a:t>自治体や官公庁の</a:t>
             </a:r>
             <a:r>
               <a:rPr lang="en-US" altLang="ja-JP" dirty="0"/>
-              <a:t>9</a:t>
-            </a:r>
-            <a:r>
-              <a:rPr kumimoji="1" lang="ja-JP" altLang="en-US" dirty="0"/>
-              <a:t>日目にレビュー内容の講釈を開きます。</a:t>
-            </a:r>
-            <a:endParaRPr kumimoji="1" lang="en-US" altLang="ja-JP" dirty="0"/>
-          </a:p>
-          <a:p>
-            <a:r>
-              <a:rPr lang="ja-JP" altLang="en-US" dirty="0"/>
-              <a:t>最終日午後に開発したプログラムをプレゼンしてもらいます。</a:t>
-            </a:r>
+              <a:t>Web</a:t>
+            </a:r>
+            <a:r>
+              <a:rPr lang="ja-JP" altLang="en-US" dirty="0"/>
+              <a:t>サイトからオープンデータを取得しておき、予めデータベースに登録して、検索、表示するアプリ</a:t>
+            </a:r>
+            <a:endParaRPr lang="en-US" altLang="ja-JP" dirty="0"/>
+          </a:p>
+          <a:p>
+            <a:pPr lvl="1"/>
+            <a:endParaRPr lang="en-US" altLang="ja-JP" dirty="0"/>
+          </a:p>
+          <a:p>
             <a:endParaRPr lang="en-US" altLang="ja-JP" dirty="0"/>
           </a:p>
           <a:p>
@@ -7481,7 +7539,7 @@
     </p:spTree>
     <p:extLst>
       <p:ext uri="{BB962C8B-B14F-4D97-AF65-F5344CB8AC3E}">
-        <p14:creationId xmlns:p14="http://schemas.microsoft.com/office/powerpoint/2010/main" val="3798576531"/>
+        <p14:creationId xmlns:p14="http://schemas.microsoft.com/office/powerpoint/2010/main" val="1421514113"/>
       </p:ext>
     </p:extLst>
   </p:cSld>
@@ -7513,7 +7571,7 @@
           <p:cNvPr id="2" name="タイトル 1">
             <a:extLst>
               <a:ext uri="{FF2B5EF4-FFF2-40B4-BE49-F238E27FC236}">
-                <a16:creationId xmlns:a16="http://schemas.microsoft.com/office/drawing/2014/main" id="{6D5F1AB5-BB5E-3A35-E6FA-5C6A285B4F8F}"/>
+                <a16:creationId xmlns:a16="http://schemas.microsoft.com/office/drawing/2014/main" id="{0B36B4E6-2501-CD7E-DD4D-5D7C214B3B57}"/>
               </a:ext>
             </a:extLst>
           </p:cNvPr>
@@ -7531,8 +7589,13 @@
           <a:p>
             <a:r>
               <a:rPr kumimoji="1" lang="ja-JP" altLang="en-US" dirty="0"/>
-              <a:t>参考リンク</a:t>
-            </a:r>
+              <a:t>つぶやき投稿アプリなら</a:t>
+            </a:r>
+            <a:r>
+              <a:rPr kumimoji="1" lang="en-US" altLang="ja-JP" dirty="0"/>
+              <a:t>…</a:t>
+            </a:r>
+            <a:endParaRPr kumimoji="1" lang="ja-JP" altLang="en-US" dirty="0"/>
           </a:p>
         </p:txBody>
       </p:sp>
@@ -7541,7 +7604,7 @@
           <p:cNvPr id="3" name="コンテンツ プレースホルダー 2">
             <a:extLst>
               <a:ext uri="{FF2B5EF4-FFF2-40B4-BE49-F238E27FC236}">
-                <a16:creationId xmlns:a16="http://schemas.microsoft.com/office/drawing/2014/main" id="{E9936054-437B-B88D-F545-02C05E6E96B1}"/>
+                <a16:creationId xmlns:a16="http://schemas.microsoft.com/office/drawing/2014/main" id="{242A29AC-725D-B928-870E-5D67B6D3765C}"/>
               </a:ext>
             </a:extLst>
           </p:cNvPr>
@@ -7554,202 +7617,83 @@
         </p:nvSpPr>
         <p:spPr/>
         <p:txBody>
-          <a:bodyPr>
-            <a:normAutofit/>
-          </a:bodyPr>
-          <a:lstStyle/>
-          <a:p>
-            <a:pPr algn="l"/>
-            <a:r>
-              <a:rPr lang="ja-JP" altLang="en-US" sz="1800" b="1" i="0" dirty="0">
-                <a:solidFill>
-                  <a:srgbClr val="000000"/>
-                </a:solidFill>
-                <a:effectLst/>
-                <a:latin typeface="+mj-ea"/>
-                <a:ea typeface="+mj-ea"/>
-                <a:cs typeface="Aharoni" panose="02010803020104030203" pitchFamily="2" charset="-79"/>
-                <a:hlinkClick r:id="rId2"/>
-              </a:rPr>
-              <a:t>とほほの</a:t>
-            </a:r>
-            <a:r>
-              <a:rPr lang="en-US" altLang="ja-JP" sz="1800" b="1" i="0" dirty="0">
-                <a:solidFill>
-                  <a:srgbClr val="000000"/>
-                </a:solidFill>
-                <a:effectLst/>
-                <a:latin typeface="+mj-ea"/>
-                <a:ea typeface="+mj-ea"/>
-                <a:cs typeface="Aharoni" panose="02010803020104030203" pitchFamily="2" charset="-79"/>
-                <a:hlinkClick r:id="rId2"/>
-              </a:rPr>
-              <a:t>Flask</a:t>
-            </a:r>
-            <a:r>
-              <a:rPr lang="ja-JP" altLang="en-US" sz="1800" b="1" i="0" dirty="0">
-                <a:solidFill>
-                  <a:srgbClr val="000000"/>
-                </a:solidFill>
-                <a:effectLst/>
-                <a:latin typeface="+mj-ea"/>
-                <a:ea typeface="+mj-ea"/>
-                <a:cs typeface="Aharoni" panose="02010803020104030203" pitchFamily="2" charset="-79"/>
-                <a:hlinkClick r:id="rId2"/>
-              </a:rPr>
-              <a:t>入門</a:t>
-            </a:r>
-            <a:endParaRPr lang="ja-JP" altLang="en-US" sz="1800" b="1" i="0" dirty="0">
-              <a:solidFill>
-                <a:srgbClr val="000000"/>
-              </a:solidFill>
-              <a:effectLst/>
-              <a:latin typeface="+mj-ea"/>
-              <a:ea typeface="+mj-ea"/>
-              <a:cs typeface="Aharoni" panose="02010803020104030203" pitchFamily="2" charset="-79"/>
-            </a:endParaRPr>
-          </a:p>
-          <a:p>
-            <a:r>
-              <a:rPr lang="ja-JP" altLang="en-US" sz="1800" b="1" dirty="0">
-                <a:latin typeface="+mj-ea"/>
-                <a:ea typeface="+mj-ea"/>
-                <a:cs typeface="Aharoni" panose="02010803020104030203" pitchFamily="2" charset="-79"/>
-                <a:hlinkClick r:id="rId3"/>
-              </a:rPr>
-              <a:t>とほほの</a:t>
-            </a:r>
-            <a:r>
-              <a:rPr lang="en-US" altLang="ja-JP" sz="1800" b="1" dirty="0">
-                <a:latin typeface="+mj-ea"/>
-                <a:ea typeface="+mj-ea"/>
-                <a:cs typeface="Aharoni" panose="02010803020104030203" pitchFamily="2" charset="-79"/>
-                <a:hlinkClick r:id="rId3"/>
-              </a:rPr>
-              <a:t>CSS</a:t>
-            </a:r>
-            <a:r>
-              <a:rPr lang="ja-JP" altLang="en-US" sz="1800" b="1" dirty="0">
-                <a:latin typeface="+mj-ea"/>
-                <a:ea typeface="+mj-ea"/>
-                <a:cs typeface="Aharoni" panose="02010803020104030203" pitchFamily="2" charset="-79"/>
-                <a:hlinkClick r:id="rId3"/>
-              </a:rPr>
-              <a:t>入門</a:t>
-            </a:r>
-            <a:endParaRPr lang="en-US" altLang="ja-JP" sz="1800" b="1" dirty="0">
-              <a:latin typeface="+mj-ea"/>
-              <a:ea typeface="+mj-ea"/>
-              <a:cs typeface="Aharoni" panose="02010803020104030203" pitchFamily="2" charset="-79"/>
-            </a:endParaRPr>
-          </a:p>
-          <a:p>
-            <a:pPr algn="l"/>
-            <a:r>
-              <a:rPr lang="ja-JP" altLang="en-US" sz="1800" b="1" i="0" dirty="0">
-                <a:solidFill>
-                  <a:srgbClr val="000000"/>
-                </a:solidFill>
-                <a:effectLst/>
-                <a:latin typeface="+mj-ea"/>
-                <a:ea typeface="+mj-ea"/>
-                <a:hlinkClick r:id="rId4"/>
-              </a:rPr>
-              <a:t>とほほの</a:t>
-            </a:r>
-            <a:r>
-              <a:rPr lang="en-US" altLang="ja-JP" sz="1800" b="1" i="0" dirty="0">
-                <a:solidFill>
-                  <a:srgbClr val="000000"/>
-                </a:solidFill>
-                <a:effectLst/>
-                <a:latin typeface="+mj-ea"/>
-                <a:ea typeface="+mj-ea"/>
-                <a:hlinkClick r:id="rId4"/>
-              </a:rPr>
-              <a:t>Python</a:t>
-            </a:r>
-            <a:r>
-              <a:rPr lang="ja-JP" altLang="en-US" sz="1800" b="1" i="0" dirty="0">
-                <a:solidFill>
-                  <a:srgbClr val="000000"/>
-                </a:solidFill>
-                <a:effectLst/>
-                <a:latin typeface="+mj-ea"/>
-                <a:ea typeface="+mj-ea"/>
-                <a:hlinkClick r:id="rId4"/>
-              </a:rPr>
-              <a:t>入門</a:t>
-            </a:r>
-            <a:endParaRPr lang="ja-JP" altLang="en-US" sz="1800" b="1" i="0" dirty="0">
-              <a:solidFill>
-                <a:srgbClr val="000000"/>
-              </a:solidFill>
-              <a:effectLst/>
-              <a:latin typeface="+mj-ea"/>
-              <a:ea typeface="+mj-ea"/>
-            </a:endParaRPr>
-          </a:p>
-          <a:p>
-            <a:r>
-              <a:rPr lang="en-US" altLang="ja-JP" sz="1800" b="1" i="0" dirty="0">
-                <a:solidFill>
-                  <a:srgbClr val="113366"/>
-                </a:solidFill>
-                <a:effectLst/>
-                <a:latin typeface="+mj-ea"/>
-                <a:ea typeface="+mj-ea"/>
-                <a:cs typeface="Aharoni" panose="02010803020104030203" pitchFamily="2" charset="-79"/>
-                <a:hlinkClick r:id="rId5"/>
-              </a:rPr>
-              <a:t>Svelte</a:t>
-            </a:r>
-            <a:endParaRPr lang="en-US" altLang="ja-JP" sz="1800" b="1" i="0" dirty="0">
-              <a:solidFill>
-                <a:srgbClr val="113366"/>
-              </a:solidFill>
-              <a:effectLst/>
-              <a:latin typeface="+mj-ea"/>
-              <a:ea typeface="+mj-ea"/>
-              <a:cs typeface="Aharoni" panose="02010803020104030203" pitchFamily="2" charset="-79"/>
-            </a:endParaRPr>
-          </a:p>
-          <a:p>
-            <a:r>
-              <a:rPr lang="en-US" altLang="ja-JP" sz="1800" b="1" i="0" dirty="0" err="1">
-                <a:solidFill>
-                  <a:srgbClr val="113366"/>
-                </a:solidFill>
-                <a:effectLst/>
-                <a:latin typeface="+mj-ea"/>
-                <a:ea typeface="+mj-ea"/>
-                <a:cs typeface="Aharoni" panose="02010803020104030203" pitchFamily="2" charset="-79"/>
-                <a:hlinkClick r:id="rId6"/>
-              </a:rPr>
-              <a:t>SvelteKit</a:t>
-            </a:r>
-            <a:br>
-              <a:rPr lang="ja-JP" altLang="en-US" sz="1800" b="1" i="0" dirty="0">
-                <a:solidFill>
-                  <a:srgbClr val="113366"/>
-                </a:solidFill>
-                <a:effectLst/>
-                <a:latin typeface="+mj-ea"/>
-                <a:ea typeface="+mj-ea"/>
-                <a:hlinkClick r:id="rId7"/>
-              </a:rPr>
-            </a:br>
-            <a:endParaRPr kumimoji="1" lang="ja-JP" altLang="en-US" sz="1800" b="1" dirty="0">
-              <a:latin typeface="+mj-ea"/>
-              <a:ea typeface="+mj-ea"/>
-            </a:endParaRPr>
+          <a:bodyPr/>
+          <a:lstStyle/>
+          <a:p>
+            <a:r>
+              <a:rPr kumimoji="1" lang="ja-JP" altLang="en-US" dirty="0"/>
+              <a:t>つぶやき投稿＆一覧画面、検索画面、トレンド表示</a:t>
+            </a:r>
+            <a:r>
+              <a:rPr lang="ja-JP" altLang="en-US" dirty="0"/>
+              <a:t>画面等。。。</a:t>
+            </a:r>
+            <a:endParaRPr lang="en-US" altLang="ja-JP" dirty="0"/>
+          </a:p>
+          <a:p>
+            <a:r>
+              <a:rPr kumimoji="1" lang="en-US" altLang="ja-JP" dirty="0"/>
+              <a:t>API</a:t>
+            </a:r>
+            <a:r>
+              <a:rPr kumimoji="1" lang="ja-JP" altLang="en-US" dirty="0"/>
+              <a:t>でやりとりするデータは、</a:t>
+            </a:r>
+            <a:endParaRPr kumimoji="1" lang="en-US" altLang="ja-JP" dirty="0"/>
+          </a:p>
+          <a:p>
+            <a:pPr lvl="1"/>
+            <a:r>
+              <a:rPr lang="ja-JP" altLang="en-US" dirty="0"/>
+              <a:t>投稿｛ユーザ名、投稿日時、本文｝のリスト</a:t>
+            </a:r>
+            <a:endParaRPr lang="en-US" altLang="ja-JP" dirty="0"/>
+          </a:p>
+          <a:p>
+            <a:r>
+              <a:rPr lang="en-US" altLang="ja-JP" dirty="0"/>
+              <a:t>API</a:t>
+            </a:r>
+            <a:r>
+              <a:rPr lang="ja-JP" altLang="en-US" dirty="0"/>
+              <a:t>で用意する機能としては</a:t>
+            </a:r>
+            <a:r>
+              <a:rPr lang="en-US" altLang="ja-JP" dirty="0"/>
+              <a:t>…</a:t>
+            </a:r>
+          </a:p>
+          <a:p>
+            <a:pPr lvl="1"/>
+            <a:r>
+              <a:rPr lang="ja-JP" altLang="en-US" dirty="0"/>
+              <a:t>投稿、一覧検索は必須</a:t>
+            </a:r>
+            <a:endParaRPr lang="en-US" altLang="ja-JP" dirty="0"/>
+          </a:p>
+          <a:p>
+            <a:pPr lvl="1"/>
+            <a:r>
+              <a:rPr lang="ja-JP" altLang="en-US" dirty="0"/>
+              <a:t>ユーザ名検索、投稿日時検索、本文検索ができると</a:t>
+            </a:r>
+            <a:r>
+              <a:rPr lang="en-US" altLang="ja-JP" dirty="0"/>
+              <a:t>Good</a:t>
+            </a:r>
+          </a:p>
+          <a:p>
+            <a:endParaRPr kumimoji="1" lang="en-US" altLang="ja-JP" dirty="0"/>
+          </a:p>
+          <a:p>
+            <a:endParaRPr kumimoji="1" lang="ja-JP" altLang="en-US" dirty="0"/>
           </a:p>
         </p:txBody>
       </p:sp>
     </p:spTree>
     <p:extLst>
       <p:ext uri="{BB962C8B-B14F-4D97-AF65-F5344CB8AC3E}">
-        <p14:creationId xmlns:p14="http://schemas.microsoft.com/office/powerpoint/2010/main" val="1639403170"/>
+        <p14:creationId xmlns:p14="http://schemas.microsoft.com/office/powerpoint/2010/main" val="1608161620"/>
       </p:ext>
     </p:extLst>
   </p:cSld>
@@ -7940,6 +7884,409 @@
     <p:extLst>
       <p:ext uri="{BB962C8B-B14F-4D97-AF65-F5344CB8AC3E}">
         <p14:creationId xmlns:p14="http://schemas.microsoft.com/office/powerpoint/2010/main" val="1328440059"/>
+      </p:ext>
+    </p:extLst>
+  </p:cSld>
+  <p:clrMapOvr>
+    <a:masterClrMapping/>
+  </p:clrMapOvr>
+</p:sld>
+</file>
+
+<file path=ppt/slides/slide30.xml><?xml version="1.0" encoding="utf-8"?>
+<p:sld xmlns:a="http://schemas.openxmlformats.org/drawingml/2006/main" xmlns:r="http://schemas.openxmlformats.org/officeDocument/2006/relationships" xmlns:p="http://schemas.openxmlformats.org/presentationml/2006/main">
+  <p:cSld>
+    <p:spTree>
+      <p:nvGrpSpPr>
+        <p:cNvPr id="1" name=""/>
+        <p:cNvGrpSpPr/>
+        <p:nvPr/>
+      </p:nvGrpSpPr>
+      <p:grpSpPr>
+        <a:xfrm>
+          <a:off x="0" y="0"/>
+          <a:ext cx="0" cy="0"/>
+          <a:chOff x="0" y="0"/>
+          <a:chExt cx="0" cy="0"/>
+        </a:xfrm>
+      </p:grpSpPr>
+      <p:sp>
+        <p:nvSpPr>
+          <p:cNvPr id="2" name="タイトル 1">
+            <a:extLst>
+              <a:ext uri="{FF2B5EF4-FFF2-40B4-BE49-F238E27FC236}">
+                <a16:creationId xmlns:a16="http://schemas.microsoft.com/office/drawing/2014/main" id="{ECC45222-2F97-7062-F664-33AAB59BBEBA}"/>
+              </a:ext>
+            </a:extLst>
+          </p:cNvPr>
+          <p:cNvSpPr>
+            <a:spLocks noGrp="1"/>
+          </p:cNvSpPr>
+          <p:nvPr>
+            <p:ph type="title"/>
+          </p:nvPr>
+        </p:nvSpPr>
+        <p:spPr/>
+        <p:txBody>
+          <a:bodyPr/>
+          <a:lstStyle/>
+          <a:p>
+            <a:r>
+              <a:rPr kumimoji="1" lang="ja-JP" altLang="en-US" dirty="0"/>
+              <a:t>明日以降～</a:t>
+            </a:r>
+          </a:p>
+        </p:txBody>
+      </p:sp>
+      <p:sp>
+        <p:nvSpPr>
+          <p:cNvPr id="3" name="コンテンツ プレースホルダー 2">
+            <a:extLst>
+              <a:ext uri="{FF2B5EF4-FFF2-40B4-BE49-F238E27FC236}">
+                <a16:creationId xmlns:a16="http://schemas.microsoft.com/office/drawing/2014/main" id="{DEC777E3-8D1E-FAB2-7F4D-A4C2E0AAAB0E}"/>
+              </a:ext>
+            </a:extLst>
+          </p:cNvPr>
+          <p:cNvSpPr>
+            <a:spLocks noGrp="1"/>
+          </p:cNvSpPr>
+          <p:nvPr>
+            <p:ph idx="1"/>
+          </p:nvPr>
+        </p:nvSpPr>
+        <p:spPr/>
+        <p:txBody>
+          <a:bodyPr/>
+          <a:lstStyle/>
+          <a:p>
+            <a:r>
+              <a:rPr kumimoji="1" lang="ja-JP" altLang="en-US" dirty="0"/>
+              <a:t>午前中はシステム開発に関する座学講義を開きます。</a:t>
+            </a:r>
+            <a:endParaRPr kumimoji="1" lang="en-US" altLang="ja-JP" dirty="0"/>
+          </a:p>
+          <a:p>
+            <a:pPr lvl="1"/>
+            <a:r>
+              <a:rPr lang="ja-JP" altLang="en-US" dirty="0"/>
+              <a:t>システム開発とは～、詳細設計とは～</a:t>
+            </a:r>
+            <a:endParaRPr lang="en-US" altLang="ja-JP" dirty="0"/>
+          </a:p>
+          <a:p>
+            <a:r>
+              <a:rPr kumimoji="1" lang="ja-JP" altLang="en-US" dirty="0"/>
+              <a:t>午後は各自で自由に開発を進めていってください。</a:t>
+            </a:r>
+            <a:endParaRPr kumimoji="1" lang="en-US" altLang="ja-JP" dirty="0"/>
+          </a:p>
+          <a:p>
+            <a:r>
+              <a:rPr kumimoji="1" lang="en-US" altLang="ja-JP" dirty="0"/>
+              <a:t>6 or 7</a:t>
+            </a:r>
+            <a:r>
+              <a:rPr kumimoji="1" lang="ja-JP" altLang="en-US" dirty="0"/>
+              <a:t>日目時点でコミットされているソースおよび設計書について、レビュー＆中間採点を行い、</a:t>
+            </a:r>
+            <a:r>
+              <a:rPr kumimoji="1" lang="en-US" altLang="ja-JP" dirty="0"/>
+              <a:t>8 or </a:t>
+            </a:r>
+            <a:r>
+              <a:rPr lang="en-US" altLang="ja-JP" dirty="0"/>
+              <a:t>9</a:t>
+            </a:r>
+            <a:r>
+              <a:rPr kumimoji="1" lang="ja-JP" altLang="en-US" dirty="0"/>
+              <a:t>日目にレビュー内容の講釈を開きます。</a:t>
+            </a:r>
+            <a:endParaRPr kumimoji="1" lang="en-US" altLang="ja-JP" dirty="0"/>
+          </a:p>
+          <a:p>
+            <a:r>
+              <a:rPr lang="ja-JP" altLang="en-US" dirty="0"/>
+              <a:t>最終日午後に開発したプログラムをプレゼンしてもらいます。</a:t>
+            </a:r>
+            <a:endParaRPr lang="en-US" altLang="ja-JP" dirty="0"/>
+          </a:p>
+          <a:p>
+            <a:endParaRPr kumimoji="1" lang="ja-JP" altLang="en-US" dirty="0"/>
+          </a:p>
+        </p:txBody>
+      </p:sp>
+    </p:spTree>
+    <p:extLst>
+      <p:ext uri="{BB962C8B-B14F-4D97-AF65-F5344CB8AC3E}">
+        <p14:creationId xmlns:p14="http://schemas.microsoft.com/office/powerpoint/2010/main" val="3798576531"/>
+      </p:ext>
+    </p:extLst>
+  </p:cSld>
+  <p:clrMapOvr>
+    <a:masterClrMapping/>
+  </p:clrMapOvr>
+</p:sld>
+</file>
+
+<file path=ppt/slides/slide31.xml><?xml version="1.0" encoding="utf-8"?>
+<p:sld xmlns:a="http://schemas.openxmlformats.org/drawingml/2006/main" xmlns:r="http://schemas.openxmlformats.org/officeDocument/2006/relationships" xmlns:p="http://schemas.openxmlformats.org/presentationml/2006/main">
+  <p:cSld>
+    <p:spTree>
+      <p:nvGrpSpPr>
+        <p:cNvPr id="1" name=""/>
+        <p:cNvGrpSpPr/>
+        <p:nvPr/>
+      </p:nvGrpSpPr>
+      <p:grpSpPr>
+        <a:xfrm>
+          <a:off x="0" y="0"/>
+          <a:ext cx="0" cy="0"/>
+          <a:chOff x="0" y="0"/>
+          <a:chExt cx="0" cy="0"/>
+        </a:xfrm>
+      </p:grpSpPr>
+      <p:sp>
+        <p:nvSpPr>
+          <p:cNvPr id="2" name="タイトル 1">
+            <a:extLst>
+              <a:ext uri="{FF2B5EF4-FFF2-40B4-BE49-F238E27FC236}">
+                <a16:creationId xmlns:a16="http://schemas.microsoft.com/office/drawing/2014/main" id="{6D5F1AB5-BB5E-3A35-E6FA-5C6A285B4F8F}"/>
+              </a:ext>
+            </a:extLst>
+          </p:cNvPr>
+          <p:cNvSpPr>
+            <a:spLocks noGrp="1"/>
+          </p:cNvSpPr>
+          <p:nvPr>
+            <p:ph type="title"/>
+          </p:nvPr>
+        </p:nvSpPr>
+        <p:spPr/>
+        <p:txBody>
+          <a:bodyPr/>
+          <a:lstStyle/>
+          <a:p>
+            <a:r>
+              <a:rPr kumimoji="1" lang="ja-JP" altLang="en-US" dirty="0"/>
+              <a:t>参考リンク</a:t>
+            </a:r>
+          </a:p>
+        </p:txBody>
+      </p:sp>
+      <p:sp>
+        <p:nvSpPr>
+          <p:cNvPr id="3" name="コンテンツ プレースホルダー 2">
+            <a:extLst>
+              <a:ext uri="{FF2B5EF4-FFF2-40B4-BE49-F238E27FC236}">
+                <a16:creationId xmlns:a16="http://schemas.microsoft.com/office/drawing/2014/main" id="{E9936054-437B-B88D-F545-02C05E6E96B1}"/>
+              </a:ext>
+            </a:extLst>
+          </p:cNvPr>
+          <p:cNvSpPr>
+            <a:spLocks noGrp="1"/>
+          </p:cNvSpPr>
+          <p:nvPr>
+            <p:ph idx="1"/>
+          </p:nvPr>
+        </p:nvSpPr>
+        <p:spPr/>
+        <p:txBody>
+          <a:bodyPr>
+            <a:normAutofit/>
+          </a:bodyPr>
+          <a:lstStyle/>
+          <a:p>
+            <a:pPr algn="l"/>
+            <a:r>
+              <a:rPr lang="ja-JP" altLang="en-US" sz="1800" b="1" i="0" dirty="0">
+                <a:solidFill>
+                  <a:srgbClr val="000000"/>
+                </a:solidFill>
+                <a:effectLst/>
+                <a:latin typeface="+mj-ea"/>
+                <a:ea typeface="+mj-ea"/>
+                <a:cs typeface="Aharoni" panose="02010803020104030203" pitchFamily="2" charset="-79"/>
+                <a:hlinkClick r:id="rId2"/>
+              </a:rPr>
+              <a:t>とほほの</a:t>
+            </a:r>
+            <a:r>
+              <a:rPr lang="en-US" altLang="ja-JP" sz="1800" b="1" i="0" dirty="0">
+                <a:solidFill>
+                  <a:srgbClr val="000000"/>
+                </a:solidFill>
+                <a:effectLst/>
+                <a:latin typeface="+mj-ea"/>
+                <a:ea typeface="+mj-ea"/>
+                <a:cs typeface="Aharoni" panose="02010803020104030203" pitchFamily="2" charset="-79"/>
+                <a:hlinkClick r:id="rId2"/>
+              </a:rPr>
+              <a:t>Flask</a:t>
+            </a:r>
+            <a:r>
+              <a:rPr lang="ja-JP" altLang="en-US" sz="1800" b="1" i="0" dirty="0">
+                <a:solidFill>
+                  <a:srgbClr val="000000"/>
+                </a:solidFill>
+                <a:effectLst/>
+                <a:latin typeface="+mj-ea"/>
+                <a:ea typeface="+mj-ea"/>
+                <a:cs typeface="Aharoni" panose="02010803020104030203" pitchFamily="2" charset="-79"/>
+                <a:hlinkClick r:id="rId2"/>
+              </a:rPr>
+              <a:t>入門</a:t>
+            </a:r>
+            <a:endParaRPr lang="ja-JP" altLang="en-US" sz="1800" b="1" i="0" dirty="0">
+              <a:solidFill>
+                <a:srgbClr val="000000"/>
+              </a:solidFill>
+              <a:effectLst/>
+              <a:latin typeface="+mj-ea"/>
+              <a:ea typeface="+mj-ea"/>
+              <a:cs typeface="Aharoni" panose="02010803020104030203" pitchFamily="2" charset="-79"/>
+            </a:endParaRPr>
+          </a:p>
+          <a:p>
+            <a:r>
+              <a:rPr lang="ja-JP" altLang="en-US" sz="1800" b="1" dirty="0">
+                <a:latin typeface="+mj-ea"/>
+                <a:ea typeface="+mj-ea"/>
+                <a:cs typeface="Aharoni" panose="02010803020104030203" pitchFamily="2" charset="-79"/>
+                <a:hlinkClick r:id="rId3"/>
+              </a:rPr>
+              <a:t>とほほの</a:t>
+            </a:r>
+            <a:r>
+              <a:rPr lang="en-US" altLang="ja-JP" sz="1800" b="1" dirty="0">
+                <a:latin typeface="+mj-ea"/>
+                <a:ea typeface="+mj-ea"/>
+                <a:cs typeface="Aharoni" panose="02010803020104030203" pitchFamily="2" charset="-79"/>
+                <a:hlinkClick r:id="rId3"/>
+              </a:rPr>
+              <a:t>CSS</a:t>
+            </a:r>
+            <a:r>
+              <a:rPr lang="ja-JP" altLang="en-US" sz="1800" b="1" dirty="0">
+                <a:latin typeface="+mj-ea"/>
+                <a:ea typeface="+mj-ea"/>
+                <a:cs typeface="Aharoni" panose="02010803020104030203" pitchFamily="2" charset="-79"/>
+                <a:hlinkClick r:id="rId3"/>
+              </a:rPr>
+              <a:t>入門</a:t>
+            </a:r>
+            <a:endParaRPr lang="en-US" altLang="ja-JP" sz="1800" b="1" dirty="0">
+              <a:latin typeface="+mj-ea"/>
+              <a:ea typeface="+mj-ea"/>
+              <a:cs typeface="Aharoni" panose="02010803020104030203" pitchFamily="2" charset="-79"/>
+            </a:endParaRPr>
+          </a:p>
+          <a:p>
+            <a:pPr algn="l"/>
+            <a:r>
+              <a:rPr lang="ja-JP" altLang="en-US" sz="1800" b="1" i="0" dirty="0">
+                <a:solidFill>
+                  <a:srgbClr val="000000"/>
+                </a:solidFill>
+                <a:effectLst/>
+                <a:latin typeface="+mj-ea"/>
+                <a:ea typeface="+mj-ea"/>
+                <a:hlinkClick r:id="rId4"/>
+              </a:rPr>
+              <a:t>とほほの</a:t>
+            </a:r>
+            <a:r>
+              <a:rPr lang="en-US" altLang="ja-JP" sz="1800" b="1" i="0" dirty="0">
+                <a:solidFill>
+                  <a:srgbClr val="000000"/>
+                </a:solidFill>
+                <a:effectLst/>
+                <a:latin typeface="+mj-ea"/>
+                <a:ea typeface="+mj-ea"/>
+                <a:hlinkClick r:id="rId4"/>
+              </a:rPr>
+              <a:t>Python</a:t>
+            </a:r>
+            <a:r>
+              <a:rPr lang="ja-JP" altLang="en-US" sz="1800" b="1" i="0" dirty="0">
+                <a:solidFill>
+                  <a:srgbClr val="000000"/>
+                </a:solidFill>
+                <a:effectLst/>
+                <a:latin typeface="+mj-ea"/>
+                <a:ea typeface="+mj-ea"/>
+                <a:hlinkClick r:id="rId4"/>
+              </a:rPr>
+              <a:t>入門</a:t>
+            </a:r>
+            <a:endParaRPr lang="ja-JP" altLang="en-US" sz="1800" b="1" i="0" dirty="0">
+              <a:solidFill>
+                <a:srgbClr val="000000"/>
+              </a:solidFill>
+              <a:effectLst/>
+              <a:latin typeface="+mj-ea"/>
+              <a:ea typeface="+mj-ea"/>
+            </a:endParaRPr>
+          </a:p>
+          <a:p>
+            <a:r>
+              <a:rPr lang="en-US" altLang="ja-JP" sz="1800" b="1" i="0" dirty="0">
+                <a:solidFill>
+                  <a:srgbClr val="113366"/>
+                </a:solidFill>
+                <a:effectLst/>
+                <a:latin typeface="+mj-ea"/>
+                <a:ea typeface="+mj-ea"/>
+                <a:cs typeface="Aharoni" panose="02010803020104030203" pitchFamily="2" charset="-79"/>
+                <a:hlinkClick r:id="rId5"/>
+              </a:rPr>
+              <a:t>Svelte</a:t>
+            </a:r>
+            <a:endParaRPr lang="en-US" altLang="ja-JP" sz="1800" b="1" i="0" dirty="0">
+              <a:solidFill>
+                <a:srgbClr val="113366"/>
+              </a:solidFill>
+              <a:effectLst/>
+              <a:latin typeface="+mj-ea"/>
+              <a:ea typeface="+mj-ea"/>
+              <a:cs typeface="Aharoni" panose="02010803020104030203" pitchFamily="2" charset="-79"/>
+            </a:endParaRPr>
+          </a:p>
+          <a:p>
+            <a:r>
+              <a:rPr lang="en-US" altLang="ja-JP" sz="1800" b="1" i="0" dirty="0" err="1">
+                <a:solidFill>
+                  <a:srgbClr val="113366"/>
+                </a:solidFill>
+                <a:effectLst/>
+                <a:latin typeface="+mj-ea"/>
+                <a:ea typeface="+mj-ea"/>
+                <a:cs typeface="Aharoni" panose="02010803020104030203" pitchFamily="2" charset="-79"/>
+                <a:hlinkClick r:id="rId6"/>
+              </a:rPr>
+              <a:t>SvelteKit</a:t>
+            </a:r>
+            <a:br>
+              <a:rPr lang="ja-JP" altLang="en-US" sz="1800" b="1" i="0" dirty="0">
+                <a:solidFill>
+                  <a:srgbClr val="113366"/>
+                </a:solidFill>
+                <a:effectLst/>
+                <a:latin typeface="+mj-ea"/>
+                <a:ea typeface="+mj-ea"/>
+                <a:hlinkClick r:id="rId7"/>
+              </a:rPr>
+            </a:br>
+            <a:endParaRPr kumimoji="1" lang="ja-JP" altLang="en-US" sz="1800" b="1" dirty="0">
+              <a:latin typeface="+mj-ea"/>
+              <a:ea typeface="+mj-ea"/>
+            </a:endParaRPr>
+          </a:p>
+        </p:txBody>
+      </p:sp>
+    </p:spTree>
+    <p:extLst>
+      <p:ext uri="{BB962C8B-B14F-4D97-AF65-F5344CB8AC3E}">
+        <p14:creationId xmlns:p14="http://schemas.microsoft.com/office/powerpoint/2010/main" val="1639403170"/>
       </p:ext>
     </p:extLst>
   </p:cSld>
@@ -8150,6 +8497,22 @@
               <a:rPr lang="ja-JP" altLang="en-US" dirty="0"/>
               <a:t>環境の準備</a:t>
             </a:r>
+            <a:r>
+              <a:rPr lang="en-US" altLang="ja-JP" dirty="0"/>
+              <a:t>(</a:t>
+            </a:r>
+            <a:r>
+              <a:rPr lang="en-US" altLang="ja-JP" dirty="0" err="1"/>
+              <a:t>WinGET</a:t>
+            </a:r>
+            <a:r>
+              <a:rPr lang="ja-JP" altLang="en-US" dirty="0"/>
+              <a:t>が使えない場合</a:t>
+            </a:r>
+            <a:r>
+              <a:rPr lang="en-US" altLang="ja-JP" dirty="0"/>
+              <a:t>)</a:t>
+            </a:r>
             <a:endParaRPr kumimoji="1" lang="ja-JP" altLang="en-US" dirty="0"/>
           </a:p>
         </p:txBody>
@@ -8433,106 +8796,82 @@
         <p:spPr/>
         <p:txBody>
           <a:bodyPr>
-            <a:normAutofit fontScale="92500" lnSpcReduction="20000"/>
+            <a:normAutofit/>
           </a:bodyPr>
           <a:lstStyle/>
           <a:p>
             <a:r>
-              <a:rPr kumimoji="1" lang="ja-JP" altLang="en-US" dirty="0"/>
-              <a:t>今回のアプリでは、ブラウザ上で動作するフロントエンドのプログラムと、サーバ側で動作するバックエンドの</a:t>
-            </a:r>
-            <a:r>
-              <a:rPr kumimoji="1" lang="en-US" altLang="ja-JP" dirty="0"/>
-              <a:t>2</a:t>
-            </a:r>
-            <a:r>
-              <a:rPr kumimoji="1" lang="ja-JP" altLang="en-US" dirty="0"/>
-              <a:t>つのプログラムと</a:t>
-            </a:r>
-            <a:r>
-              <a:rPr kumimoji="1" lang="en-US" altLang="ja-JP" dirty="0"/>
+              <a:rPr lang="ja-JP" altLang="en-US" dirty="0"/>
+              <a:t>一般的な</a:t>
+            </a:r>
+            <a:r>
+              <a:rPr lang="en-US" altLang="ja-JP" dirty="0"/>
               <a:t>Web</a:t>
             </a:r>
             <a:r>
-              <a:rPr kumimoji="1" lang="ja-JP" altLang="en-US" dirty="0"/>
-              <a:t>サーバが動きます。</a:t>
-            </a:r>
-            <a:endParaRPr kumimoji="1" lang="en-US" altLang="ja-JP" dirty="0"/>
-          </a:p>
-          <a:p>
-            <a:r>
-              <a:rPr kumimoji="1" lang="ja-JP" altLang="en-US" dirty="0"/>
-              <a:t>まず、</a:t>
-            </a:r>
-            <a:r>
-              <a:rPr kumimoji="1" lang="en-US" altLang="ja-JP" dirty="0"/>
-              <a:t>PC</a:t>
-            </a:r>
-            <a:r>
-              <a:rPr kumimoji="1" lang="ja-JP" altLang="en-US" dirty="0"/>
-              <a:t>のブラウザから、リクエストが投げられます。</a:t>
-            </a:r>
-            <a:endParaRPr kumimoji="1" lang="en-US" altLang="ja-JP" dirty="0"/>
-          </a:p>
-          <a:p>
-            <a:r>
-              <a:rPr kumimoji="1" lang="ja-JP" altLang="en-US" dirty="0"/>
-              <a:t>フロントエンドのプログラムが置かれた</a:t>
-            </a:r>
-            <a:r>
-              <a:rPr kumimoji="1" lang="en-US" altLang="ja-JP" dirty="0"/>
+              <a:rPr lang="ja-JP" altLang="en-US" dirty="0"/>
+              <a:t>アプリは、ブラウザからリクエストを受けてレスポンスを返し、ブラウザ上で</a:t>
+            </a:r>
+            <a:r>
+              <a:rPr lang="en-US" altLang="ja-JP" dirty="0"/>
+              <a:t>HTML</a:t>
+            </a:r>
+            <a:r>
+              <a:rPr lang="ja-JP" altLang="en-US" dirty="0"/>
+              <a:t>形式で描画します。</a:t>
+            </a:r>
+            <a:endParaRPr lang="en-US" altLang="ja-JP" dirty="0"/>
+          </a:p>
+          <a:p>
+            <a:r>
+              <a:rPr lang="en-US" altLang="ja-JP" dirty="0"/>
               <a:t>Web</a:t>
             </a:r>
             <a:r>
-              <a:rPr kumimoji="1" lang="ja-JP" altLang="en-US" dirty="0"/>
-              <a:t>サーバは</a:t>
-            </a:r>
-            <a:r>
-              <a:rPr kumimoji="1" lang="en-US" altLang="ja-JP" dirty="0"/>
-              <a:t>JavaScript</a:t>
-            </a:r>
-            <a:r>
-              <a:rPr kumimoji="1" lang="ja-JP" altLang="en-US" dirty="0"/>
-              <a:t>のプログラムや</a:t>
-            </a:r>
-            <a:r>
-              <a:rPr kumimoji="1" lang="en-US" altLang="ja-JP" dirty="0"/>
-              <a:t>HTML</a:t>
-            </a:r>
-            <a:r>
-              <a:rPr kumimoji="1" lang="ja-JP" altLang="en-US" dirty="0"/>
-              <a:t>等の静的コンテンツを返します。</a:t>
-            </a:r>
-            <a:endParaRPr kumimoji="1" lang="en-US" altLang="ja-JP" dirty="0"/>
-          </a:p>
-          <a:p>
-            <a:r>
-              <a:rPr kumimoji="1" lang="ja-JP" altLang="en-US" dirty="0"/>
-              <a:t>フロントエンドのプログラムがブラウザ上で動作して、必要なデータをバックエンドサーバに取りに行きます。</a:t>
-            </a:r>
-            <a:endParaRPr kumimoji="1" lang="en-US" altLang="ja-JP" dirty="0"/>
-          </a:p>
-          <a:p>
-            <a:r>
-              <a:rPr kumimoji="1" lang="ja-JP" altLang="en-US" dirty="0"/>
-              <a:t>ブラウザ</a:t>
-            </a:r>
-            <a:r>
-              <a:rPr lang="ja-JP" altLang="en-US" dirty="0"/>
-              <a:t>上で動作するフロントエンドはバックエンドから返されたデータを元に</a:t>
-            </a:r>
-            <a:r>
-              <a:rPr kumimoji="1" lang="ja-JP" altLang="en-US" dirty="0"/>
-              <a:t>、画面を描画して、</a:t>
-            </a:r>
-            <a:r>
-              <a:rPr kumimoji="1" lang="en-US" altLang="ja-JP" dirty="0"/>
-              <a:t>PC</a:t>
-            </a:r>
-            <a:r>
-              <a:rPr kumimoji="1" lang="ja-JP" altLang="en-US" dirty="0"/>
-              <a:t>上に表示する。</a:t>
-            </a:r>
+              <a:rPr lang="ja-JP" altLang="en-US" dirty="0"/>
+              <a:t>サーバ上では、</a:t>
+            </a:r>
+            <a:r>
+              <a:rPr lang="en-US" altLang="ja-JP" dirty="0"/>
+              <a:t>Python</a:t>
+            </a:r>
+            <a:r>
+              <a:rPr lang="ja-JP" altLang="en-US" dirty="0"/>
+              <a:t>や</a:t>
+            </a:r>
+            <a:r>
+              <a:rPr lang="en-US" altLang="ja-JP" dirty="0"/>
+              <a:t>Java</a:t>
+            </a:r>
+            <a:r>
+              <a:rPr lang="ja-JP" altLang="en-US" dirty="0"/>
+              <a:t>などのアプリケーションサーバが動作し、描画に含めるロジックやデータを返却するコードが実装されています。</a:t>
+            </a:r>
+            <a:endParaRPr lang="en-US" altLang="ja-JP" dirty="0"/>
+          </a:p>
+          <a:p>
+            <a:r>
+              <a:rPr lang="ja-JP" altLang="en-US" dirty="0"/>
+              <a:t>この形式では、リクエスト／レスポンスの都度、サーバ／クライアント間の通信が発生し、画面の再描画が行われます。</a:t>
+            </a:r>
+            <a:endParaRPr lang="en-US" altLang="ja-JP" dirty="0"/>
+          </a:p>
+          <a:p>
+            <a:r>
+              <a:rPr lang="ja-JP" altLang="en-US" dirty="0"/>
+              <a:t>モダン</a:t>
+            </a:r>
+            <a:r>
+              <a:rPr lang="en-US" altLang="ja-JP" dirty="0"/>
+              <a:t>Web</a:t>
+            </a:r>
+            <a:r>
+              <a:rPr lang="ja-JP" altLang="en-US" dirty="0"/>
+              <a:t>アプリでは、クライアント側でも描画を担当するプログラムを動作させて、読込待ちを減らしたり、よりリッチな描画ができるようになっています。</a:t>
+            </a:r>
+            <a:endParaRPr lang="en-US" altLang="ja-JP" dirty="0"/>
+          </a:p>
+          <a:p>
             <a:endParaRPr kumimoji="1" lang="en-US" altLang="ja-JP" dirty="0"/>
           </a:p>
         </p:txBody>
@@ -8551,6 +8890,176 @@
 </file>
 
 <file path=ppt/slides/slide8.xml><?xml version="1.0" encoding="utf-8"?>
+<p:sld xmlns:a="http://schemas.openxmlformats.org/drawingml/2006/main" xmlns:r="http://schemas.openxmlformats.org/officeDocument/2006/relationships" xmlns:p="http://schemas.openxmlformats.org/presentationml/2006/main">
+  <p:cSld>
+    <p:spTree>
+      <p:nvGrpSpPr>
+        <p:cNvPr id="1" name=""/>
+        <p:cNvGrpSpPr/>
+        <p:nvPr/>
+      </p:nvGrpSpPr>
+      <p:grpSpPr>
+        <a:xfrm>
+          <a:off x="0" y="0"/>
+          <a:ext cx="0" cy="0"/>
+          <a:chOff x="0" y="0"/>
+          <a:chExt cx="0" cy="0"/>
+        </a:xfrm>
+      </p:grpSpPr>
+      <p:sp>
+        <p:nvSpPr>
+          <p:cNvPr id="2" name="タイトル 1">
+            <a:extLst>
+              <a:ext uri="{FF2B5EF4-FFF2-40B4-BE49-F238E27FC236}">
+                <a16:creationId xmlns:a16="http://schemas.microsoft.com/office/drawing/2014/main" id="{8A15F40E-96E5-23AD-2E93-B787C5CACCC4}"/>
+              </a:ext>
+            </a:extLst>
+          </p:cNvPr>
+          <p:cNvSpPr>
+            <a:spLocks noGrp="1"/>
+          </p:cNvSpPr>
+          <p:nvPr>
+            <p:ph type="title"/>
+          </p:nvPr>
+        </p:nvSpPr>
+        <p:spPr/>
+        <p:txBody>
+          <a:bodyPr/>
+          <a:lstStyle/>
+          <a:p>
+            <a:r>
+              <a:rPr kumimoji="1" lang="en-US" altLang="ja-JP" dirty="0"/>
+              <a:t>Web</a:t>
+            </a:r>
+            <a:r>
+              <a:rPr kumimoji="1" lang="ja-JP" altLang="en-US" dirty="0"/>
+              <a:t>アプリとは？</a:t>
+            </a:r>
+          </a:p>
+        </p:txBody>
+      </p:sp>
+      <p:sp>
+        <p:nvSpPr>
+          <p:cNvPr id="3" name="コンテンツ プレースホルダー 2">
+            <a:extLst>
+              <a:ext uri="{FF2B5EF4-FFF2-40B4-BE49-F238E27FC236}">
+                <a16:creationId xmlns:a16="http://schemas.microsoft.com/office/drawing/2014/main" id="{3858A854-6EB3-A3DE-FB00-DF144B83F791}"/>
+              </a:ext>
+            </a:extLst>
+          </p:cNvPr>
+          <p:cNvSpPr>
+            <a:spLocks noGrp="1"/>
+          </p:cNvSpPr>
+          <p:nvPr>
+            <p:ph idx="1"/>
+          </p:nvPr>
+        </p:nvSpPr>
+        <p:spPr/>
+        <p:txBody>
+          <a:bodyPr>
+            <a:normAutofit/>
+          </a:bodyPr>
+          <a:lstStyle/>
+          <a:p>
+            <a:r>
+              <a:rPr kumimoji="1" lang="ja-JP" altLang="en-US" dirty="0"/>
+              <a:t>今回のアプリでは、ブラウザ上で動作するフロントエンドのプログラムと、サーバ側で動作するバックエンドの</a:t>
+            </a:r>
+            <a:r>
+              <a:rPr kumimoji="1" lang="en-US" altLang="ja-JP" dirty="0"/>
+              <a:t>2</a:t>
+            </a:r>
+            <a:r>
+              <a:rPr kumimoji="1" lang="ja-JP" altLang="en-US" dirty="0"/>
+              <a:t>つのプログラムと</a:t>
+            </a:r>
+            <a:r>
+              <a:rPr kumimoji="1" lang="en-US" altLang="ja-JP" dirty="0"/>
+              <a:t>Web</a:t>
+            </a:r>
+            <a:r>
+              <a:rPr kumimoji="1" lang="ja-JP" altLang="en-US" dirty="0"/>
+              <a:t>サーバが動きます。</a:t>
+            </a:r>
+            <a:endParaRPr kumimoji="1" lang="en-US" altLang="ja-JP" dirty="0"/>
+          </a:p>
+          <a:p>
+            <a:r>
+              <a:rPr kumimoji="1" lang="ja-JP" altLang="en-US" dirty="0"/>
+              <a:t>フロントエンドのプログラムが置かれた</a:t>
+            </a:r>
+            <a:r>
+              <a:rPr kumimoji="1" lang="en-US" altLang="ja-JP" dirty="0"/>
+              <a:t>Web</a:t>
+            </a:r>
+            <a:r>
+              <a:rPr kumimoji="1" lang="ja-JP" altLang="en-US" dirty="0"/>
+              <a:t>サーバは</a:t>
+            </a:r>
+            <a:r>
+              <a:rPr kumimoji="1" lang="en-US" altLang="ja-JP" dirty="0"/>
+              <a:t>JavaScript</a:t>
+            </a:r>
+            <a:r>
+              <a:rPr kumimoji="1" lang="ja-JP" altLang="en-US" dirty="0"/>
+              <a:t>のプログラムや</a:t>
+            </a:r>
+            <a:r>
+              <a:rPr kumimoji="1" lang="en-US" altLang="ja-JP" dirty="0"/>
+              <a:t>HTML</a:t>
+            </a:r>
+            <a:r>
+              <a:rPr kumimoji="1" lang="ja-JP" altLang="en-US" dirty="0"/>
+              <a:t>等の静的コンテンツを返します。</a:t>
+            </a:r>
+            <a:endParaRPr kumimoji="1" lang="en-US" altLang="ja-JP" dirty="0"/>
+          </a:p>
+          <a:p>
+            <a:r>
+              <a:rPr kumimoji="1" lang="ja-JP" altLang="en-US" dirty="0"/>
+              <a:t>フロントエンドのプログラムがブラウザ上で動作して、必要なデータをバックエンドサーバに取りに行きます。</a:t>
+            </a:r>
+            <a:endParaRPr kumimoji="1" lang="en-US" altLang="ja-JP" dirty="0"/>
+          </a:p>
+          <a:p>
+            <a:r>
+              <a:rPr kumimoji="1" lang="ja-JP" altLang="en-US" dirty="0"/>
+              <a:t>ブラウザ</a:t>
+            </a:r>
+            <a:r>
+              <a:rPr lang="ja-JP" altLang="en-US" dirty="0"/>
+              <a:t>上で動作するフロントエンドはバックエンドから返されたデータを元に</a:t>
+            </a:r>
+            <a:r>
+              <a:rPr kumimoji="1" lang="ja-JP" altLang="en-US" dirty="0"/>
+              <a:t>、画面を描画して、</a:t>
+            </a:r>
+            <a:r>
+              <a:rPr kumimoji="1" lang="en-US" altLang="ja-JP" dirty="0"/>
+              <a:t>PC</a:t>
+            </a:r>
+            <a:r>
+              <a:rPr kumimoji="1" lang="ja-JP" altLang="en-US" dirty="0"/>
+              <a:t>上に表示します。</a:t>
+            </a:r>
+            <a:endParaRPr kumimoji="1" lang="en-US" altLang="ja-JP" dirty="0"/>
+          </a:p>
+        </p:txBody>
+      </p:sp>
+    </p:spTree>
+    <p:extLst>
+      <p:ext uri="{BB962C8B-B14F-4D97-AF65-F5344CB8AC3E}">
+        <p14:creationId xmlns:p14="http://schemas.microsoft.com/office/powerpoint/2010/main" val="880230987"/>
+      </p:ext>
+    </p:extLst>
+  </p:cSld>
+  <p:clrMapOvr>
+    <a:masterClrMapping/>
+  </p:clrMapOvr>
+</p:sld>
+</file>
+
+<file path=ppt/slides/slide9.xml><?xml version="1.0" encoding="utf-8"?>
 <p:sld xmlns:a="http://schemas.openxmlformats.org/drawingml/2006/main" xmlns:r="http://schemas.openxmlformats.org/officeDocument/2006/relationships" xmlns:p="http://schemas.openxmlformats.org/presentationml/2006/main">
   <p:cSld>
     <p:spTree>
@@ -8675,8 +9184,8 @@
         </p:nvSpPr>
         <p:spPr>
           <a:xfrm>
-            <a:off x="8227483" y="2247900"/>
-            <a:ext cx="2428875" cy="3448050"/>
+            <a:off x="8134348" y="2247900"/>
+            <a:ext cx="2947081" cy="3448050"/>
           </a:xfrm>
           <a:prstGeom prst="rect">
             <a:avLst/>
@@ -8742,7 +9251,7 @@
         </p:nvSpPr>
         <p:spPr>
           <a:xfrm>
-            <a:off x="6522061" y="2870200"/>
+            <a:off x="6395061" y="3175000"/>
             <a:ext cx="2088539" cy="643467"/>
           </a:xfrm>
           <a:prstGeom prst="rightArrow">
@@ -8786,7 +9295,7 @@
         </p:nvSpPr>
         <p:spPr>
           <a:xfrm flipH="1">
-            <a:off x="6462792" y="4530113"/>
+            <a:off x="6361190" y="4530113"/>
             <a:ext cx="2088539" cy="643467"/>
           </a:xfrm>
           <a:prstGeom prst="rightArrow">
@@ -8896,8 +9405,8 @@
         </p:nvSpPr>
         <p:spPr>
           <a:xfrm>
-            <a:off x="8805332" y="2842189"/>
-            <a:ext cx="1388533" cy="1293496"/>
+            <a:off x="8542865" y="2842189"/>
+            <a:ext cx="1083735" cy="2610344"/>
           </a:xfrm>
           <a:prstGeom prst="roundRect">
             <a:avLst/>
@@ -9006,8 +9515,8 @@
         </p:nvSpPr>
         <p:spPr>
           <a:xfrm>
-            <a:off x="8853220" y="4605254"/>
-            <a:ext cx="1292755" cy="965201"/>
+            <a:off x="9946854" y="3664760"/>
+            <a:ext cx="851385" cy="965201"/>
           </a:xfrm>
           <a:prstGeom prst="flowChartMagneticDisk">
             <a:avLst/>
@@ -9052,15 +9561,16 @@
             </a:extLst>
           </p:cNvPr>
           <p:cNvCxnSpPr>
-            <a:stCxn id="10" idx="2"/>
-            <a:endCxn id="12" idx="1"/>
+            <a:cxnSpLocks/>
+            <a:stCxn id="10" idx="3"/>
+            <a:endCxn id="12" idx="2"/>
           </p:cNvCxnSpPr>
           <p:nvPr/>
         </p:nvCxnSpPr>
         <p:spPr>
-          <a:xfrm flipH="1">
-            <a:off x="9499598" y="4135685"/>
-            <a:ext cx="1" cy="469569"/>
+          <a:xfrm>
+            <a:off x="9626600" y="4147361"/>
+            <a:ext cx="320254" cy="0"/>
           </a:xfrm>
           <a:prstGeom prst="straightConnector1">
             <a:avLst/>
@@ -9325,7 +9835,7 @@
         </p:nvSpPr>
         <p:spPr>
           <a:xfrm>
-            <a:off x="6715943" y="2988231"/>
+            <a:off x="6588943" y="3293031"/>
             <a:ext cx="1667444" cy="369332"/>
           </a:xfrm>
           <a:prstGeom prst="rect">
@@ -9364,7 +9874,7 @@
         </p:nvSpPr>
         <p:spPr>
           <a:xfrm>
-            <a:off x="6805894" y="4683422"/>
+            <a:off x="6704292" y="4683422"/>
             <a:ext cx="1569660" cy="369332"/>
           </a:xfrm>
           <a:prstGeom prst="rect">
@@ -9435,249 +9945,6 @@
     <p:extLst>
       <p:ext uri="{BB962C8B-B14F-4D97-AF65-F5344CB8AC3E}">
         <p14:creationId xmlns:p14="http://schemas.microsoft.com/office/powerpoint/2010/main" val="1292070780"/>
-      </p:ext>
-    </p:extLst>
-  </p:cSld>
-  <p:clrMapOvr>
-    <a:masterClrMapping/>
-  </p:clrMapOvr>
-</p:sld>
-</file>
-
-<file path=ppt/slides/slide9.xml><?xml version="1.0" encoding="utf-8"?>
-<p:sld xmlns:a="http://schemas.openxmlformats.org/drawingml/2006/main" xmlns:r="http://schemas.openxmlformats.org/officeDocument/2006/relationships" xmlns:p="http://schemas.openxmlformats.org/presentationml/2006/main">
-  <p:cSld>
-    <p:spTree>
-      <p:nvGrpSpPr>
-        <p:cNvPr id="1" name=""/>
-        <p:cNvGrpSpPr/>
-        <p:nvPr/>
-      </p:nvGrpSpPr>
-      <p:grpSpPr>
-        <a:xfrm>
-          <a:off x="0" y="0"/>
-          <a:ext cx="0" cy="0"/>
-          <a:chOff x="0" y="0"/>
-          <a:chExt cx="0" cy="0"/>
-        </a:xfrm>
-      </p:grpSpPr>
-      <p:sp>
-        <p:nvSpPr>
-          <p:cNvPr id="2" name="タイトル 1">
-            <a:extLst>
-              <a:ext uri="{FF2B5EF4-FFF2-40B4-BE49-F238E27FC236}">
-                <a16:creationId xmlns:a16="http://schemas.microsoft.com/office/drawing/2014/main" id="{3970653B-AB84-8BA1-4770-E400B68D9DD6}"/>
-              </a:ext>
-            </a:extLst>
-          </p:cNvPr>
-          <p:cNvSpPr>
-            <a:spLocks noGrp="1"/>
-          </p:cNvSpPr>
-          <p:nvPr>
-            <p:ph type="title"/>
-          </p:nvPr>
-        </p:nvSpPr>
-        <p:spPr/>
-        <p:txBody>
-          <a:bodyPr/>
-          <a:lstStyle/>
-          <a:p>
-            <a:r>
-              <a:rPr kumimoji="1" lang="ja-JP" altLang="en-US" dirty="0"/>
-              <a:t>技術用語　その１</a:t>
-            </a:r>
-          </a:p>
-        </p:txBody>
-      </p:sp>
-      <p:sp>
-        <p:nvSpPr>
-          <p:cNvPr id="3" name="コンテンツ プレースホルダー 2">
-            <a:extLst>
-              <a:ext uri="{FF2B5EF4-FFF2-40B4-BE49-F238E27FC236}">
-                <a16:creationId xmlns:a16="http://schemas.microsoft.com/office/drawing/2014/main" id="{684F9020-B47E-9640-7B6A-A5542F5544F2}"/>
-              </a:ext>
-            </a:extLst>
-          </p:cNvPr>
-          <p:cNvSpPr>
-            <a:spLocks noGrp="1"/>
-          </p:cNvSpPr>
-          <p:nvPr>
-            <p:ph idx="1"/>
-          </p:nvPr>
-        </p:nvSpPr>
-        <p:spPr/>
-        <p:txBody>
-          <a:bodyPr>
-            <a:normAutofit fontScale="85000" lnSpcReduction="20000"/>
-          </a:bodyPr>
-          <a:lstStyle/>
-          <a:p>
-            <a:r>
-              <a:rPr kumimoji="1" lang="en-US" altLang="ja-JP" dirty="0"/>
-              <a:t>Python</a:t>
-            </a:r>
-          </a:p>
-          <a:p>
-            <a:pPr lvl="1"/>
-            <a:r>
-              <a:rPr lang="ja-JP" altLang="en-US" dirty="0"/>
-              <a:t>スクリプト型のプログラミング言語、</a:t>
-            </a:r>
-            <a:r>
-              <a:rPr lang="en-US" altLang="ja-JP" dirty="0"/>
-              <a:t>AI</a:t>
-            </a:r>
-            <a:r>
-              <a:rPr lang="ja-JP" altLang="en-US" dirty="0"/>
-              <a:t>や機械学習に強い。</a:t>
-            </a:r>
-            <a:endParaRPr lang="en-US" altLang="ja-JP" dirty="0"/>
-          </a:p>
-          <a:p>
-            <a:pPr lvl="1"/>
-            <a:r>
-              <a:rPr kumimoji="1" lang="ja-JP" altLang="en-US" dirty="0"/>
-              <a:t>今回のシステムでは、バックエンドを実装担当する。</a:t>
-            </a:r>
-            <a:endParaRPr kumimoji="1" lang="en-US" altLang="ja-JP" dirty="0"/>
-          </a:p>
-          <a:p>
-            <a:r>
-              <a:rPr kumimoji="1" lang="en-US" altLang="ja-JP" dirty="0"/>
-              <a:t>JavaScript</a:t>
-            </a:r>
-          </a:p>
-          <a:p>
-            <a:pPr lvl="1"/>
-            <a:r>
-              <a:rPr lang="ja-JP" altLang="en-US" dirty="0"/>
-              <a:t>ブラウザ上で動作するスクリプト型のプログラミング言語</a:t>
-            </a:r>
-            <a:endParaRPr lang="en-US" altLang="ja-JP" dirty="0"/>
-          </a:p>
-          <a:p>
-            <a:pPr lvl="1"/>
-            <a:r>
-              <a:rPr lang="ja-JP" altLang="en-US" dirty="0"/>
-              <a:t>主にフロントエンド開発で用いる言語</a:t>
-            </a:r>
-            <a:endParaRPr lang="en-US" altLang="ja-JP" dirty="0"/>
-          </a:p>
-          <a:p>
-            <a:r>
-              <a:rPr kumimoji="1" lang="en-US" altLang="ja-JP" dirty="0"/>
-              <a:t>HTML</a:t>
-            </a:r>
-            <a:r>
-              <a:rPr kumimoji="1" lang="ja-JP" altLang="en-US" dirty="0"/>
-              <a:t>（</a:t>
-            </a:r>
-            <a:r>
-              <a:rPr kumimoji="1" lang="en-US" altLang="ja-JP" dirty="0"/>
-              <a:t>Hyper</a:t>
-            </a:r>
-            <a:r>
-              <a:rPr kumimoji="1" lang="ja-JP" altLang="en-US" dirty="0"/>
-              <a:t> </a:t>
-            </a:r>
-            <a:r>
-              <a:rPr kumimoji="1" lang="en-US" altLang="ja-JP" dirty="0"/>
-              <a:t>Text</a:t>
-            </a:r>
-            <a:r>
-              <a:rPr kumimoji="1" lang="ja-JP" altLang="en-US" dirty="0"/>
-              <a:t> </a:t>
-            </a:r>
-            <a:r>
-              <a:rPr kumimoji="1" lang="en-US" altLang="ja-JP" dirty="0"/>
-              <a:t>Markup</a:t>
-            </a:r>
-            <a:r>
-              <a:rPr kumimoji="1" lang="ja-JP" altLang="en-US" dirty="0"/>
-              <a:t> </a:t>
-            </a:r>
-            <a:r>
-              <a:rPr kumimoji="1" lang="en-US" altLang="ja-JP" dirty="0"/>
-              <a:t>Language</a:t>
-            </a:r>
-            <a:r>
-              <a:rPr kumimoji="1" lang="ja-JP" altLang="en-US" dirty="0"/>
-              <a:t>）</a:t>
-            </a:r>
-            <a:endParaRPr kumimoji="1" lang="en-US" altLang="ja-JP" dirty="0"/>
-          </a:p>
-          <a:p>
-            <a:pPr lvl="1"/>
-            <a:r>
-              <a:rPr lang="ja-JP" altLang="en-US" dirty="0"/>
-              <a:t>ブラウザ上で</a:t>
-            </a:r>
-            <a:r>
-              <a:rPr lang="en-US" altLang="ja-JP" dirty="0"/>
-              <a:t>Web</a:t>
-            </a:r>
-            <a:r>
-              <a:rPr lang="ja-JP" altLang="en-US" dirty="0"/>
-              <a:t>を表示するためのマークアップ言語</a:t>
-            </a:r>
-            <a:endParaRPr lang="en-US" altLang="ja-JP" dirty="0"/>
-          </a:p>
-          <a:p>
-            <a:r>
-              <a:rPr lang="en-US" altLang="ja-JP" dirty="0"/>
-              <a:t>CSS</a:t>
-            </a:r>
-            <a:r>
-              <a:rPr lang="ja-JP" altLang="en-US" dirty="0"/>
-              <a:t>（</a:t>
-            </a:r>
-            <a:r>
-              <a:rPr lang="en-US" altLang="ja-JP" dirty="0"/>
-              <a:t>Cascading</a:t>
-            </a:r>
-            <a:r>
-              <a:rPr lang="ja-JP" altLang="en-US" dirty="0"/>
-              <a:t> </a:t>
-            </a:r>
-            <a:r>
-              <a:rPr lang="en-US" altLang="ja-JP" dirty="0"/>
-              <a:t>Style</a:t>
-            </a:r>
-            <a:r>
-              <a:rPr lang="ja-JP" altLang="en-US" dirty="0"/>
-              <a:t> </a:t>
-            </a:r>
-            <a:r>
-              <a:rPr lang="en-US" altLang="ja-JP" dirty="0"/>
-              <a:t>Sheet</a:t>
-            </a:r>
-            <a:r>
-              <a:rPr lang="ja-JP" altLang="en-US" dirty="0"/>
-              <a:t>）</a:t>
-            </a:r>
-            <a:endParaRPr lang="en-US" altLang="ja-JP" dirty="0"/>
-          </a:p>
-          <a:p>
-            <a:pPr lvl="1"/>
-            <a:r>
-              <a:rPr lang="en-US" altLang="ja-JP" dirty="0"/>
-              <a:t>HTML</a:t>
-            </a:r>
-            <a:r>
-              <a:rPr lang="ja-JP" altLang="en-US" dirty="0"/>
-              <a:t>の表示を装飾するための記法／設定</a:t>
-            </a:r>
-            <a:endParaRPr lang="en-US" altLang="ja-JP" dirty="0"/>
-          </a:p>
-          <a:p>
-            <a:endParaRPr kumimoji="1" lang="ja-JP" altLang="en-US" dirty="0"/>
-          </a:p>
-        </p:txBody>
-      </p:sp>
-    </p:spTree>
-    <p:extLst>
-      <p:ext uri="{BB962C8B-B14F-4D97-AF65-F5344CB8AC3E}">
-        <p14:creationId xmlns:p14="http://schemas.microsoft.com/office/powerpoint/2010/main" val="1028954192"/>
       </p:ext>
     </p:extLst>
   </p:cSld>
